--- a/paper/images/ asli.pptx
+++ b/paper/images/ asli.pptx
@@ -13,7 +13,7 @@
     <a:defPPr>
       <a:defRPr lang="en-US"/>
     </a:defPPr>
-    <a:lvl1pPr marL="0" algn="l" defTabSz="457200" rtl="0" eaLnBrk="1" latinLnBrk="0" hangingPunct="1">
+    <a:lvl1pPr marL="0" algn="l" defTabSz="457146" rtl="0" eaLnBrk="1" latinLnBrk="0" hangingPunct="1">
       <a:defRPr sz="1800" kern="1200">
         <a:solidFill>
           <a:schemeClr val="tx1"/>
@@ -23,7 +23,7 @@
         <a:cs typeface="+mn-cs"/>
       </a:defRPr>
     </a:lvl1pPr>
-    <a:lvl2pPr marL="457200" algn="l" defTabSz="457200" rtl="0" eaLnBrk="1" latinLnBrk="0" hangingPunct="1">
+    <a:lvl2pPr marL="457146" algn="l" defTabSz="457146" rtl="0" eaLnBrk="1" latinLnBrk="0" hangingPunct="1">
       <a:defRPr sz="1800" kern="1200">
         <a:solidFill>
           <a:schemeClr val="tx1"/>
@@ -33,7 +33,7 @@
         <a:cs typeface="+mn-cs"/>
       </a:defRPr>
     </a:lvl2pPr>
-    <a:lvl3pPr marL="914400" algn="l" defTabSz="457200" rtl="0" eaLnBrk="1" latinLnBrk="0" hangingPunct="1">
+    <a:lvl3pPr marL="914291" algn="l" defTabSz="457146" rtl="0" eaLnBrk="1" latinLnBrk="0" hangingPunct="1">
       <a:defRPr sz="1800" kern="1200">
         <a:solidFill>
           <a:schemeClr val="tx1"/>
@@ -43,7 +43,7 @@
         <a:cs typeface="+mn-cs"/>
       </a:defRPr>
     </a:lvl3pPr>
-    <a:lvl4pPr marL="1371600" algn="l" defTabSz="457200" rtl="0" eaLnBrk="1" latinLnBrk="0" hangingPunct="1">
+    <a:lvl4pPr marL="1371438" algn="l" defTabSz="457146" rtl="0" eaLnBrk="1" latinLnBrk="0" hangingPunct="1">
       <a:defRPr sz="1800" kern="1200">
         <a:solidFill>
           <a:schemeClr val="tx1"/>
@@ -53,7 +53,7 @@
         <a:cs typeface="+mn-cs"/>
       </a:defRPr>
     </a:lvl4pPr>
-    <a:lvl5pPr marL="1828800" algn="l" defTabSz="457200" rtl="0" eaLnBrk="1" latinLnBrk="0" hangingPunct="1">
+    <a:lvl5pPr marL="1828583" algn="l" defTabSz="457146" rtl="0" eaLnBrk="1" latinLnBrk="0" hangingPunct="1">
       <a:defRPr sz="1800" kern="1200">
         <a:solidFill>
           <a:schemeClr val="tx1"/>
@@ -63,7 +63,7 @@
         <a:cs typeface="+mn-cs"/>
       </a:defRPr>
     </a:lvl5pPr>
-    <a:lvl6pPr marL="2286000" algn="l" defTabSz="457200" rtl="0" eaLnBrk="1" latinLnBrk="0" hangingPunct="1">
+    <a:lvl6pPr marL="2285729" algn="l" defTabSz="457146" rtl="0" eaLnBrk="1" latinLnBrk="0" hangingPunct="1">
       <a:defRPr sz="1800" kern="1200">
         <a:solidFill>
           <a:schemeClr val="tx1"/>
@@ -73,7 +73,7 @@
         <a:cs typeface="+mn-cs"/>
       </a:defRPr>
     </a:lvl6pPr>
-    <a:lvl7pPr marL="2743200" algn="l" defTabSz="457200" rtl="0" eaLnBrk="1" latinLnBrk="0" hangingPunct="1">
+    <a:lvl7pPr marL="2742874" algn="l" defTabSz="457146" rtl="0" eaLnBrk="1" latinLnBrk="0" hangingPunct="1">
       <a:defRPr sz="1800" kern="1200">
         <a:solidFill>
           <a:schemeClr val="tx1"/>
@@ -83,7 +83,7 @@
         <a:cs typeface="+mn-cs"/>
       </a:defRPr>
     </a:lvl7pPr>
-    <a:lvl8pPr marL="3200400" algn="l" defTabSz="457200" rtl="0" eaLnBrk="1" latinLnBrk="0" hangingPunct="1">
+    <a:lvl8pPr marL="3200020" algn="l" defTabSz="457146" rtl="0" eaLnBrk="1" latinLnBrk="0" hangingPunct="1">
       <a:defRPr sz="1800" kern="1200">
         <a:solidFill>
           <a:schemeClr val="tx1"/>
@@ -93,7 +93,7 @@
         <a:cs typeface="+mn-cs"/>
       </a:defRPr>
     </a:lvl8pPr>
-    <a:lvl9pPr marL="3657600" algn="l" defTabSz="457200" rtl="0" eaLnBrk="1" latinLnBrk="0" hangingPunct="1">
+    <a:lvl9pPr marL="3657166" algn="l" defTabSz="457146" rtl="0" eaLnBrk="1" latinLnBrk="0" hangingPunct="1">
       <a:defRPr sz="1800" kern="1200">
         <a:solidFill>
           <a:schemeClr val="tx1"/>
@@ -136,7 +136,7 @@
         </p:nvSpPr>
         <p:spPr>
           <a:xfrm>
-            <a:off x="685800" y="2130425"/>
+            <a:off x="685801" y="2130426"/>
             <a:ext cx="7772400" cy="1470025"/>
           </a:xfrm>
         </p:spPr>
@@ -164,7 +164,7 @@
         </p:nvSpPr>
         <p:spPr>
           <a:xfrm>
-            <a:off x="1371600" y="3886200"/>
+            <a:off x="1371601" y="3886200"/>
             <a:ext cx="6400800" cy="1752600"/>
           </a:xfrm>
         </p:spPr>
@@ -181,7 +181,7 @@
                 </a:solidFill>
               </a:defRPr>
             </a:lvl1pPr>
-            <a:lvl2pPr marL="457200" indent="0" algn="ctr">
+            <a:lvl2pPr marL="457146" indent="0" algn="ctr">
               <a:buNone/>
               <a:defRPr>
                 <a:solidFill>
@@ -191,7 +191,7 @@
                 </a:solidFill>
               </a:defRPr>
             </a:lvl2pPr>
-            <a:lvl3pPr marL="914400" indent="0" algn="ctr">
+            <a:lvl3pPr marL="914291" indent="0" algn="ctr">
               <a:buNone/>
               <a:defRPr>
                 <a:solidFill>
@@ -201,7 +201,7 @@
                 </a:solidFill>
               </a:defRPr>
             </a:lvl3pPr>
-            <a:lvl4pPr marL="1371600" indent="0" algn="ctr">
+            <a:lvl4pPr marL="1371438" indent="0" algn="ctr">
               <a:buNone/>
               <a:defRPr>
                 <a:solidFill>
@@ -211,7 +211,7 @@
                 </a:solidFill>
               </a:defRPr>
             </a:lvl4pPr>
-            <a:lvl5pPr marL="1828800" indent="0" algn="ctr">
+            <a:lvl5pPr marL="1828583" indent="0" algn="ctr">
               <a:buNone/>
               <a:defRPr>
                 <a:solidFill>
@@ -221,7 +221,7 @@
                 </a:solidFill>
               </a:defRPr>
             </a:lvl5pPr>
-            <a:lvl6pPr marL="2286000" indent="0" algn="ctr">
+            <a:lvl6pPr marL="2285729" indent="0" algn="ctr">
               <a:buNone/>
               <a:defRPr>
                 <a:solidFill>
@@ -231,7 +231,7 @@
                 </a:solidFill>
               </a:defRPr>
             </a:lvl6pPr>
-            <a:lvl7pPr marL="2743200" indent="0" algn="ctr">
+            <a:lvl7pPr marL="2742874" indent="0" algn="ctr">
               <a:buNone/>
               <a:defRPr>
                 <a:solidFill>
@@ -241,7 +241,7 @@
                 </a:solidFill>
               </a:defRPr>
             </a:lvl7pPr>
-            <a:lvl8pPr marL="3200400" indent="0" algn="ctr">
+            <a:lvl8pPr marL="3200020" indent="0" algn="ctr">
               <a:buNone/>
               <a:defRPr>
                 <a:solidFill>
@@ -251,7 +251,7 @@
                 </a:solidFill>
               </a:defRPr>
             </a:lvl8pPr>
-            <a:lvl9pPr marL="3657600" indent="0" algn="ctr">
+            <a:lvl9pPr marL="3657166" indent="0" algn="ctr">
               <a:buNone/>
               <a:defRPr>
                 <a:solidFill>
@@ -288,7 +288,8 @@
           <a:p>
             <a:fld id="{8AD8D7AE-7D94-2142-9511-921D3832F01B}" type="datetimeFigureOut">
               <a:rPr lang="en-US" smtClean="0"/>
-              <a:t>9/23/12</a:t>
+              <a:pPr/>
+              <a:t>9/24/2012</a:t>
             </a:fld>
             <a:endParaRPr lang="en-US"/>
           </a:p>
@@ -330,6 +331,7 @@
           <a:p>
             <a:fld id="{CECD6FC8-0FF4-E44E-836A-8A9186978FF6}" type="slidenum">
               <a:rPr lang="en-US" smtClean="0"/>
+              <a:pPr/>
               <a:t>‹#›</a:t>
             </a:fld>
             <a:endParaRPr lang="en-US"/>
@@ -339,7 +341,7 @@
     </p:spTree>
     <p:extLst>
       <p:ext uri="{BB962C8B-B14F-4D97-AF65-F5344CB8AC3E}">
-        <p14:creationId xmlns:p14="http://schemas.microsoft.com/office/powerpoint/2010/main" val="3304113251"/>
+        <p14:creationId xmlns:p14="http://schemas.microsoft.com/office/powerpoint/2010/main" xmlns="" val="3304113251"/>
       </p:ext>
     </p:extLst>
   </p:cSld>
@@ -458,7 +460,8 @@
           <a:p>
             <a:fld id="{8AD8D7AE-7D94-2142-9511-921D3832F01B}" type="datetimeFigureOut">
               <a:rPr lang="en-US" smtClean="0"/>
-              <a:t>9/23/12</a:t>
+              <a:pPr/>
+              <a:t>9/24/2012</a:t>
             </a:fld>
             <a:endParaRPr lang="en-US"/>
           </a:p>
@@ -500,6 +503,7 @@
           <a:p>
             <a:fld id="{CECD6FC8-0FF4-E44E-836A-8A9186978FF6}" type="slidenum">
               <a:rPr lang="en-US" smtClean="0"/>
+              <a:pPr/>
               <a:t>‹#›</a:t>
             </a:fld>
             <a:endParaRPr lang="en-US"/>
@@ -509,7 +513,7 @@
     </p:spTree>
     <p:extLst>
       <p:ext uri="{BB962C8B-B14F-4D97-AF65-F5344CB8AC3E}">
-        <p14:creationId xmlns:p14="http://schemas.microsoft.com/office/powerpoint/2010/main" val="1107567984"/>
+        <p14:creationId xmlns:p14="http://schemas.microsoft.com/office/powerpoint/2010/main" xmlns="" val="1107567984"/>
       </p:ext>
     </p:extLst>
   </p:cSld>
@@ -548,7 +552,7 @@
         </p:nvSpPr>
         <p:spPr>
           <a:xfrm>
-            <a:off x="6629400" y="274638"/>
+            <a:off x="6629400" y="274639"/>
             <a:ext cx="2057400" cy="5851525"/>
           </a:xfrm>
         </p:spPr>
@@ -576,7 +580,7 @@
         </p:nvSpPr>
         <p:spPr>
           <a:xfrm>
-            <a:off x="457200" y="274638"/>
+            <a:off x="457200" y="274639"/>
             <a:ext cx="6019800" cy="5851525"/>
           </a:xfrm>
         </p:spPr>
@@ -638,7 +642,8 @@
           <a:p>
             <a:fld id="{8AD8D7AE-7D94-2142-9511-921D3832F01B}" type="datetimeFigureOut">
               <a:rPr lang="en-US" smtClean="0"/>
-              <a:t>9/23/12</a:t>
+              <a:pPr/>
+              <a:t>9/24/2012</a:t>
             </a:fld>
             <a:endParaRPr lang="en-US"/>
           </a:p>
@@ -680,6 +685,7 @@
           <a:p>
             <a:fld id="{CECD6FC8-0FF4-E44E-836A-8A9186978FF6}" type="slidenum">
               <a:rPr lang="en-US" smtClean="0"/>
+              <a:pPr/>
               <a:t>‹#›</a:t>
             </a:fld>
             <a:endParaRPr lang="en-US"/>
@@ -689,7 +695,7 @@
     </p:spTree>
     <p:extLst>
       <p:ext uri="{BB962C8B-B14F-4D97-AF65-F5344CB8AC3E}">
-        <p14:creationId xmlns:p14="http://schemas.microsoft.com/office/powerpoint/2010/main" val="1817444097"/>
+        <p14:creationId xmlns:p14="http://schemas.microsoft.com/office/powerpoint/2010/main" xmlns="" val="1817444097"/>
       </p:ext>
     </p:extLst>
   </p:cSld>
@@ -808,7 +814,8 @@
           <a:p>
             <a:fld id="{8AD8D7AE-7D94-2142-9511-921D3832F01B}" type="datetimeFigureOut">
               <a:rPr lang="en-US" smtClean="0"/>
-              <a:t>9/23/12</a:t>
+              <a:pPr/>
+              <a:t>9/24/2012</a:t>
             </a:fld>
             <a:endParaRPr lang="en-US"/>
           </a:p>
@@ -850,6 +857,7 @@
           <a:p>
             <a:fld id="{CECD6FC8-0FF4-E44E-836A-8A9186978FF6}" type="slidenum">
               <a:rPr lang="en-US" smtClean="0"/>
+              <a:pPr/>
               <a:t>‹#›</a:t>
             </a:fld>
             <a:endParaRPr lang="en-US"/>
@@ -859,7 +867,7 @@
     </p:spTree>
     <p:extLst>
       <p:ext uri="{BB962C8B-B14F-4D97-AF65-F5344CB8AC3E}">
-        <p14:creationId xmlns:p14="http://schemas.microsoft.com/office/powerpoint/2010/main" val="1014336689"/>
+        <p14:creationId xmlns:p14="http://schemas.microsoft.com/office/powerpoint/2010/main" xmlns="" val="1014336689"/>
       </p:ext>
     </p:extLst>
   </p:cSld>
@@ -898,7 +906,7 @@
         </p:nvSpPr>
         <p:spPr>
           <a:xfrm>
-            <a:off x="722313" y="4406900"/>
+            <a:off x="722313" y="4406901"/>
             <a:ext cx="7772400" cy="1362075"/>
           </a:xfrm>
         </p:spPr>
@@ -947,7 +955,7 @@
                 </a:solidFill>
               </a:defRPr>
             </a:lvl1pPr>
-            <a:lvl2pPr marL="457200" indent="0">
+            <a:lvl2pPr marL="457146" indent="0">
               <a:buNone/>
               <a:defRPr sz="1800">
                 <a:solidFill>
@@ -957,7 +965,7 @@
                 </a:solidFill>
               </a:defRPr>
             </a:lvl2pPr>
-            <a:lvl3pPr marL="914400" indent="0">
+            <a:lvl3pPr marL="914291" indent="0">
               <a:buNone/>
               <a:defRPr sz="1600">
                 <a:solidFill>
@@ -967,7 +975,7 @@
                 </a:solidFill>
               </a:defRPr>
             </a:lvl3pPr>
-            <a:lvl4pPr marL="1371600" indent="0">
+            <a:lvl4pPr marL="1371438" indent="0">
               <a:buNone/>
               <a:defRPr sz="1400">
                 <a:solidFill>
@@ -977,7 +985,7 @@
                 </a:solidFill>
               </a:defRPr>
             </a:lvl4pPr>
-            <a:lvl5pPr marL="1828800" indent="0">
+            <a:lvl5pPr marL="1828583" indent="0">
               <a:buNone/>
               <a:defRPr sz="1400">
                 <a:solidFill>
@@ -987,7 +995,7 @@
                 </a:solidFill>
               </a:defRPr>
             </a:lvl5pPr>
-            <a:lvl6pPr marL="2286000" indent="0">
+            <a:lvl6pPr marL="2285729" indent="0">
               <a:buNone/>
               <a:defRPr sz="1400">
                 <a:solidFill>
@@ -997,7 +1005,7 @@
                 </a:solidFill>
               </a:defRPr>
             </a:lvl6pPr>
-            <a:lvl7pPr marL="2743200" indent="0">
+            <a:lvl7pPr marL="2742874" indent="0">
               <a:buNone/>
               <a:defRPr sz="1400">
                 <a:solidFill>
@@ -1007,7 +1015,7 @@
                 </a:solidFill>
               </a:defRPr>
             </a:lvl7pPr>
-            <a:lvl8pPr marL="3200400" indent="0">
+            <a:lvl8pPr marL="3200020" indent="0">
               <a:buNone/>
               <a:defRPr sz="1400">
                 <a:solidFill>
@@ -1017,7 +1025,7 @@
                 </a:solidFill>
               </a:defRPr>
             </a:lvl8pPr>
-            <a:lvl9pPr marL="3657600" indent="0">
+            <a:lvl9pPr marL="3657166" indent="0">
               <a:buNone/>
               <a:defRPr sz="1400">
                 <a:solidFill>
@@ -1054,7 +1062,8 @@
           <a:p>
             <a:fld id="{8AD8D7AE-7D94-2142-9511-921D3832F01B}" type="datetimeFigureOut">
               <a:rPr lang="en-US" smtClean="0"/>
-              <a:t>9/23/12</a:t>
+              <a:pPr/>
+              <a:t>9/24/2012</a:t>
             </a:fld>
             <a:endParaRPr lang="en-US"/>
           </a:p>
@@ -1096,6 +1105,7 @@
           <a:p>
             <a:fld id="{CECD6FC8-0FF4-E44E-836A-8A9186978FF6}" type="slidenum">
               <a:rPr lang="en-US" smtClean="0"/>
+              <a:pPr/>
               <a:t>‹#›</a:t>
             </a:fld>
             <a:endParaRPr lang="en-US"/>
@@ -1105,7 +1115,7 @@
     </p:spTree>
     <p:extLst>
       <p:ext uri="{BB962C8B-B14F-4D97-AF65-F5344CB8AC3E}">
-        <p14:creationId xmlns:p14="http://schemas.microsoft.com/office/powerpoint/2010/main" val="1220974419"/>
+        <p14:creationId xmlns:p14="http://schemas.microsoft.com/office/powerpoint/2010/main" xmlns="" val="1220974419"/>
       </p:ext>
     </p:extLst>
   </p:cSld>
@@ -1167,7 +1177,7 @@
         </p:nvSpPr>
         <p:spPr>
           <a:xfrm>
-            <a:off x="457200" y="1600200"/>
+            <a:off x="457200" y="1600201"/>
             <a:ext cx="4038600" cy="4525963"/>
           </a:xfrm>
         </p:spPr>
@@ -1252,7 +1262,7 @@
         </p:nvSpPr>
         <p:spPr>
           <a:xfrm>
-            <a:off x="4648200" y="1600200"/>
+            <a:off x="4648200" y="1600201"/>
             <a:ext cx="4038600" cy="4525963"/>
           </a:xfrm>
         </p:spPr>
@@ -1342,7 +1352,8 @@
           <a:p>
             <a:fld id="{8AD8D7AE-7D94-2142-9511-921D3832F01B}" type="datetimeFigureOut">
               <a:rPr lang="en-US" smtClean="0"/>
-              <a:t>9/23/12</a:t>
+              <a:pPr/>
+              <a:t>9/24/2012</a:t>
             </a:fld>
             <a:endParaRPr lang="en-US"/>
           </a:p>
@@ -1384,6 +1395,7 @@
           <a:p>
             <a:fld id="{CECD6FC8-0FF4-E44E-836A-8A9186978FF6}" type="slidenum">
               <a:rPr lang="en-US" smtClean="0"/>
+              <a:pPr/>
               <a:t>‹#›</a:t>
             </a:fld>
             <a:endParaRPr lang="en-US"/>
@@ -1393,7 +1405,7 @@
     </p:spTree>
     <p:extLst>
       <p:ext uri="{BB962C8B-B14F-4D97-AF65-F5344CB8AC3E}">
-        <p14:creationId xmlns:p14="http://schemas.microsoft.com/office/powerpoint/2010/main" val="3499814056"/>
+        <p14:creationId xmlns:p14="http://schemas.microsoft.com/office/powerpoint/2010/main" xmlns="" val="3499814056"/>
       </p:ext>
     </p:extLst>
   </p:cSld>
@@ -1470,35 +1482,35 @@
               <a:buNone/>
               <a:defRPr sz="2400" b="1"/>
             </a:lvl1pPr>
-            <a:lvl2pPr marL="457200" indent="0">
+            <a:lvl2pPr marL="457146" indent="0">
               <a:buNone/>
               <a:defRPr sz="2000" b="1"/>
             </a:lvl2pPr>
-            <a:lvl3pPr marL="914400" indent="0">
+            <a:lvl3pPr marL="914291" indent="0">
               <a:buNone/>
               <a:defRPr sz="1800" b="1"/>
             </a:lvl3pPr>
-            <a:lvl4pPr marL="1371600" indent="0">
+            <a:lvl4pPr marL="1371438" indent="0">
               <a:buNone/>
               <a:defRPr sz="1600" b="1"/>
             </a:lvl4pPr>
-            <a:lvl5pPr marL="1828800" indent="0">
+            <a:lvl5pPr marL="1828583" indent="0">
               <a:buNone/>
               <a:defRPr sz="1600" b="1"/>
             </a:lvl5pPr>
-            <a:lvl6pPr marL="2286000" indent="0">
+            <a:lvl6pPr marL="2285729" indent="0">
               <a:buNone/>
               <a:defRPr sz="1600" b="1"/>
             </a:lvl6pPr>
-            <a:lvl7pPr marL="2743200" indent="0">
+            <a:lvl7pPr marL="2742874" indent="0">
               <a:buNone/>
               <a:defRPr sz="1600" b="1"/>
             </a:lvl7pPr>
-            <a:lvl8pPr marL="3200400" indent="0">
+            <a:lvl8pPr marL="3200020" indent="0">
               <a:buNone/>
               <a:defRPr sz="1600" b="1"/>
             </a:lvl8pPr>
-            <a:lvl9pPr marL="3657600" indent="0">
+            <a:lvl9pPr marL="3657166" indent="0">
               <a:buNone/>
               <a:defRPr sz="1600" b="1"/>
             </a:lvl9pPr>
@@ -1609,7 +1621,7 @@
         </p:nvSpPr>
         <p:spPr>
           <a:xfrm>
-            <a:off x="4645025" y="1535113"/>
+            <a:off x="4645026" y="1535113"/>
             <a:ext cx="4041775" cy="639762"/>
           </a:xfrm>
         </p:spPr>
@@ -1620,35 +1632,35 @@
               <a:buNone/>
               <a:defRPr sz="2400" b="1"/>
             </a:lvl1pPr>
-            <a:lvl2pPr marL="457200" indent="0">
+            <a:lvl2pPr marL="457146" indent="0">
               <a:buNone/>
               <a:defRPr sz="2000" b="1"/>
             </a:lvl2pPr>
-            <a:lvl3pPr marL="914400" indent="0">
+            <a:lvl3pPr marL="914291" indent="0">
               <a:buNone/>
               <a:defRPr sz="1800" b="1"/>
             </a:lvl3pPr>
-            <a:lvl4pPr marL="1371600" indent="0">
+            <a:lvl4pPr marL="1371438" indent="0">
               <a:buNone/>
               <a:defRPr sz="1600" b="1"/>
             </a:lvl4pPr>
-            <a:lvl5pPr marL="1828800" indent="0">
+            <a:lvl5pPr marL="1828583" indent="0">
               <a:buNone/>
               <a:defRPr sz="1600" b="1"/>
             </a:lvl5pPr>
-            <a:lvl6pPr marL="2286000" indent="0">
+            <a:lvl6pPr marL="2285729" indent="0">
               <a:buNone/>
               <a:defRPr sz="1600" b="1"/>
             </a:lvl6pPr>
-            <a:lvl7pPr marL="2743200" indent="0">
+            <a:lvl7pPr marL="2742874" indent="0">
               <a:buNone/>
               <a:defRPr sz="1600" b="1"/>
             </a:lvl7pPr>
-            <a:lvl8pPr marL="3200400" indent="0">
+            <a:lvl8pPr marL="3200020" indent="0">
               <a:buNone/>
               <a:defRPr sz="1600" b="1"/>
             </a:lvl8pPr>
-            <a:lvl9pPr marL="3657600" indent="0">
+            <a:lvl9pPr marL="3657166" indent="0">
               <a:buNone/>
               <a:defRPr sz="1600" b="1"/>
             </a:lvl9pPr>
@@ -1674,7 +1686,7 @@
         </p:nvSpPr>
         <p:spPr>
           <a:xfrm>
-            <a:off x="4645025" y="2174875"/>
+            <a:off x="4645026" y="2174875"/>
             <a:ext cx="4041775" cy="3951288"/>
           </a:xfrm>
         </p:spPr>
@@ -1764,7 +1776,8 @@
           <a:p>
             <a:fld id="{8AD8D7AE-7D94-2142-9511-921D3832F01B}" type="datetimeFigureOut">
               <a:rPr lang="en-US" smtClean="0"/>
-              <a:t>9/23/12</a:t>
+              <a:pPr/>
+              <a:t>9/24/2012</a:t>
             </a:fld>
             <a:endParaRPr lang="en-US"/>
           </a:p>
@@ -1806,6 +1819,7 @@
           <a:p>
             <a:fld id="{CECD6FC8-0FF4-E44E-836A-8A9186978FF6}" type="slidenum">
               <a:rPr lang="en-US" smtClean="0"/>
+              <a:pPr/>
               <a:t>‹#›</a:t>
             </a:fld>
             <a:endParaRPr lang="en-US"/>
@@ -1815,7 +1829,7 @@
     </p:spTree>
     <p:extLst>
       <p:ext uri="{BB962C8B-B14F-4D97-AF65-F5344CB8AC3E}">
-        <p14:creationId xmlns:p14="http://schemas.microsoft.com/office/powerpoint/2010/main" val="564424958"/>
+        <p14:creationId xmlns:p14="http://schemas.microsoft.com/office/powerpoint/2010/main" xmlns="" val="564424958"/>
       </p:ext>
     </p:extLst>
   </p:cSld>
@@ -1882,7 +1896,8 @@
           <a:p>
             <a:fld id="{8AD8D7AE-7D94-2142-9511-921D3832F01B}" type="datetimeFigureOut">
               <a:rPr lang="en-US" smtClean="0"/>
-              <a:t>9/23/12</a:t>
+              <a:pPr/>
+              <a:t>9/24/2012</a:t>
             </a:fld>
             <a:endParaRPr lang="en-US"/>
           </a:p>
@@ -1924,6 +1939,7 @@
           <a:p>
             <a:fld id="{CECD6FC8-0FF4-E44E-836A-8A9186978FF6}" type="slidenum">
               <a:rPr lang="en-US" smtClean="0"/>
+              <a:pPr/>
               <a:t>‹#›</a:t>
             </a:fld>
             <a:endParaRPr lang="en-US"/>
@@ -1933,7 +1949,7 @@
     </p:spTree>
     <p:extLst>
       <p:ext uri="{BB962C8B-B14F-4D97-AF65-F5344CB8AC3E}">
-        <p14:creationId xmlns:p14="http://schemas.microsoft.com/office/powerpoint/2010/main" val="1455917718"/>
+        <p14:creationId xmlns:p14="http://schemas.microsoft.com/office/powerpoint/2010/main" xmlns="" val="1455917718"/>
       </p:ext>
     </p:extLst>
   </p:cSld>
@@ -1977,7 +1993,8 @@
           <a:p>
             <a:fld id="{8AD8D7AE-7D94-2142-9511-921D3832F01B}" type="datetimeFigureOut">
               <a:rPr lang="en-US" smtClean="0"/>
-              <a:t>9/23/12</a:t>
+              <a:pPr/>
+              <a:t>9/24/2012</a:t>
             </a:fld>
             <a:endParaRPr lang="en-US"/>
           </a:p>
@@ -2019,6 +2036,7 @@
           <a:p>
             <a:fld id="{CECD6FC8-0FF4-E44E-836A-8A9186978FF6}" type="slidenum">
               <a:rPr lang="en-US" smtClean="0"/>
+              <a:pPr/>
               <a:t>‹#›</a:t>
             </a:fld>
             <a:endParaRPr lang="en-US"/>
@@ -2028,7 +2046,7 @@
     </p:spTree>
     <p:extLst>
       <p:ext uri="{BB962C8B-B14F-4D97-AF65-F5344CB8AC3E}">
-        <p14:creationId xmlns:p14="http://schemas.microsoft.com/office/powerpoint/2010/main" val="1333216825"/>
+        <p14:creationId xmlns:p14="http://schemas.microsoft.com/office/powerpoint/2010/main" xmlns="" val="1333216825"/>
       </p:ext>
     </p:extLst>
   </p:cSld>
@@ -2067,7 +2085,7 @@
         </p:nvSpPr>
         <p:spPr>
           <a:xfrm>
-            <a:off x="457200" y="273050"/>
+            <a:off x="457201" y="273051"/>
             <a:ext cx="3008313" cy="1162050"/>
           </a:xfrm>
         </p:spPr>
@@ -2099,7 +2117,7 @@
         </p:nvSpPr>
         <p:spPr>
           <a:xfrm>
-            <a:off x="3575050" y="273050"/>
+            <a:off x="3575050" y="273051"/>
             <a:ext cx="5111750" cy="5853113"/>
           </a:xfrm>
         </p:spPr>
@@ -2184,7 +2202,7 @@
         </p:nvSpPr>
         <p:spPr>
           <a:xfrm>
-            <a:off x="457200" y="1435100"/>
+            <a:off x="457201" y="1435101"/>
             <a:ext cx="3008313" cy="4691063"/>
           </a:xfrm>
         </p:spPr>
@@ -2195,35 +2213,35 @@
               <a:buNone/>
               <a:defRPr sz="1400"/>
             </a:lvl1pPr>
-            <a:lvl2pPr marL="457200" indent="0">
+            <a:lvl2pPr marL="457146" indent="0">
               <a:buNone/>
               <a:defRPr sz="1200"/>
             </a:lvl2pPr>
-            <a:lvl3pPr marL="914400" indent="0">
+            <a:lvl3pPr marL="914291" indent="0">
               <a:buNone/>
               <a:defRPr sz="1000"/>
             </a:lvl3pPr>
-            <a:lvl4pPr marL="1371600" indent="0">
+            <a:lvl4pPr marL="1371438" indent="0">
               <a:buNone/>
               <a:defRPr sz="900"/>
             </a:lvl4pPr>
-            <a:lvl5pPr marL="1828800" indent="0">
+            <a:lvl5pPr marL="1828583" indent="0">
               <a:buNone/>
               <a:defRPr sz="900"/>
             </a:lvl5pPr>
-            <a:lvl6pPr marL="2286000" indent="0">
+            <a:lvl6pPr marL="2285729" indent="0">
               <a:buNone/>
               <a:defRPr sz="900"/>
             </a:lvl6pPr>
-            <a:lvl7pPr marL="2743200" indent="0">
+            <a:lvl7pPr marL="2742874" indent="0">
               <a:buNone/>
               <a:defRPr sz="900"/>
             </a:lvl7pPr>
-            <a:lvl8pPr marL="3200400" indent="0">
+            <a:lvl8pPr marL="3200020" indent="0">
               <a:buNone/>
               <a:defRPr sz="900"/>
             </a:lvl8pPr>
-            <a:lvl9pPr marL="3657600" indent="0">
+            <a:lvl9pPr marL="3657166" indent="0">
               <a:buNone/>
               <a:defRPr sz="900"/>
             </a:lvl9pPr>
@@ -2254,7 +2272,8 @@
           <a:p>
             <a:fld id="{8AD8D7AE-7D94-2142-9511-921D3832F01B}" type="datetimeFigureOut">
               <a:rPr lang="en-US" smtClean="0"/>
-              <a:t>9/23/12</a:t>
+              <a:pPr/>
+              <a:t>9/24/2012</a:t>
             </a:fld>
             <a:endParaRPr lang="en-US"/>
           </a:p>
@@ -2296,6 +2315,7 @@
           <a:p>
             <a:fld id="{CECD6FC8-0FF4-E44E-836A-8A9186978FF6}" type="slidenum">
               <a:rPr lang="en-US" smtClean="0"/>
+              <a:pPr/>
               <a:t>‹#›</a:t>
             </a:fld>
             <a:endParaRPr lang="en-US"/>
@@ -2305,7 +2325,7 @@
     </p:spTree>
     <p:extLst>
       <p:ext uri="{BB962C8B-B14F-4D97-AF65-F5344CB8AC3E}">
-        <p14:creationId xmlns:p14="http://schemas.microsoft.com/office/powerpoint/2010/main" val="2024346809"/>
+        <p14:creationId xmlns:p14="http://schemas.microsoft.com/office/powerpoint/2010/main" xmlns="" val="2024346809"/>
       </p:ext>
     </p:extLst>
   </p:cSld>
@@ -2387,35 +2407,35 @@
               <a:buNone/>
               <a:defRPr sz="3200"/>
             </a:lvl1pPr>
-            <a:lvl2pPr marL="457200" indent="0">
+            <a:lvl2pPr marL="457146" indent="0">
               <a:buNone/>
               <a:defRPr sz="2800"/>
             </a:lvl2pPr>
-            <a:lvl3pPr marL="914400" indent="0">
+            <a:lvl3pPr marL="914291" indent="0">
               <a:buNone/>
               <a:defRPr sz="2400"/>
             </a:lvl3pPr>
-            <a:lvl4pPr marL="1371600" indent="0">
+            <a:lvl4pPr marL="1371438" indent="0">
               <a:buNone/>
               <a:defRPr sz="2000"/>
             </a:lvl4pPr>
-            <a:lvl5pPr marL="1828800" indent="0">
+            <a:lvl5pPr marL="1828583" indent="0">
               <a:buNone/>
               <a:defRPr sz="2000"/>
             </a:lvl5pPr>
-            <a:lvl6pPr marL="2286000" indent="0">
+            <a:lvl6pPr marL="2285729" indent="0">
               <a:buNone/>
               <a:defRPr sz="2000"/>
             </a:lvl6pPr>
-            <a:lvl7pPr marL="2743200" indent="0">
+            <a:lvl7pPr marL="2742874" indent="0">
               <a:buNone/>
               <a:defRPr sz="2000"/>
             </a:lvl7pPr>
-            <a:lvl8pPr marL="3200400" indent="0">
+            <a:lvl8pPr marL="3200020" indent="0">
               <a:buNone/>
               <a:defRPr sz="2000"/>
             </a:lvl8pPr>
-            <a:lvl9pPr marL="3657600" indent="0">
+            <a:lvl9pPr marL="3657166" indent="0">
               <a:buNone/>
               <a:defRPr sz="2000"/>
             </a:lvl9pPr>
@@ -2437,7 +2457,7 @@
         </p:nvSpPr>
         <p:spPr>
           <a:xfrm>
-            <a:off x="1792288" y="5367338"/>
+            <a:off x="1792288" y="5367339"/>
             <a:ext cx="5486400" cy="804862"/>
           </a:xfrm>
         </p:spPr>
@@ -2448,35 +2468,35 @@
               <a:buNone/>
               <a:defRPr sz="1400"/>
             </a:lvl1pPr>
-            <a:lvl2pPr marL="457200" indent="0">
+            <a:lvl2pPr marL="457146" indent="0">
               <a:buNone/>
               <a:defRPr sz="1200"/>
             </a:lvl2pPr>
-            <a:lvl3pPr marL="914400" indent="0">
+            <a:lvl3pPr marL="914291" indent="0">
               <a:buNone/>
               <a:defRPr sz="1000"/>
             </a:lvl3pPr>
-            <a:lvl4pPr marL="1371600" indent="0">
+            <a:lvl4pPr marL="1371438" indent="0">
               <a:buNone/>
               <a:defRPr sz="900"/>
             </a:lvl4pPr>
-            <a:lvl5pPr marL="1828800" indent="0">
+            <a:lvl5pPr marL="1828583" indent="0">
               <a:buNone/>
               <a:defRPr sz="900"/>
             </a:lvl5pPr>
-            <a:lvl6pPr marL="2286000" indent="0">
+            <a:lvl6pPr marL="2285729" indent="0">
               <a:buNone/>
               <a:defRPr sz="900"/>
             </a:lvl6pPr>
-            <a:lvl7pPr marL="2743200" indent="0">
+            <a:lvl7pPr marL="2742874" indent="0">
               <a:buNone/>
               <a:defRPr sz="900"/>
             </a:lvl7pPr>
-            <a:lvl8pPr marL="3200400" indent="0">
+            <a:lvl8pPr marL="3200020" indent="0">
               <a:buNone/>
               <a:defRPr sz="900"/>
             </a:lvl8pPr>
-            <a:lvl9pPr marL="3657600" indent="0">
+            <a:lvl9pPr marL="3657166" indent="0">
               <a:buNone/>
               <a:defRPr sz="900"/>
             </a:lvl9pPr>
@@ -2507,7 +2527,8 @@
           <a:p>
             <a:fld id="{8AD8D7AE-7D94-2142-9511-921D3832F01B}" type="datetimeFigureOut">
               <a:rPr lang="en-US" smtClean="0"/>
-              <a:t>9/23/12</a:t>
+              <a:pPr/>
+              <a:t>9/24/2012</a:t>
             </a:fld>
             <a:endParaRPr lang="en-US"/>
           </a:p>
@@ -2549,6 +2570,7 @@
           <a:p>
             <a:fld id="{CECD6FC8-0FF4-E44E-836A-8A9186978FF6}" type="slidenum">
               <a:rPr lang="en-US" smtClean="0"/>
+              <a:pPr/>
               <a:t>‹#›</a:t>
             </a:fld>
             <a:endParaRPr lang="en-US"/>
@@ -2558,7 +2580,7 @@
     </p:spTree>
     <p:extLst>
       <p:ext uri="{BB962C8B-B14F-4D97-AF65-F5344CB8AC3E}">
-        <p14:creationId xmlns:p14="http://schemas.microsoft.com/office/powerpoint/2010/main" val="1260717019"/>
+        <p14:creationId xmlns:p14="http://schemas.microsoft.com/office/powerpoint/2010/main" xmlns="" val="1260717019"/>
       </p:ext>
     </p:extLst>
   </p:cSld>
@@ -2610,7 +2632,7 @@
           </a:prstGeom>
         </p:spPr>
         <p:txBody>
-          <a:bodyPr vert="horz" lIns="91440" tIns="45720" rIns="91440" bIns="45720" rtlCol="0" anchor="ctr">
+          <a:bodyPr vert="horz" lIns="91429" tIns="45715" rIns="91429" bIns="45715" rtlCol="0" anchor="ctr">
             <a:normAutofit/>
           </a:bodyPr>
           <a:lstStyle/>
@@ -2635,7 +2657,7 @@
         </p:nvSpPr>
         <p:spPr>
           <a:xfrm>
-            <a:off x="457200" y="1600200"/>
+            <a:off x="457200" y="1600201"/>
             <a:ext cx="8229600" cy="4525963"/>
           </a:xfrm>
           <a:prstGeom prst="rect">
@@ -2643,7 +2665,7 @@
           </a:prstGeom>
         </p:spPr>
         <p:txBody>
-          <a:bodyPr vert="horz" lIns="91440" tIns="45720" rIns="91440" bIns="45720" rtlCol="0">
+          <a:bodyPr vert="horz" lIns="91429" tIns="45715" rIns="91429" bIns="45715" rtlCol="0">
             <a:normAutofit/>
           </a:bodyPr>
           <a:lstStyle/>
@@ -2697,7 +2719,7 @@
         </p:nvSpPr>
         <p:spPr>
           <a:xfrm>
-            <a:off x="457200" y="6356350"/>
+            <a:off x="457201" y="6356351"/>
             <a:ext cx="2133600" cy="365125"/>
           </a:xfrm>
           <a:prstGeom prst="rect">
@@ -2705,7 +2727,7 @@
           </a:prstGeom>
         </p:spPr>
         <p:txBody>
-          <a:bodyPr vert="horz" lIns="91440" tIns="45720" rIns="91440" bIns="45720" rtlCol="0" anchor="ctr"/>
+          <a:bodyPr vert="horz" lIns="91429" tIns="45715" rIns="91429" bIns="45715" rtlCol="0" anchor="ctr"/>
           <a:lstStyle>
             <a:lvl1pPr algn="l">
               <a:defRPr sz="1200">
@@ -2720,7 +2742,8 @@
           <a:p>
             <a:fld id="{8AD8D7AE-7D94-2142-9511-921D3832F01B}" type="datetimeFigureOut">
               <a:rPr lang="en-US" smtClean="0"/>
-              <a:t>9/23/12</a:t>
+              <a:pPr/>
+              <a:t>9/24/2012</a:t>
             </a:fld>
             <a:endParaRPr lang="en-US"/>
           </a:p>
@@ -2738,7 +2761,7 @@
         </p:nvSpPr>
         <p:spPr>
           <a:xfrm>
-            <a:off x="3124200" y="6356350"/>
+            <a:off x="3124201" y="6356351"/>
             <a:ext cx="2895600" cy="365125"/>
           </a:xfrm>
           <a:prstGeom prst="rect">
@@ -2746,7 +2769,7 @@
           </a:prstGeom>
         </p:spPr>
         <p:txBody>
-          <a:bodyPr vert="horz" lIns="91440" tIns="45720" rIns="91440" bIns="45720" rtlCol="0" anchor="ctr"/>
+          <a:bodyPr vert="horz" lIns="91429" tIns="45715" rIns="91429" bIns="45715" rtlCol="0" anchor="ctr"/>
           <a:lstStyle>
             <a:lvl1pPr algn="ctr">
               <a:defRPr sz="1200">
@@ -2775,7 +2798,7 @@
         </p:nvSpPr>
         <p:spPr>
           <a:xfrm>
-            <a:off x="6553200" y="6356350"/>
+            <a:off x="6553200" y="6356351"/>
             <a:ext cx="2133600" cy="365125"/>
           </a:xfrm>
           <a:prstGeom prst="rect">
@@ -2783,7 +2806,7 @@
           </a:prstGeom>
         </p:spPr>
         <p:txBody>
-          <a:bodyPr vert="horz" lIns="91440" tIns="45720" rIns="91440" bIns="45720" rtlCol="0" anchor="ctr"/>
+          <a:bodyPr vert="horz" lIns="91429" tIns="45715" rIns="91429" bIns="45715" rtlCol="0" anchor="ctr"/>
           <a:lstStyle>
             <a:lvl1pPr algn="r">
               <a:defRPr sz="1200">
@@ -2798,6 +2821,7 @@
           <a:p>
             <a:fld id="{CECD6FC8-0FF4-E44E-836A-8A9186978FF6}" type="slidenum">
               <a:rPr lang="en-US" smtClean="0"/>
+              <a:pPr/>
               <a:t>‹#›</a:t>
             </a:fld>
             <a:endParaRPr lang="en-US"/>
@@ -2807,7 +2831,7 @@
     </p:spTree>
     <p:extLst>
       <p:ext uri="{BB962C8B-B14F-4D97-AF65-F5344CB8AC3E}">
-        <p14:creationId xmlns:p14="http://schemas.microsoft.com/office/powerpoint/2010/main" val="3766773001"/>
+        <p14:creationId xmlns:p14="http://schemas.microsoft.com/office/powerpoint/2010/main" xmlns="" val="3766773001"/>
       </p:ext>
     </p:extLst>
   </p:cSld>
@@ -2827,7 +2851,7 @@
   </p:sldLayoutIdLst>
   <p:txStyles>
     <p:titleStyle>
-      <a:lvl1pPr algn="ctr" defTabSz="457200" rtl="0" eaLnBrk="1" latinLnBrk="0" hangingPunct="1">
+      <a:lvl1pPr algn="ctr" defTabSz="457146" rtl="0" eaLnBrk="1" latinLnBrk="0" hangingPunct="1">
         <a:spcBef>
           <a:spcPct val="0"/>
         </a:spcBef>
@@ -2843,7 +2867,7 @@
       </a:lvl1pPr>
     </p:titleStyle>
     <p:bodyStyle>
-      <a:lvl1pPr marL="342900" indent="-342900" algn="l" defTabSz="457200" rtl="0" eaLnBrk="1" latinLnBrk="0" hangingPunct="1">
+      <a:lvl1pPr marL="342859" indent="-342859" algn="l" defTabSz="457146" rtl="0" eaLnBrk="1" latinLnBrk="0" hangingPunct="1">
         <a:spcBef>
           <a:spcPct val="20000"/>
         </a:spcBef>
@@ -2858,7 +2882,7 @@
           <a:cs typeface="+mn-cs"/>
         </a:defRPr>
       </a:lvl1pPr>
-      <a:lvl2pPr marL="742950" indent="-285750" algn="l" defTabSz="457200" rtl="0" eaLnBrk="1" latinLnBrk="0" hangingPunct="1">
+      <a:lvl2pPr marL="742862" indent="-285716" algn="l" defTabSz="457146" rtl="0" eaLnBrk="1" latinLnBrk="0" hangingPunct="1">
         <a:spcBef>
           <a:spcPct val="20000"/>
         </a:spcBef>
@@ -2873,7 +2897,7 @@
           <a:cs typeface="+mn-cs"/>
         </a:defRPr>
       </a:lvl2pPr>
-      <a:lvl3pPr marL="1143000" indent="-228600" algn="l" defTabSz="457200" rtl="0" eaLnBrk="1" latinLnBrk="0" hangingPunct="1">
+      <a:lvl3pPr marL="1142865" indent="-228573" algn="l" defTabSz="457146" rtl="0" eaLnBrk="1" latinLnBrk="0" hangingPunct="1">
         <a:spcBef>
           <a:spcPct val="20000"/>
         </a:spcBef>
@@ -2888,7 +2912,7 @@
           <a:cs typeface="+mn-cs"/>
         </a:defRPr>
       </a:lvl3pPr>
-      <a:lvl4pPr marL="1600200" indent="-228600" algn="l" defTabSz="457200" rtl="0" eaLnBrk="1" latinLnBrk="0" hangingPunct="1">
+      <a:lvl4pPr marL="1600010" indent="-228573" algn="l" defTabSz="457146" rtl="0" eaLnBrk="1" latinLnBrk="0" hangingPunct="1">
         <a:spcBef>
           <a:spcPct val="20000"/>
         </a:spcBef>
@@ -2903,7 +2927,7 @@
           <a:cs typeface="+mn-cs"/>
         </a:defRPr>
       </a:lvl4pPr>
-      <a:lvl5pPr marL="2057400" indent="-228600" algn="l" defTabSz="457200" rtl="0" eaLnBrk="1" latinLnBrk="0" hangingPunct="1">
+      <a:lvl5pPr marL="2057156" indent="-228573" algn="l" defTabSz="457146" rtl="0" eaLnBrk="1" latinLnBrk="0" hangingPunct="1">
         <a:spcBef>
           <a:spcPct val="20000"/>
         </a:spcBef>
@@ -2918,7 +2942,7 @@
           <a:cs typeface="+mn-cs"/>
         </a:defRPr>
       </a:lvl5pPr>
-      <a:lvl6pPr marL="2514600" indent="-228600" algn="l" defTabSz="457200" rtl="0" eaLnBrk="1" latinLnBrk="0" hangingPunct="1">
+      <a:lvl6pPr marL="2514302" indent="-228573" algn="l" defTabSz="457146" rtl="0" eaLnBrk="1" latinLnBrk="0" hangingPunct="1">
         <a:spcBef>
           <a:spcPct val="20000"/>
         </a:spcBef>
@@ -2933,7 +2957,7 @@
           <a:cs typeface="+mn-cs"/>
         </a:defRPr>
       </a:lvl6pPr>
-      <a:lvl7pPr marL="2971800" indent="-228600" algn="l" defTabSz="457200" rtl="0" eaLnBrk="1" latinLnBrk="0" hangingPunct="1">
+      <a:lvl7pPr marL="2971447" indent="-228573" algn="l" defTabSz="457146" rtl="0" eaLnBrk="1" latinLnBrk="0" hangingPunct="1">
         <a:spcBef>
           <a:spcPct val="20000"/>
         </a:spcBef>
@@ -2948,7 +2972,7 @@
           <a:cs typeface="+mn-cs"/>
         </a:defRPr>
       </a:lvl7pPr>
-      <a:lvl8pPr marL="3429000" indent="-228600" algn="l" defTabSz="457200" rtl="0" eaLnBrk="1" latinLnBrk="0" hangingPunct="1">
+      <a:lvl8pPr marL="3428594" indent="-228573" algn="l" defTabSz="457146" rtl="0" eaLnBrk="1" latinLnBrk="0" hangingPunct="1">
         <a:spcBef>
           <a:spcPct val="20000"/>
         </a:spcBef>
@@ -2963,7 +2987,7 @@
           <a:cs typeface="+mn-cs"/>
         </a:defRPr>
       </a:lvl8pPr>
-      <a:lvl9pPr marL="3886200" indent="-228600" algn="l" defTabSz="457200" rtl="0" eaLnBrk="1" latinLnBrk="0" hangingPunct="1">
+      <a:lvl9pPr marL="3885739" indent="-228573" algn="l" defTabSz="457146" rtl="0" eaLnBrk="1" latinLnBrk="0" hangingPunct="1">
         <a:spcBef>
           <a:spcPct val="20000"/>
         </a:spcBef>
@@ -2983,7 +3007,7 @@
       <a:defPPr>
         <a:defRPr lang="en-US"/>
       </a:defPPr>
-      <a:lvl1pPr marL="0" algn="l" defTabSz="457200" rtl="0" eaLnBrk="1" latinLnBrk="0" hangingPunct="1">
+      <a:lvl1pPr marL="0" algn="l" defTabSz="457146" rtl="0" eaLnBrk="1" latinLnBrk="0" hangingPunct="1">
         <a:defRPr sz="1800" kern="1200">
           <a:solidFill>
             <a:schemeClr val="tx1"/>
@@ -2993,7 +3017,7 @@
           <a:cs typeface="+mn-cs"/>
         </a:defRPr>
       </a:lvl1pPr>
-      <a:lvl2pPr marL="457200" algn="l" defTabSz="457200" rtl="0" eaLnBrk="1" latinLnBrk="0" hangingPunct="1">
+      <a:lvl2pPr marL="457146" algn="l" defTabSz="457146" rtl="0" eaLnBrk="1" latinLnBrk="0" hangingPunct="1">
         <a:defRPr sz="1800" kern="1200">
           <a:solidFill>
             <a:schemeClr val="tx1"/>
@@ -3003,7 +3027,7 @@
           <a:cs typeface="+mn-cs"/>
         </a:defRPr>
       </a:lvl2pPr>
-      <a:lvl3pPr marL="914400" algn="l" defTabSz="457200" rtl="0" eaLnBrk="1" latinLnBrk="0" hangingPunct="1">
+      <a:lvl3pPr marL="914291" algn="l" defTabSz="457146" rtl="0" eaLnBrk="1" latinLnBrk="0" hangingPunct="1">
         <a:defRPr sz="1800" kern="1200">
           <a:solidFill>
             <a:schemeClr val="tx1"/>
@@ -3013,7 +3037,7 @@
           <a:cs typeface="+mn-cs"/>
         </a:defRPr>
       </a:lvl3pPr>
-      <a:lvl4pPr marL="1371600" algn="l" defTabSz="457200" rtl="0" eaLnBrk="1" latinLnBrk="0" hangingPunct="1">
+      <a:lvl4pPr marL="1371438" algn="l" defTabSz="457146" rtl="0" eaLnBrk="1" latinLnBrk="0" hangingPunct="1">
         <a:defRPr sz="1800" kern="1200">
           <a:solidFill>
             <a:schemeClr val="tx1"/>
@@ -3023,7 +3047,7 @@
           <a:cs typeface="+mn-cs"/>
         </a:defRPr>
       </a:lvl4pPr>
-      <a:lvl5pPr marL="1828800" algn="l" defTabSz="457200" rtl="0" eaLnBrk="1" latinLnBrk="0" hangingPunct="1">
+      <a:lvl5pPr marL="1828583" algn="l" defTabSz="457146" rtl="0" eaLnBrk="1" latinLnBrk="0" hangingPunct="1">
         <a:defRPr sz="1800" kern="1200">
           <a:solidFill>
             <a:schemeClr val="tx1"/>
@@ -3033,7 +3057,7 @@
           <a:cs typeface="+mn-cs"/>
         </a:defRPr>
       </a:lvl5pPr>
-      <a:lvl6pPr marL="2286000" algn="l" defTabSz="457200" rtl="0" eaLnBrk="1" latinLnBrk="0" hangingPunct="1">
+      <a:lvl6pPr marL="2285729" algn="l" defTabSz="457146" rtl="0" eaLnBrk="1" latinLnBrk="0" hangingPunct="1">
         <a:defRPr sz="1800" kern="1200">
           <a:solidFill>
             <a:schemeClr val="tx1"/>
@@ -3043,7 +3067,7 @@
           <a:cs typeface="+mn-cs"/>
         </a:defRPr>
       </a:lvl6pPr>
-      <a:lvl7pPr marL="2743200" algn="l" defTabSz="457200" rtl="0" eaLnBrk="1" latinLnBrk="0" hangingPunct="1">
+      <a:lvl7pPr marL="2742874" algn="l" defTabSz="457146" rtl="0" eaLnBrk="1" latinLnBrk="0" hangingPunct="1">
         <a:defRPr sz="1800" kern="1200">
           <a:solidFill>
             <a:schemeClr val="tx1"/>
@@ -3053,7 +3077,7 @@
           <a:cs typeface="+mn-cs"/>
         </a:defRPr>
       </a:lvl7pPr>
-      <a:lvl8pPr marL="3200400" algn="l" defTabSz="457200" rtl="0" eaLnBrk="1" latinLnBrk="0" hangingPunct="1">
+      <a:lvl8pPr marL="3200020" algn="l" defTabSz="457146" rtl="0" eaLnBrk="1" latinLnBrk="0" hangingPunct="1">
         <a:defRPr sz="1800" kern="1200">
           <a:solidFill>
             <a:schemeClr val="tx1"/>
@@ -3063,7 +3087,7 @@
           <a:cs typeface="+mn-cs"/>
         </a:defRPr>
       </a:lvl8pPr>
-      <a:lvl9pPr marL="3657600" algn="l" defTabSz="457200" rtl="0" eaLnBrk="1" latinLnBrk="0" hangingPunct="1">
+      <a:lvl9pPr marL="3657166" algn="l" defTabSz="457146" rtl="0" eaLnBrk="1" latinLnBrk="0" hangingPunct="1">
         <a:defRPr sz="1800" kern="1200">
           <a:solidFill>
             <a:schemeClr val="tx1"/>
@@ -3103,7 +3127,7 @@
         </p:nvSpPr>
         <p:spPr>
           <a:xfrm>
-            <a:off x="1687057" y="406524"/>
+            <a:off x="1382248" y="406525"/>
             <a:ext cx="6066719" cy="5721745"/>
           </a:xfrm>
           <a:prstGeom prst="ellipse">
@@ -3133,11 +3157,11 @@
           </a:fontRef>
         </p:style>
         <p:txBody>
-          <a:bodyPr rtlCol="0" anchor="ctr"/>
+          <a:bodyPr lIns="91429" tIns="45715" rIns="91429" bIns="45715" rtlCol="0" anchor="ctr"/>
           <a:lstStyle/>
           <a:p>
             <a:pPr algn="ctr"/>
-            <a:endParaRPr lang="en-US" sz="1400" b="1"/>
+            <a:endParaRPr lang="en-US" b="1"/>
           </a:p>
         </p:txBody>
       </p:sp>
@@ -3149,10 +3173,10 @@
         </p:nvGrpSpPr>
         <p:grpSpPr>
           <a:xfrm>
-            <a:off x="1056922" y="1989830"/>
-            <a:ext cx="1758161" cy="847355"/>
-            <a:chOff x="1058365" y="1094977"/>
-            <a:chExt cx="1758161" cy="847355"/>
+            <a:off x="608673" y="1989829"/>
+            <a:ext cx="1901601" cy="908910"/>
+            <a:chOff x="914925" y="1094977"/>
+            <a:chExt cx="1901601" cy="908910"/>
           </a:xfrm>
         </p:grpSpPr>
         <p:sp>
@@ -3163,8 +3187,8 @@
           </p:nvSpPr>
           <p:spPr>
             <a:xfrm>
-              <a:off x="1058365" y="1634555"/>
-              <a:ext cx="723275" cy="307777"/>
+              <a:off x="914925" y="1634555"/>
+              <a:ext cx="868443" cy="369332"/>
             </a:xfrm>
             <a:prstGeom prst="rect">
               <a:avLst/>
@@ -3178,10 +3202,10 @@
             <a:lstStyle/>
             <a:p>
               <a:r>
-                <a:rPr lang="en-US" sz="1400" b="1" dirty="0" smtClean="0"/>
+                <a:rPr lang="en-US" b="1" dirty="0" smtClean="0"/>
                 <a:t>Patient</a:t>
               </a:r>
-              <a:endParaRPr lang="en-US" sz="1400" b="1" dirty="0"/>
+              <a:endParaRPr lang="en-US" b="1" dirty="0"/>
             </a:p>
           </p:txBody>
         </p:sp>
@@ -3218,10 +3242,10 @@
         </p:nvGrpSpPr>
         <p:grpSpPr>
           <a:xfrm>
-            <a:off x="4099678" y="765834"/>
-            <a:ext cx="1731802" cy="789272"/>
+            <a:off x="3794869" y="765834"/>
+            <a:ext cx="1731802" cy="850826"/>
             <a:chOff x="5212738" y="1328371"/>
-            <a:chExt cx="1731802" cy="789272"/>
+            <a:chExt cx="1731802" cy="850827"/>
           </a:xfrm>
         </p:grpSpPr>
         <p:sp>
@@ -3233,7 +3257,7 @@
           <p:spPr>
             <a:xfrm>
               <a:off x="5212738" y="1809866"/>
-              <a:ext cx="1018227" cy="307777"/>
+              <a:ext cx="1249701" cy="369332"/>
             </a:xfrm>
             <a:prstGeom prst="rect">
               <a:avLst/>
@@ -3247,10 +3271,10 @@
             <a:lstStyle/>
             <a:p>
               <a:r>
-                <a:rPr lang="en-US" sz="1400" b="1" dirty="0" smtClean="0"/>
+                <a:rPr lang="en-US" b="1" dirty="0" smtClean="0"/>
                 <a:t>Pharmacist</a:t>
               </a:r>
-              <a:endParaRPr lang="en-US" sz="1400" b="1" dirty="0"/>
+              <a:endParaRPr lang="en-US" b="1" dirty="0"/>
             </a:p>
           </p:txBody>
         </p:sp>
@@ -3287,8 +3311,8 @@
         </p:nvSpPr>
         <p:spPr>
           <a:xfrm>
-            <a:off x="7423432" y="4480449"/>
-            <a:ext cx="1302214" cy="307777"/>
+            <a:off x="7154482" y="4381834"/>
+            <a:ext cx="1302214" cy="369322"/>
           </a:xfrm>
           <a:prstGeom prst="rect">
             <a:avLst/>
@@ -3296,16 +3320,16 @@
           <a:noFill/>
         </p:spPr>
         <p:txBody>
-          <a:bodyPr wrap="square" rtlCol="0">
+          <a:bodyPr wrap="square" lIns="91429" tIns="45715" rIns="91429" bIns="45715" rtlCol="0">
             <a:spAutoFit/>
           </a:bodyPr>
           <a:lstStyle/>
           <a:p>
             <a:r>
-              <a:rPr lang="en-US" sz="1400" b="1" dirty="0" smtClean="0"/>
+              <a:rPr lang="en-US" b="1" dirty="0" smtClean="0"/>
               <a:t>Researcher</a:t>
             </a:r>
-            <a:endParaRPr lang="en-US" sz="1400" b="1" dirty="0"/>
+            <a:endParaRPr lang="en-US" b="1" dirty="0"/>
           </a:p>
         </p:txBody>
       </p:sp>
@@ -3317,7 +3341,7 @@
         </p:nvSpPr>
         <p:spPr>
           <a:xfrm>
-            <a:off x="4142676" y="4037080"/>
+            <a:off x="3837867" y="3974325"/>
             <a:ext cx="416185" cy="443369"/>
           </a:xfrm>
           <a:prstGeom prst="ellipse">
@@ -3347,12 +3371,12 @@
           </a:fontRef>
         </p:style>
         <p:txBody>
-          <a:bodyPr rtlCol="0" anchor="ctr"/>
+          <a:bodyPr lIns="91429" tIns="45715" rIns="91429" bIns="45715" rtlCol="0" anchor="ctr"/>
           <a:lstStyle/>
           <a:p>
             <a:pPr algn="ctr"/>
             <a:r>
-              <a:rPr lang="en-US" sz="1400" b="1" dirty="0">
+              <a:rPr lang="en-US" b="1" dirty="0">
                 <a:solidFill>
                   <a:srgbClr val="000000"/>
                 </a:solidFill>
@@ -3361,13 +3385,6 @@
               </a:rPr>
               <a:t>2</a:t>
             </a:r>
-            <a:endParaRPr lang="en-US" sz="1400" b="1" dirty="0">
-              <a:solidFill>
-                <a:srgbClr val="000000"/>
-              </a:solidFill>
-              <a:latin typeface="Times New Roman"/>
-              <a:cs typeface="Times New Roman"/>
-            </a:endParaRPr>
           </a:p>
         </p:txBody>
       </p:sp>
@@ -3379,7 +3396,7 @@
         </p:nvSpPr>
         <p:spPr>
           <a:xfrm>
-            <a:off x="5802679" y="2194514"/>
+            <a:off x="5497870" y="2194514"/>
             <a:ext cx="416185" cy="443369"/>
           </a:xfrm>
           <a:prstGeom prst="ellipse">
@@ -3409,12 +3426,12 @@
           </a:fontRef>
         </p:style>
         <p:txBody>
-          <a:bodyPr rtlCol="0" anchor="ctr"/>
+          <a:bodyPr lIns="91429" tIns="45715" rIns="91429" bIns="45715" rtlCol="0" anchor="ctr"/>
           <a:lstStyle/>
           <a:p>
             <a:pPr algn="ctr"/>
             <a:r>
-              <a:rPr lang="en-US" sz="1400" b="1" dirty="0" smtClean="0">
+              <a:rPr lang="en-US" b="1" dirty="0" smtClean="0">
                 <a:solidFill>
                   <a:srgbClr val="000000"/>
                 </a:solidFill>
@@ -3423,7 +3440,7 @@
               </a:rPr>
               <a:t>4</a:t>
             </a:r>
-            <a:endParaRPr lang="en-US" sz="1400" b="1" dirty="0">
+            <a:endParaRPr lang="en-US" b="1" dirty="0">
               <a:solidFill>
                 <a:srgbClr val="000000"/>
               </a:solidFill>
@@ -3441,7 +3458,7 @@
         </p:nvSpPr>
         <p:spPr>
           <a:xfrm>
-            <a:off x="4136853" y="1650679"/>
+            <a:off x="3832043" y="1650680"/>
             <a:ext cx="416185" cy="443369"/>
           </a:xfrm>
           <a:prstGeom prst="ellipse">
@@ -3471,12 +3488,12 @@
           </a:fontRef>
         </p:style>
         <p:txBody>
-          <a:bodyPr rtlCol="0" anchor="ctr"/>
+          <a:bodyPr lIns="91429" tIns="45715" rIns="91429" bIns="45715" rtlCol="0" anchor="ctr"/>
           <a:lstStyle/>
           <a:p>
             <a:pPr algn="ctr"/>
             <a:r>
-              <a:rPr lang="en-US" sz="1400" b="1" dirty="0" smtClean="0">
+              <a:rPr lang="en-US" b="1" dirty="0" smtClean="0">
                 <a:solidFill>
                   <a:schemeClr val="tx1"/>
                 </a:solidFill>
@@ -3485,7 +3502,7 @@
               </a:rPr>
               <a:t>5</a:t>
             </a:r>
-            <a:endParaRPr lang="en-US" sz="1400" b="1" dirty="0">
+            <a:endParaRPr lang="en-US" b="1" dirty="0">
               <a:solidFill>
                 <a:schemeClr val="tx1"/>
               </a:solidFill>
@@ -3503,7 +3520,7 @@
         </p:nvSpPr>
         <p:spPr>
           <a:xfrm>
-            <a:off x="3242316" y="3840041"/>
+            <a:off x="2937506" y="3840042"/>
             <a:ext cx="416185" cy="443369"/>
           </a:xfrm>
           <a:prstGeom prst="ellipse">
@@ -3533,12 +3550,12 @@
           </a:fontRef>
         </p:style>
         <p:txBody>
-          <a:bodyPr rtlCol="0" anchor="ctr"/>
+          <a:bodyPr lIns="91429" tIns="45715" rIns="91429" bIns="45715" rtlCol="0" anchor="ctr"/>
           <a:lstStyle/>
           <a:p>
             <a:pPr algn="ctr"/>
             <a:r>
-              <a:rPr lang="en-US" sz="1400" b="1" dirty="0" smtClean="0">
+              <a:rPr lang="en-US" b="1" dirty="0" smtClean="0">
                 <a:solidFill>
                   <a:srgbClr val="000000"/>
                 </a:solidFill>
@@ -3547,7 +3564,7 @@
               </a:rPr>
               <a:t>1</a:t>
             </a:r>
-            <a:endParaRPr lang="en-US" sz="1400" b="1" dirty="0">
+            <a:endParaRPr lang="en-US" b="1" dirty="0">
               <a:solidFill>
                 <a:srgbClr val="000000"/>
               </a:solidFill>
@@ -3572,7 +3589,7 @@
         </p:blipFill>
         <p:spPr>
           <a:xfrm>
-            <a:off x="3201701" y="4470009"/>
+            <a:off x="2887926" y="4389324"/>
             <a:ext cx="3398803" cy="2607680"/>
           </a:xfrm>
           <a:prstGeom prst="rect">
@@ -3588,7 +3605,7 @@
         </p:nvSpPr>
         <p:spPr>
           <a:xfrm>
-            <a:off x="5817620" y="3720668"/>
+            <a:off x="5512810" y="3720669"/>
             <a:ext cx="416185" cy="443369"/>
           </a:xfrm>
           <a:prstGeom prst="ellipse">
@@ -3618,12 +3635,12 @@
           </a:fontRef>
         </p:style>
         <p:txBody>
-          <a:bodyPr rtlCol="0" anchor="ctr"/>
+          <a:bodyPr lIns="91429" tIns="45715" rIns="91429" bIns="45715" rtlCol="0" anchor="ctr"/>
           <a:lstStyle/>
           <a:p>
             <a:pPr algn="ctr"/>
             <a:r>
-              <a:rPr lang="en-US" sz="1400" b="1" dirty="0">
+              <a:rPr lang="en-US" b="1" dirty="0">
                 <a:solidFill>
                   <a:srgbClr val="000000"/>
                 </a:solidFill>
@@ -3643,8 +3660,8 @@
         </p:nvSpPr>
         <p:spPr>
           <a:xfrm>
-            <a:off x="2388785" y="6422058"/>
-            <a:ext cx="1531627" cy="307777"/>
+            <a:off x="1635725" y="6350338"/>
+            <a:ext cx="1915887" cy="369322"/>
           </a:xfrm>
           <a:prstGeom prst="rect">
             <a:avLst/>
@@ -3652,19 +3669,19 @@
           <a:noFill/>
         </p:spPr>
         <p:txBody>
-          <a:bodyPr wrap="none" rtlCol="0">
+          <a:bodyPr wrap="none" lIns="91429" tIns="45715" rIns="91429" bIns="45715" rtlCol="0">
             <a:spAutoFit/>
           </a:bodyPr>
           <a:lstStyle/>
           <a:p>
             <a:r>
-              <a:rPr lang="en-US" sz="1400" b="1" dirty="0" smtClean="0">
+              <a:rPr lang="en-US" b="1" dirty="0" smtClean="0">
                 <a:latin typeface="Times New Roman"/>
                 <a:cs typeface="Times New Roman"/>
               </a:rPr>
               <a:t>Linked open data</a:t>
             </a:r>
-            <a:endParaRPr lang="en-US" sz="1400" b="1" dirty="0">
+            <a:endParaRPr lang="en-US" b="1" dirty="0">
               <a:latin typeface="Times New Roman"/>
               <a:cs typeface="Times New Roman"/>
             </a:endParaRPr>
@@ -3679,7 +3696,7 @@
         </p:nvSpPr>
         <p:spPr>
           <a:xfrm rot="16200000">
-            <a:off x="4297443" y="1786949"/>
+            <a:off x="3992634" y="1786950"/>
             <a:ext cx="784515" cy="299553"/>
           </a:xfrm>
           <a:prstGeom prst="leftRightArrow">
@@ -3709,11 +3726,11 @@
           </a:fontRef>
         </p:style>
         <p:txBody>
-          <a:bodyPr rtlCol="0" anchor="ctr"/>
+          <a:bodyPr lIns="91429" tIns="45715" rIns="91429" bIns="45715" rtlCol="0" anchor="ctr"/>
           <a:lstStyle/>
           <a:p>
             <a:pPr algn="ctr"/>
-            <a:endParaRPr lang="en-US" sz="1400" b="1"/>
+            <a:endParaRPr lang="en-US" b="1"/>
           </a:p>
         </p:txBody>
       </p:sp>
@@ -3733,7 +3750,7 @@
         </p:blipFill>
         <p:spPr>
           <a:xfrm>
-            <a:off x="4129560" y="88181"/>
+            <a:off x="3824751" y="88182"/>
             <a:ext cx="1294089" cy="1294089"/>
           </a:xfrm>
           <a:prstGeom prst="rect">
@@ -3749,10 +3766,10 @@
         </p:nvGrpSpPr>
         <p:grpSpPr>
           <a:xfrm>
-            <a:off x="1388237" y="4274991"/>
-            <a:ext cx="1632263" cy="847355"/>
-            <a:chOff x="1100903" y="5112098"/>
-            <a:chExt cx="1632263" cy="847355"/>
+            <a:off x="922056" y="4274989"/>
+            <a:ext cx="1793634" cy="917387"/>
+            <a:chOff x="939532" y="5112098"/>
+            <a:chExt cx="1793634" cy="917387"/>
           </a:xfrm>
         </p:grpSpPr>
         <p:pic>
@@ -3787,8 +3804,8 @@
           </p:nvSpPr>
           <p:spPr>
             <a:xfrm>
-              <a:off x="1100903" y="5651676"/>
-              <a:ext cx="1000548" cy="307777"/>
+              <a:off x="939532" y="5651676"/>
+              <a:ext cx="1290661" cy="377809"/>
             </a:xfrm>
             <a:prstGeom prst="rect">
               <a:avLst/>
@@ -3802,10 +3819,10 @@
             <a:lstStyle/>
             <a:p>
               <a:r>
-                <a:rPr lang="en-US" sz="1400" b="1" dirty="0" smtClean="0"/>
+                <a:rPr lang="en-US" b="1" dirty="0" smtClean="0"/>
                 <a:t>Physician</a:t>
               </a:r>
-              <a:endParaRPr lang="en-US" sz="1400" b="1" dirty="0"/>
+              <a:endParaRPr lang="en-US" b="1" dirty="0"/>
             </a:p>
           </p:txBody>
         </p:sp>
@@ -3826,7 +3843,7 @@
         </p:blipFill>
         <p:spPr>
           <a:xfrm>
-            <a:off x="1243889" y="3639250"/>
+            <a:off x="939079" y="3639250"/>
             <a:ext cx="1497686" cy="1497686"/>
           </a:xfrm>
           <a:prstGeom prst="rect">
@@ -3850,7 +3867,7 @@
         </p:blipFill>
         <p:spPr>
           <a:xfrm>
-            <a:off x="1154704" y="1395533"/>
+            <a:off x="849894" y="1395533"/>
             <a:ext cx="1188590" cy="1188590"/>
           </a:xfrm>
           <a:prstGeom prst="rect">
@@ -3866,10 +3883,10 @@
         </p:nvGrpSpPr>
         <p:grpSpPr>
           <a:xfrm>
-            <a:off x="6839560" y="978391"/>
-            <a:ext cx="2591051" cy="1626057"/>
+            <a:off x="6534750" y="978391"/>
+            <a:ext cx="2600016" cy="1696089"/>
             <a:chOff x="6839560" y="845841"/>
-            <a:chExt cx="2591051" cy="1626057"/>
+            <a:chExt cx="2600016" cy="1696089"/>
           </a:xfrm>
         </p:grpSpPr>
         <p:pic>
@@ -3904,8 +3921,8 @@
           </p:nvSpPr>
           <p:spPr>
             <a:xfrm>
-              <a:off x="7592312" y="2164121"/>
-              <a:ext cx="1838299" cy="307777"/>
+              <a:off x="7601277" y="2164121"/>
+              <a:ext cx="1838299" cy="377809"/>
             </a:xfrm>
             <a:prstGeom prst="rect">
               <a:avLst/>
@@ -3919,10 +3936,10 @@
             <a:lstStyle/>
             <a:p>
               <a:r>
-                <a:rPr lang="en-US" sz="1400" b="1" dirty="0" smtClean="0"/>
+                <a:rPr lang="en-US" b="1" dirty="0" smtClean="0"/>
                 <a:t>Drug company</a:t>
               </a:r>
-              <a:endParaRPr lang="en-US" sz="1400" b="1" dirty="0"/>
+              <a:endParaRPr lang="en-US" b="1" dirty="0"/>
             </a:p>
           </p:txBody>
         </p:sp>
@@ -3967,7 +3984,7 @@
         </p:blipFill>
         <p:spPr>
           <a:xfrm>
-            <a:off x="7092279" y="3246405"/>
+            <a:off x="6787469" y="3246406"/>
             <a:ext cx="1198391" cy="1198391"/>
           </a:xfrm>
           <a:prstGeom prst="rect">
@@ -3991,7 +4008,7 @@
         </p:blipFill>
         <p:spPr>
           <a:xfrm>
-            <a:off x="7168497" y="4082093"/>
+            <a:off x="6774037" y="4082093"/>
             <a:ext cx="393933" cy="385796"/>
           </a:xfrm>
           <a:prstGeom prst="rect">
@@ -4007,7 +4024,7 @@
         </p:nvSpPr>
         <p:spPr>
           <a:xfrm rot="16200000">
-            <a:off x="4264041" y="4079386"/>
+            <a:off x="3959232" y="4079386"/>
             <a:ext cx="851319" cy="299550"/>
           </a:xfrm>
           <a:prstGeom prst="leftRightArrow">
@@ -4037,11 +4054,11 @@
           </a:fontRef>
         </p:style>
         <p:txBody>
-          <a:bodyPr rtlCol="0" anchor="ctr"/>
+          <a:bodyPr lIns="91429" tIns="45715" rIns="91429" bIns="45715" rtlCol="0" anchor="ctr"/>
           <a:lstStyle/>
           <a:p>
             <a:pPr algn="ctr"/>
-            <a:endParaRPr lang="en-US" sz="1400" b="1"/>
+            <a:endParaRPr lang="en-US" b="1"/>
           </a:p>
         </p:txBody>
       </p:sp>
@@ -4053,7 +4070,7 @@
         </p:nvSpPr>
         <p:spPr>
           <a:xfrm rot="20445041">
-            <a:off x="5464506" y="2578565"/>
+            <a:off x="5159696" y="2578566"/>
             <a:ext cx="1432577" cy="287305"/>
           </a:xfrm>
           <a:prstGeom prst="leftRightArrow">
@@ -4083,11 +4100,11 @@
           </a:fontRef>
         </p:style>
         <p:txBody>
-          <a:bodyPr rtlCol="0" anchor="ctr"/>
+          <a:bodyPr lIns="91429" tIns="45715" rIns="91429" bIns="45715" rtlCol="0" anchor="ctr"/>
           <a:lstStyle/>
           <a:p>
             <a:pPr algn="ctr"/>
-            <a:endParaRPr lang="en-US" sz="1400" b="1"/>
+            <a:endParaRPr lang="en-US" b="1"/>
           </a:p>
         </p:txBody>
       </p:sp>
@@ -4103,7 +4120,7 @@
           <a:blip r:embed="rId9">
             <a:extLst>
               <a:ext uri="{28A0092B-C50C-407E-A947-70E740481C1C}">
-                <a14:useLocalDpi xmlns:a14="http://schemas.microsoft.com/office/drawing/2010/main" val="0"/>
+                <a14:useLocalDpi xmlns:a14="http://schemas.microsoft.com/office/drawing/2010/main" xmlns="" val="0"/>
               </a:ext>
             </a:extLst>
           </a:blip>
@@ -4113,7 +4130,7 @@
         </p:blipFill>
         <p:spPr>
           <a:xfrm>
-            <a:off x="4360997" y="2341494"/>
+            <a:off x="4056188" y="2341494"/>
             <a:ext cx="977987" cy="1384850"/>
           </a:xfrm>
           <a:prstGeom prst="rect">
@@ -4129,7 +4146,7 @@
         </p:nvSpPr>
         <p:spPr>
           <a:xfrm>
-            <a:off x="3270113" y="2218412"/>
+            <a:off x="2965304" y="2218413"/>
             <a:ext cx="416185" cy="443369"/>
           </a:xfrm>
           <a:prstGeom prst="ellipse">
@@ -4159,12 +4176,12 @@
           </a:fontRef>
         </p:style>
         <p:txBody>
-          <a:bodyPr rtlCol="0" anchor="ctr"/>
+          <a:bodyPr lIns="91429" tIns="45715" rIns="91429" bIns="45715" rtlCol="0" anchor="ctr"/>
           <a:lstStyle/>
           <a:p>
             <a:pPr algn="ctr"/>
             <a:r>
-              <a:rPr lang="en-US" sz="1400" b="1" dirty="0">
+              <a:rPr lang="en-US" b="1" dirty="0">
                 <a:solidFill>
                   <a:schemeClr val="tx1"/>
                 </a:solidFill>
@@ -4173,13 +4190,6 @@
               </a:rPr>
               <a:t>6</a:t>
             </a:r>
-            <a:endParaRPr lang="en-US" sz="1400" b="1" dirty="0">
-              <a:solidFill>
-                <a:schemeClr val="tx1"/>
-              </a:solidFill>
-              <a:latin typeface="Times New Roman"/>
-              <a:cs typeface="Times New Roman"/>
-            </a:endParaRPr>
           </a:p>
         </p:txBody>
       </p:sp>
@@ -4191,7 +4201,7 @@
         </p:nvSpPr>
         <p:spPr>
           <a:xfrm rot="20445041">
-            <a:off x="2704610" y="3552705"/>
+            <a:off x="2399800" y="3552705"/>
             <a:ext cx="1432577" cy="287305"/>
           </a:xfrm>
           <a:prstGeom prst="leftRightArrow">
@@ -4221,11 +4231,11 @@
           </a:fontRef>
         </p:style>
         <p:txBody>
-          <a:bodyPr rtlCol="0" anchor="ctr"/>
+          <a:bodyPr lIns="91429" tIns="45715" rIns="91429" bIns="45715" rtlCol="0" anchor="ctr"/>
           <a:lstStyle/>
           <a:p>
             <a:pPr algn="ctr"/>
-            <a:endParaRPr lang="en-US" sz="1400" b="1"/>
+            <a:endParaRPr lang="en-US" b="1"/>
           </a:p>
         </p:txBody>
       </p:sp>
@@ -4237,7 +4247,7 @@
         </p:nvSpPr>
         <p:spPr>
           <a:xfrm rot="1091648">
-            <a:off x="2687941" y="2702852"/>
+            <a:off x="2383132" y="2702852"/>
             <a:ext cx="1432577" cy="287305"/>
           </a:xfrm>
           <a:prstGeom prst="leftRightArrow">
@@ -4267,11 +4277,11 @@
           </a:fontRef>
         </p:style>
         <p:txBody>
-          <a:bodyPr rtlCol="0" anchor="ctr"/>
+          <a:bodyPr lIns="91429" tIns="45715" rIns="91429" bIns="45715" rtlCol="0" anchor="ctr"/>
           <a:lstStyle/>
           <a:p>
             <a:pPr algn="ctr"/>
-            <a:endParaRPr lang="en-US" sz="1400" b="1"/>
+            <a:endParaRPr lang="en-US" b="1"/>
           </a:p>
         </p:txBody>
       </p:sp>
@@ -4283,7 +4293,7 @@
         </p:nvSpPr>
         <p:spPr>
           <a:xfrm rot="1091648">
-            <a:off x="5458604" y="3449095"/>
+            <a:off x="5153794" y="3449095"/>
             <a:ext cx="1432577" cy="287305"/>
           </a:xfrm>
           <a:prstGeom prst="leftRightArrow">
@@ -4313,18 +4323,18 @@
           </a:fontRef>
         </p:style>
         <p:txBody>
-          <a:bodyPr rtlCol="0" anchor="ctr"/>
+          <a:bodyPr lIns="91429" tIns="45715" rIns="91429" bIns="45715" rtlCol="0" anchor="ctr"/>
           <a:lstStyle/>
           <a:p>
             <a:pPr algn="ctr"/>
-            <a:endParaRPr lang="en-US" sz="1400" b="1"/>
+            <a:endParaRPr lang="en-US" b="1"/>
           </a:p>
         </p:txBody>
       </p:sp>
     </p:spTree>
     <p:extLst>
       <p:ext uri="{BB962C8B-B14F-4D97-AF65-F5344CB8AC3E}">
-        <p14:creationId xmlns:p14="http://schemas.microsoft.com/office/powerpoint/2010/main" val="2183689573"/>
+        <p14:creationId xmlns:p14="http://schemas.microsoft.com/office/powerpoint/2010/main" xmlns="" val="2183689573"/>
       </p:ext>
     </p:extLst>
   </p:cSld>
@@ -4334,7 +4344,7 @@
   <p:timing>
     <p:tnLst>
       <p:par>
-        <p:cTn xmlns:p14="http://schemas.microsoft.com/office/powerpoint/2010/main" id="1" dur="indefinite" restart="never" nodeType="tmRoot"/>
+        <p:cTn id="1" dur="indefinite" restart="never" nodeType="tmRoot"/>
       </p:par>
     </p:tnLst>
   </p:timing>

--- a/paper/images/ asli.pptx
+++ b/paper/images/ asli.pptx
@@ -289,7 +289,7 @@
             <a:fld id="{8AD8D7AE-7D94-2142-9511-921D3832F01B}" type="datetimeFigureOut">
               <a:rPr lang="en-US" smtClean="0"/>
               <a:pPr/>
-              <a:t>9/24/2012</a:t>
+              <a:t>11/27/2012</a:t>
             </a:fld>
             <a:endParaRPr lang="en-US"/>
           </a:p>
@@ -341,7 +341,7 @@
     </p:spTree>
     <p:extLst>
       <p:ext uri="{BB962C8B-B14F-4D97-AF65-F5344CB8AC3E}">
-        <p14:creationId xmlns:p14="http://schemas.microsoft.com/office/powerpoint/2010/main" xmlns="" val="3304113251"/>
+        <p14:creationId xmlns="" xmlns:p14="http://schemas.microsoft.com/office/powerpoint/2010/main" val="3304113251"/>
       </p:ext>
     </p:extLst>
   </p:cSld>
@@ -461,7 +461,7 @@
             <a:fld id="{8AD8D7AE-7D94-2142-9511-921D3832F01B}" type="datetimeFigureOut">
               <a:rPr lang="en-US" smtClean="0"/>
               <a:pPr/>
-              <a:t>9/24/2012</a:t>
+              <a:t>11/27/2012</a:t>
             </a:fld>
             <a:endParaRPr lang="en-US"/>
           </a:p>
@@ -513,7 +513,7 @@
     </p:spTree>
     <p:extLst>
       <p:ext uri="{BB962C8B-B14F-4D97-AF65-F5344CB8AC3E}">
-        <p14:creationId xmlns:p14="http://schemas.microsoft.com/office/powerpoint/2010/main" xmlns="" val="1107567984"/>
+        <p14:creationId xmlns="" xmlns:p14="http://schemas.microsoft.com/office/powerpoint/2010/main" val="1107567984"/>
       </p:ext>
     </p:extLst>
   </p:cSld>
@@ -643,7 +643,7 @@
             <a:fld id="{8AD8D7AE-7D94-2142-9511-921D3832F01B}" type="datetimeFigureOut">
               <a:rPr lang="en-US" smtClean="0"/>
               <a:pPr/>
-              <a:t>9/24/2012</a:t>
+              <a:t>11/27/2012</a:t>
             </a:fld>
             <a:endParaRPr lang="en-US"/>
           </a:p>
@@ -695,7 +695,7 @@
     </p:spTree>
     <p:extLst>
       <p:ext uri="{BB962C8B-B14F-4D97-AF65-F5344CB8AC3E}">
-        <p14:creationId xmlns:p14="http://schemas.microsoft.com/office/powerpoint/2010/main" xmlns="" val="1817444097"/>
+        <p14:creationId xmlns="" xmlns:p14="http://schemas.microsoft.com/office/powerpoint/2010/main" val="1817444097"/>
       </p:ext>
     </p:extLst>
   </p:cSld>
@@ -815,7 +815,7 @@
             <a:fld id="{8AD8D7AE-7D94-2142-9511-921D3832F01B}" type="datetimeFigureOut">
               <a:rPr lang="en-US" smtClean="0"/>
               <a:pPr/>
-              <a:t>9/24/2012</a:t>
+              <a:t>11/27/2012</a:t>
             </a:fld>
             <a:endParaRPr lang="en-US"/>
           </a:p>
@@ -867,7 +867,7 @@
     </p:spTree>
     <p:extLst>
       <p:ext uri="{BB962C8B-B14F-4D97-AF65-F5344CB8AC3E}">
-        <p14:creationId xmlns:p14="http://schemas.microsoft.com/office/powerpoint/2010/main" xmlns="" val="1014336689"/>
+        <p14:creationId xmlns="" xmlns:p14="http://schemas.microsoft.com/office/powerpoint/2010/main" val="1014336689"/>
       </p:ext>
     </p:extLst>
   </p:cSld>
@@ -1063,7 +1063,7 @@
             <a:fld id="{8AD8D7AE-7D94-2142-9511-921D3832F01B}" type="datetimeFigureOut">
               <a:rPr lang="en-US" smtClean="0"/>
               <a:pPr/>
-              <a:t>9/24/2012</a:t>
+              <a:t>11/27/2012</a:t>
             </a:fld>
             <a:endParaRPr lang="en-US"/>
           </a:p>
@@ -1115,7 +1115,7 @@
     </p:spTree>
     <p:extLst>
       <p:ext uri="{BB962C8B-B14F-4D97-AF65-F5344CB8AC3E}">
-        <p14:creationId xmlns:p14="http://schemas.microsoft.com/office/powerpoint/2010/main" xmlns="" val="1220974419"/>
+        <p14:creationId xmlns="" xmlns:p14="http://schemas.microsoft.com/office/powerpoint/2010/main" val="1220974419"/>
       </p:ext>
     </p:extLst>
   </p:cSld>
@@ -1353,7 +1353,7 @@
             <a:fld id="{8AD8D7AE-7D94-2142-9511-921D3832F01B}" type="datetimeFigureOut">
               <a:rPr lang="en-US" smtClean="0"/>
               <a:pPr/>
-              <a:t>9/24/2012</a:t>
+              <a:t>11/27/2012</a:t>
             </a:fld>
             <a:endParaRPr lang="en-US"/>
           </a:p>
@@ -1405,7 +1405,7 @@
     </p:spTree>
     <p:extLst>
       <p:ext uri="{BB962C8B-B14F-4D97-AF65-F5344CB8AC3E}">
-        <p14:creationId xmlns:p14="http://schemas.microsoft.com/office/powerpoint/2010/main" xmlns="" val="3499814056"/>
+        <p14:creationId xmlns="" xmlns:p14="http://schemas.microsoft.com/office/powerpoint/2010/main" val="3499814056"/>
       </p:ext>
     </p:extLst>
   </p:cSld>
@@ -1777,7 +1777,7 @@
             <a:fld id="{8AD8D7AE-7D94-2142-9511-921D3832F01B}" type="datetimeFigureOut">
               <a:rPr lang="en-US" smtClean="0"/>
               <a:pPr/>
-              <a:t>9/24/2012</a:t>
+              <a:t>11/27/2012</a:t>
             </a:fld>
             <a:endParaRPr lang="en-US"/>
           </a:p>
@@ -1829,7 +1829,7 @@
     </p:spTree>
     <p:extLst>
       <p:ext uri="{BB962C8B-B14F-4D97-AF65-F5344CB8AC3E}">
-        <p14:creationId xmlns:p14="http://schemas.microsoft.com/office/powerpoint/2010/main" xmlns="" val="564424958"/>
+        <p14:creationId xmlns="" xmlns:p14="http://schemas.microsoft.com/office/powerpoint/2010/main" val="564424958"/>
       </p:ext>
     </p:extLst>
   </p:cSld>
@@ -1897,7 +1897,7 @@
             <a:fld id="{8AD8D7AE-7D94-2142-9511-921D3832F01B}" type="datetimeFigureOut">
               <a:rPr lang="en-US" smtClean="0"/>
               <a:pPr/>
-              <a:t>9/24/2012</a:t>
+              <a:t>11/27/2012</a:t>
             </a:fld>
             <a:endParaRPr lang="en-US"/>
           </a:p>
@@ -1949,7 +1949,7 @@
     </p:spTree>
     <p:extLst>
       <p:ext uri="{BB962C8B-B14F-4D97-AF65-F5344CB8AC3E}">
-        <p14:creationId xmlns:p14="http://schemas.microsoft.com/office/powerpoint/2010/main" xmlns="" val="1455917718"/>
+        <p14:creationId xmlns="" xmlns:p14="http://schemas.microsoft.com/office/powerpoint/2010/main" val="1455917718"/>
       </p:ext>
     </p:extLst>
   </p:cSld>
@@ -1994,7 +1994,7 @@
             <a:fld id="{8AD8D7AE-7D94-2142-9511-921D3832F01B}" type="datetimeFigureOut">
               <a:rPr lang="en-US" smtClean="0"/>
               <a:pPr/>
-              <a:t>9/24/2012</a:t>
+              <a:t>11/27/2012</a:t>
             </a:fld>
             <a:endParaRPr lang="en-US"/>
           </a:p>
@@ -2046,7 +2046,7 @@
     </p:spTree>
     <p:extLst>
       <p:ext uri="{BB962C8B-B14F-4D97-AF65-F5344CB8AC3E}">
-        <p14:creationId xmlns:p14="http://schemas.microsoft.com/office/powerpoint/2010/main" xmlns="" val="1333216825"/>
+        <p14:creationId xmlns="" xmlns:p14="http://schemas.microsoft.com/office/powerpoint/2010/main" val="1333216825"/>
       </p:ext>
     </p:extLst>
   </p:cSld>
@@ -2273,7 +2273,7 @@
             <a:fld id="{8AD8D7AE-7D94-2142-9511-921D3832F01B}" type="datetimeFigureOut">
               <a:rPr lang="en-US" smtClean="0"/>
               <a:pPr/>
-              <a:t>9/24/2012</a:t>
+              <a:t>11/27/2012</a:t>
             </a:fld>
             <a:endParaRPr lang="en-US"/>
           </a:p>
@@ -2325,7 +2325,7 @@
     </p:spTree>
     <p:extLst>
       <p:ext uri="{BB962C8B-B14F-4D97-AF65-F5344CB8AC3E}">
-        <p14:creationId xmlns:p14="http://schemas.microsoft.com/office/powerpoint/2010/main" xmlns="" val="2024346809"/>
+        <p14:creationId xmlns="" xmlns:p14="http://schemas.microsoft.com/office/powerpoint/2010/main" val="2024346809"/>
       </p:ext>
     </p:extLst>
   </p:cSld>
@@ -2528,7 +2528,7 @@
             <a:fld id="{8AD8D7AE-7D94-2142-9511-921D3832F01B}" type="datetimeFigureOut">
               <a:rPr lang="en-US" smtClean="0"/>
               <a:pPr/>
-              <a:t>9/24/2012</a:t>
+              <a:t>11/27/2012</a:t>
             </a:fld>
             <a:endParaRPr lang="en-US"/>
           </a:p>
@@ -2580,7 +2580,7 @@
     </p:spTree>
     <p:extLst>
       <p:ext uri="{BB962C8B-B14F-4D97-AF65-F5344CB8AC3E}">
-        <p14:creationId xmlns:p14="http://schemas.microsoft.com/office/powerpoint/2010/main" xmlns="" val="1260717019"/>
+        <p14:creationId xmlns="" xmlns:p14="http://schemas.microsoft.com/office/powerpoint/2010/main" val="1260717019"/>
       </p:ext>
     </p:extLst>
   </p:cSld>
@@ -2743,7 +2743,7 @@
             <a:fld id="{8AD8D7AE-7D94-2142-9511-921D3832F01B}" type="datetimeFigureOut">
               <a:rPr lang="en-US" smtClean="0"/>
               <a:pPr/>
-              <a:t>9/24/2012</a:t>
+              <a:t>11/27/2012</a:t>
             </a:fld>
             <a:endParaRPr lang="en-US"/>
           </a:p>
@@ -2831,7 +2831,7 @@
     </p:spTree>
     <p:extLst>
       <p:ext uri="{BB962C8B-B14F-4D97-AF65-F5344CB8AC3E}">
-        <p14:creationId xmlns:p14="http://schemas.microsoft.com/office/powerpoint/2010/main" xmlns="" val="3766773001"/>
+        <p14:creationId xmlns="" xmlns:p14="http://schemas.microsoft.com/office/powerpoint/2010/main" val="3766773001"/>
       </p:ext>
     </p:extLst>
   </p:cSld>
@@ -3127,7 +3127,7 @@
         </p:nvSpPr>
         <p:spPr>
           <a:xfrm>
-            <a:off x="1382248" y="406525"/>
+            <a:off x="1382248" y="316875"/>
             <a:ext cx="6066719" cy="5721745"/>
           </a:xfrm>
           <a:prstGeom prst="ellipse">
@@ -3173,7 +3173,7 @@
         </p:nvGrpSpPr>
         <p:grpSpPr>
           <a:xfrm>
-            <a:off x="608673" y="1989829"/>
+            <a:off x="608673" y="1900179"/>
             <a:ext cx="1901601" cy="908910"/>
             <a:chOff x="914925" y="1094977"/>
             <a:chExt cx="1901601" cy="908910"/>
@@ -3242,7 +3242,7 @@
         </p:nvGrpSpPr>
         <p:grpSpPr>
           <a:xfrm>
-            <a:off x="3794869" y="765834"/>
+            <a:off x="3794869" y="676184"/>
             <a:ext cx="1731802" cy="850826"/>
             <a:chOff x="5212738" y="1328371"/>
             <a:chExt cx="1731802" cy="850827"/>
@@ -3311,7 +3311,7 @@
         </p:nvSpPr>
         <p:spPr>
           <a:xfrm>
-            <a:off x="7154482" y="4381834"/>
+            <a:off x="7154482" y="4292184"/>
             <a:ext cx="1302214" cy="369322"/>
           </a:xfrm>
           <a:prstGeom prst="rect">
@@ -3341,7 +3341,7 @@
         </p:nvSpPr>
         <p:spPr>
           <a:xfrm>
-            <a:off x="3837867" y="3974325"/>
+            <a:off x="3837867" y="3884675"/>
             <a:ext cx="416185" cy="443369"/>
           </a:xfrm>
           <a:prstGeom prst="ellipse">
@@ -3396,7 +3396,7 @@
         </p:nvSpPr>
         <p:spPr>
           <a:xfrm>
-            <a:off x="5497870" y="2194514"/>
+            <a:off x="5497870" y="2104864"/>
             <a:ext cx="416185" cy="443369"/>
           </a:xfrm>
           <a:prstGeom prst="ellipse">
@@ -3458,7 +3458,7 @@
         </p:nvSpPr>
         <p:spPr>
           <a:xfrm>
-            <a:off x="3832043" y="1650680"/>
+            <a:off x="3832043" y="1561030"/>
             <a:ext cx="416185" cy="443369"/>
           </a:xfrm>
           <a:prstGeom prst="ellipse">
@@ -3520,7 +3520,7 @@
         </p:nvSpPr>
         <p:spPr>
           <a:xfrm>
-            <a:off x="2937506" y="3840042"/>
+            <a:off x="2937506" y="3750392"/>
             <a:ext cx="416185" cy="443369"/>
           </a:xfrm>
           <a:prstGeom prst="ellipse">
@@ -3589,7 +3589,7 @@
         </p:blipFill>
         <p:spPr>
           <a:xfrm>
-            <a:off x="2887926" y="4389324"/>
+            <a:off x="2887926" y="4299674"/>
             <a:ext cx="3398803" cy="2607680"/>
           </a:xfrm>
           <a:prstGeom prst="rect">
@@ -3605,7 +3605,7 @@
         </p:nvSpPr>
         <p:spPr>
           <a:xfrm>
-            <a:off x="5512810" y="3720669"/>
+            <a:off x="5512810" y="3631019"/>
             <a:ext cx="416185" cy="443369"/>
           </a:xfrm>
           <a:prstGeom prst="ellipse">
@@ -3660,7 +3660,7 @@
         </p:nvSpPr>
         <p:spPr>
           <a:xfrm>
-            <a:off x="1635725" y="6350338"/>
+            <a:off x="1635725" y="6260688"/>
             <a:ext cx="1915887" cy="369322"/>
           </a:xfrm>
           <a:prstGeom prst="rect">
@@ -3696,7 +3696,7 @@
         </p:nvSpPr>
         <p:spPr>
           <a:xfrm rot="16200000">
-            <a:off x="3992634" y="1786950"/>
+            <a:off x="3992634" y="1697300"/>
             <a:ext cx="784515" cy="299553"/>
           </a:xfrm>
           <a:prstGeom prst="leftRightArrow">
@@ -3750,7 +3750,7 @@
         </p:blipFill>
         <p:spPr>
           <a:xfrm>
-            <a:off x="3824751" y="88182"/>
+            <a:off x="3824751" y="-1468"/>
             <a:ext cx="1294089" cy="1294089"/>
           </a:xfrm>
           <a:prstGeom prst="rect">
@@ -3766,7 +3766,7 @@
         </p:nvGrpSpPr>
         <p:grpSpPr>
           <a:xfrm>
-            <a:off x="922056" y="4274989"/>
+            <a:off x="922056" y="4185339"/>
             <a:ext cx="1793634" cy="917387"/>
             <a:chOff x="939532" y="5112098"/>
             <a:chExt cx="1793634" cy="917387"/>
@@ -3843,7 +3843,7 @@
         </p:blipFill>
         <p:spPr>
           <a:xfrm>
-            <a:off x="939079" y="3639250"/>
+            <a:off x="939079" y="3549600"/>
             <a:ext cx="1497686" cy="1497686"/>
           </a:xfrm>
           <a:prstGeom prst="rect">
@@ -3867,7 +3867,7 @@
         </p:blipFill>
         <p:spPr>
           <a:xfrm>
-            <a:off x="849894" y="1395533"/>
+            <a:off x="849894" y="1305883"/>
             <a:ext cx="1188590" cy="1188590"/>
           </a:xfrm>
           <a:prstGeom prst="rect">
@@ -3883,7 +3883,7 @@
         </p:nvGrpSpPr>
         <p:grpSpPr>
           <a:xfrm>
-            <a:off x="6534750" y="978391"/>
+            <a:off x="6534750" y="888741"/>
             <a:ext cx="2600016" cy="1696089"/>
             <a:chOff x="6839560" y="845841"/>
             <a:chExt cx="2600016" cy="1696089"/>
@@ -3984,7 +3984,7 @@
         </p:blipFill>
         <p:spPr>
           <a:xfrm>
-            <a:off x="6787469" y="3246406"/>
+            <a:off x="6787469" y="3156756"/>
             <a:ext cx="1198391" cy="1198391"/>
           </a:xfrm>
           <a:prstGeom prst="rect">
@@ -4008,7 +4008,7 @@
         </p:blipFill>
         <p:spPr>
           <a:xfrm>
-            <a:off x="6774037" y="4082093"/>
+            <a:off x="6774037" y="3992443"/>
             <a:ext cx="393933" cy="385796"/>
           </a:xfrm>
           <a:prstGeom prst="rect">
@@ -4024,7 +4024,7 @@
         </p:nvSpPr>
         <p:spPr>
           <a:xfrm rot="16200000">
-            <a:off x="3959232" y="4079386"/>
+            <a:off x="3959232" y="3989736"/>
             <a:ext cx="851319" cy="299550"/>
           </a:xfrm>
           <a:prstGeom prst="leftRightArrow">
@@ -4070,7 +4070,7 @@
         </p:nvSpPr>
         <p:spPr>
           <a:xfrm rot="20445041">
-            <a:off x="5159696" y="2578566"/>
+            <a:off x="5159696" y="2488916"/>
             <a:ext cx="1432577" cy="287305"/>
           </a:xfrm>
           <a:prstGeom prst="leftRightArrow">
@@ -4120,7 +4120,7 @@
           <a:blip r:embed="rId9">
             <a:extLst>
               <a:ext uri="{28A0092B-C50C-407E-A947-70E740481C1C}">
-                <a14:useLocalDpi xmlns:a14="http://schemas.microsoft.com/office/drawing/2010/main" xmlns="" val="0"/>
+                <a14:useLocalDpi xmlns="" xmlns:a14="http://schemas.microsoft.com/office/drawing/2010/main" val="0"/>
               </a:ext>
             </a:extLst>
           </a:blip>
@@ -4130,7 +4130,7 @@
         </p:blipFill>
         <p:spPr>
           <a:xfrm>
-            <a:off x="4056188" y="2341494"/>
+            <a:off x="4056188" y="2251844"/>
             <a:ext cx="977987" cy="1384850"/>
           </a:xfrm>
           <a:prstGeom prst="rect">
@@ -4146,7 +4146,7 @@
         </p:nvSpPr>
         <p:spPr>
           <a:xfrm>
-            <a:off x="2965304" y="2218413"/>
+            <a:off x="2965304" y="2128763"/>
             <a:ext cx="416185" cy="443369"/>
           </a:xfrm>
           <a:prstGeom prst="ellipse">
@@ -4201,7 +4201,7 @@
         </p:nvSpPr>
         <p:spPr>
           <a:xfrm rot="20445041">
-            <a:off x="2399800" y="3552705"/>
+            <a:off x="2399800" y="3463055"/>
             <a:ext cx="1432577" cy="287305"/>
           </a:xfrm>
           <a:prstGeom prst="leftRightArrow">
@@ -4247,7 +4247,7 @@
         </p:nvSpPr>
         <p:spPr>
           <a:xfrm rot="1091648">
-            <a:off x="2383132" y="2702852"/>
+            <a:off x="2383132" y="2613202"/>
             <a:ext cx="1432577" cy="287305"/>
           </a:xfrm>
           <a:prstGeom prst="leftRightArrow">
@@ -4293,7 +4293,7 @@
         </p:nvSpPr>
         <p:spPr>
           <a:xfrm rot="1091648">
-            <a:off x="5153794" y="3449095"/>
+            <a:off x="5153794" y="3359445"/>
             <a:ext cx="1432577" cy="287305"/>
           </a:xfrm>
           <a:prstGeom prst="leftRightArrow">
@@ -4334,7 +4334,7 @@
     </p:spTree>
     <p:extLst>
       <p:ext uri="{BB962C8B-B14F-4D97-AF65-F5344CB8AC3E}">
-        <p14:creationId xmlns:p14="http://schemas.microsoft.com/office/powerpoint/2010/main" xmlns="" val="2183689573"/>
+        <p14:creationId xmlns="" xmlns:p14="http://schemas.microsoft.com/office/powerpoint/2010/main" val="2183689573"/>
       </p:ext>
     </p:extLst>
   </p:cSld>

--- a/paper/images/ asli.pptx
+++ b/paper/images/ asli.pptx
@@ -7,14 +7,14 @@
   <p:sldIdLst>
     <p:sldId id="256" r:id="rId2"/>
   </p:sldIdLst>
-  <p:sldSz cx="9144000" cy="6858000" type="screen4x3"/>
+  <p:sldSz cx="9215438" cy="8999538"/>
   <p:notesSz cx="6858000" cy="9144000"/>
   <p:defaultTextStyle>
     <a:defPPr>
       <a:defRPr lang="en-US"/>
     </a:defPPr>
-    <a:lvl1pPr marL="0" algn="l" defTabSz="457146" rtl="0" eaLnBrk="1" latinLnBrk="0" hangingPunct="1">
-      <a:defRPr sz="1800" kern="1200">
+    <a:lvl1pPr marL="0" algn="l" defTabSz="498472" rtl="0" eaLnBrk="1" latinLnBrk="0" hangingPunct="1">
+      <a:defRPr sz="1963" kern="1200">
         <a:solidFill>
           <a:schemeClr val="tx1"/>
         </a:solidFill>
@@ -23,8 +23,8 @@
         <a:cs typeface="+mn-cs"/>
       </a:defRPr>
     </a:lvl1pPr>
-    <a:lvl2pPr marL="457146" algn="l" defTabSz="457146" rtl="0" eaLnBrk="1" latinLnBrk="0" hangingPunct="1">
-      <a:defRPr sz="1800" kern="1200">
+    <a:lvl2pPr marL="498472" algn="l" defTabSz="498472" rtl="0" eaLnBrk="1" latinLnBrk="0" hangingPunct="1">
+      <a:defRPr sz="1963" kern="1200">
         <a:solidFill>
           <a:schemeClr val="tx1"/>
         </a:solidFill>
@@ -33,8 +33,8 @@
         <a:cs typeface="+mn-cs"/>
       </a:defRPr>
     </a:lvl2pPr>
-    <a:lvl3pPr marL="914291" algn="l" defTabSz="457146" rtl="0" eaLnBrk="1" latinLnBrk="0" hangingPunct="1">
-      <a:defRPr sz="1800" kern="1200">
+    <a:lvl3pPr marL="996943" algn="l" defTabSz="498472" rtl="0" eaLnBrk="1" latinLnBrk="0" hangingPunct="1">
+      <a:defRPr sz="1963" kern="1200">
         <a:solidFill>
           <a:schemeClr val="tx1"/>
         </a:solidFill>
@@ -43,8 +43,8 @@
         <a:cs typeface="+mn-cs"/>
       </a:defRPr>
     </a:lvl3pPr>
-    <a:lvl4pPr marL="1371438" algn="l" defTabSz="457146" rtl="0" eaLnBrk="1" latinLnBrk="0" hangingPunct="1">
-      <a:defRPr sz="1800" kern="1200">
+    <a:lvl4pPr marL="1495416" algn="l" defTabSz="498472" rtl="0" eaLnBrk="1" latinLnBrk="0" hangingPunct="1">
+      <a:defRPr sz="1963" kern="1200">
         <a:solidFill>
           <a:schemeClr val="tx1"/>
         </a:solidFill>
@@ -53,8 +53,8 @@
         <a:cs typeface="+mn-cs"/>
       </a:defRPr>
     </a:lvl4pPr>
-    <a:lvl5pPr marL="1828583" algn="l" defTabSz="457146" rtl="0" eaLnBrk="1" latinLnBrk="0" hangingPunct="1">
-      <a:defRPr sz="1800" kern="1200">
+    <a:lvl5pPr marL="1993887" algn="l" defTabSz="498472" rtl="0" eaLnBrk="1" latinLnBrk="0" hangingPunct="1">
+      <a:defRPr sz="1963" kern="1200">
         <a:solidFill>
           <a:schemeClr val="tx1"/>
         </a:solidFill>
@@ -63,8 +63,8 @@
         <a:cs typeface="+mn-cs"/>
       </a:defRPr>
     </a:lvl5pPr>
-    <a:lvl6pPr marL="2285729" algn="l" defTabSz="457146" rtl="0" eaLnBrk="1" latinLnBrk="0" hangingPunct="1">
-      <a:defRPr sz="1800" kern="1200">
+    <a:lvl6pPr marL="2492359" algn="l" defTabSz="498472" rtl="0" eaLnBrk="1" latinLnBrk="0" hangingPunct="1">
+      <a:defRPr sz="1963" kern="1200">
         <a:solidFill>
           <a:schemeClr val="tx1"/>
         </a:solidFill>
@@ -73,8 +73,8 @@
         <a:cs typeface="+mn-cs"/>
       </a:defRPr>
     </a:lvl6pPr>
-    <a:lvl7pPr marL="2742874" algn="l" defTabSz="457146" rtl="0" eaLnBrk="1" latinLnBrk="0" hangingPunct="1">
-      <a:defRPr sz="1800" kern="1200">
+    <a:lvl7pPr marL="2990830" algn="l" defTabSz="498472" rtl="0" eaLnBrk="1" latinLnBrk="0" hangingPunct="1">
+      <a:defRPr sz="1963" kern="1200">
         <a:solidFill>
           <a:schemeClr val="tx1"/>
         </a:solidFill>
@@ -83,8 +83,8 @@
         <a:cs typeface="+mn-cs"/>
       </a:defRPr>
     </a:lvl7pPr>
-    <a:lvl8pPr marL="3200020" algn="l" defTabSz="457146" rtl="0" eaLnBrk="1" latinLnBrk="0" hangingPunct="1">
-      <a:defRPr sz="1800" kern="1200">
+    <a:lvl8pPr marL="3489302" algn="l" defTabSz="498472" rtl="0" eaLnBrk="1" latinLnBrk="0" hangingPunct="1">
+      <a:defRPr sz="1963" kern="1200">
         <a:solidFill>
           <a:schemeClr val="tx1"/>
         </a:solidFill>
@@ -93,8 +93,8 @@
         <a:cs typeface="+mn-cs"/>
       </a:defRPr>
     </a:lvl8pPr>
-    <a:lvl9pPr marL="3657166" algn="l" defTabSz="457146" rtl="0" eaLnBrk="1" latinLnBrk="0" hangingPunct="1">
-      <a:defRPr sz="1800" kern="1200">
+    <a:lvl9pPr marL="3987774" algn="l" defTabSz="498472" rtl="0" eaLnBrk="1" latinLnBrk="0" hangingPunct="1">
+      <a:defRPr sz="1963" kern="1200">
         <a:solidFill>
           <a:schemeClr val="tx1"/>
         </a:solidFill>
@@ -104,6 +104,22 @@
       </a:defRPr>
     </a:lvl9pPr>
   </p:defaultTextStyle>
+  <p:extLst>
+    <p:ext uri="{EFAFB233-063F-42B5-8137-9DF3F51BA10A}">
+      <p15:sldGuideLst xmlns:p15="http://schemas.microsoft.com/office/powerpoint/2012/main">
+        <p15:guide id="1" orient="horz" pos="2835" userDrawn="1">
+          <p15:clr>
+            <a:srgbClr val="A4A3A4"/>
+          </p15:clr>
+        </p15:guide>
+        <p15:guide id="2" pos="2903" userDrawn="1">
+          <p15:clr>
+            <a:srgbClr val="A4A3A4"/>
+          </p15:clr>
+        </p15:guide>
+      </p15:sldGuideLst>
+    </p:ext>
+  </p:extLst>
 </p:presentation>
 </file>
 
@@ -136,8 +152,8 @@
         </p:nvSpPr>
         <p:spPr>
           <a:xfrm>
-            <a:off x="685801" y="2130426"/>
-            <a:ext cx="7772400" cy="1470025"/>
+            <a:off x="691159" y="2795692"/>
+            <a:ext cx="7833122" cy="1929067"/>
           </a:xfrm>
         </p:spPr>
         <p:txBody>
@@ -164,8 +180,8 @@
         </p:nvSpPr>
         <p:spPr>
           <a:xfrm>
-            <a:off x="1371601" y="3886200"/>
-            <a:ext cx="6400800" cy="1752600"/>
+            <a:off x="1382317" y="5099739"/>
+            <a:ext cx="6450807" cy="2299882"/>
           </a:xfrm>
         </p:spPr>
         <p:txBody>
@@ -289,7 +305,7 @@
             <a:fld id="{8AD8D7AE-7D94-2142-9511-921D3832F01B}" type="datetimeFigureOut">
               <a:rPr lang="en-US" smtClean="0"/>
               <a:pPr/>
-              <a:t>11/27/2012</a:t>
+              <a:t>5/31/2013</a:t>
             </a:fld>
             <a:endParaRPr lang="en-US"/>
           </a:p>
@@ -341,7 +357,7 @@
     </p:spTree>
     <p:extLst>
       <p:ext uri="{BB962C8B-B14F-4D97-AF65-F5344CB8AC3E}">
-        <p14:creationId xmlns="" xmlns:p14="http://schemas.microsoft.com/office/powerpoint/2010/main" val="3304113251"/>
+        <p14:creationId xmlns:p14="http://schemas.microsoft.com/office/powerpoint/2010/main" val="3304113251"/>
       </p:ext>
     </p:extLst>
   </p:cSld>
@@ -461,7 +477,7 @@
             <a:fld id="{8AD8D7AE-7D94-2142-9511-921D3832F01B}" type="datetimeFigureOut">
               <a:rPr lang="en-US" smtClean="0"/>
               <a:pPr/>
-              <a:t>11/27/2012</a:t>
+              <a:t>5/31/2013</a:t>
             </a:fld>
             <a:endParaRPr lang="en-US"/>
           </a:p>
@@ -513,7 +529,7 @@
     </p:spTree>
     <p:extLst>
       <p:ext uri="{BB962C8B-B14F-4D97-AF65-F5344CB8AC3E}">
-        <p14:creationId xmlns="" xmlns:p14="http://schemas.microsoft.com/office/powerpoint/2010/main" val="1107567984"/>
+        <p14:creationId xmlns:p14="http://schemas.microsoft.com/office/powerpoint/2010/main" val="1107567984"/>
       </p:ext>
     </p:extLst>
   </p:cSld>
@@ -552,8 +568,8 @@
         </p:nvSpPr>
         <p:spPr>
           <a:xfrm>
-            <a:off x="6629400" y="274639"/>
-            <a:ext cx="2057400" cy="5851525"/>
+            <a:off x="6681192" y="360401"/>
+            <a:ext cx="2073474" cy="7678773"/>
           </a:xfrm>
         </p:spPr>
         <p:txBody>
@@ -580,8 +596,8 @@
         </p:nvSpPr>
         <p:spPr>
           <a:xfrm>
-            <a:off x="457200" y="274639"/>
-            <a:ext cx="6019800" cy="5851525"/>
+            <a:off x="460772" y="360401"/>
+            <a:ext cx="6066830" cy="7678773"/>
           </a:xfrm>
         </p:spPr>
         <p:txBody>
@@ -643,7 +659,7 @@
             <a:fld id="{8AD8D7AE-7D94-2142-9511-921D3832F01B}" type="datetimeFigureOut">
               <a:rPr lang="en-US" smtClean="0"/>
               <a:pPr/>
-              <a:t>11/27/2012</a:t>
+              <a:t>5/31/2013</a:t>
             </a:fld>
             <a:endParaRPr lang="en-US"/>
           </a:p>
@@ -695,7 +711,7 @@
     </p:spTree>
     <p:extLst>
       <p:ext uri="{BB962C8B-B14F-4D97-AF65-F5344CB8AC3E}">
-        <p14:creationId xmlns="" xmlns:p14="http://schemas.microsoft.com/office/powerpoint/2010/main" val="1817444097"/>
+        <p14:creationId xmlns:p14="http://schemas.microsoft.com/office/powerpoint/2010/main" val="1817444097"/>
       </p:ext>
     </p:extLst>
   </p:cSld>
@@ -815,7 +831,7 @@
             <a:fld id="{8AD8D7AE-7D94-2142-9511-921D3832F01B}" type="datetimeFigureOut">
               <a:rPr lang="en-US" smtClean="0"/>
               <a:pPr/>
-              <a:t>11/27/2012</a:t>
+              <a:t>5/31/2013</a:t>
             </a:fld>
             <a:endParaRPr lang="en-US"/>
           </a:p>
@@ -867,7 +883,7 @@
     </p:spTree>
     <p:extLst>
       <p:ext uri="{BB962C8B-B14F-4D97-AF65-F5344CB8AC3E}">
-        <p14:creationId xmlns="" xmlns:p14="http://schemas.microsoft.com/office/powerpoint/2010/main" val="1014336689"/>
+        <p14:creationId xmlns:p14="http://schemas.microsoft.com/office/powerpoint/2010/main" val="1014336689"/>
       </p:ext>
     </p:extLst>
   </p:cSld>
@@ -906,8 +922,8 @@
         </p:nvSpPr>
         <p:spPr>
           <a:xfrm>
-            <a:off x="722313" y="4406901"/>
-            <a:ext cx="7772400" cy="1362075"/>
+            <a:off x="727956" y="5783039"/>
+            <a:ext cx="7833122" cy="1787408"/>
           </a:xfrm>
         </p:spPr>
         <p:txBody>
@@ -938,8 +954,8 @@
         </p:nvSpPr>
         <p:spPr>
           <a:xfrm>
-            <a:off x="722313" y="2906713"/>
-            <a:ext cx="7772400" cy="1500187"/>
+            <a:off x="727956" y="3814390"/>
+            <a:ext cx="7833122" cy="1968648"/>
           </a:xfrm>
         </p:spPr>
         <p:txBody>
@@ -1063,7 +1079,7 @@
             <a:fld id="{8AD8D7AE-7D94-2142-9511-921D3832F01B}" type="datetimeFigureOut">
               <a:rPr lang="en-US" smtClean="0"/>
               <a:pPr/>
-              <a:t>11/27/2012</a:t>
+              <a:t>5/31/2013</a:t>
             </a:fld>
             <a:endParaRPr lang="en-US"/>
           </a:p>
@@ -1115,7 +1131,7 @@
     </p:spTree>
     <p:extLst>
       <p:ext uri="{BB962C8B-B14F-4D97-AF65-F5344CB8AC3E}">
-        <p14:creationId xmlns="" xmlns:p14="http://schemas.microsoft.com/office/powerpoint/2010/main" val="1220974419"/>
+        <p14:creationId xmlns:p14="http://schemas.microsoft.com/office/powerpoint/2010/main" val="1220974419"/>
       </p:ext>
     </p:extLst>
   </p:cSld>
@@ -1177,8 +1193,8 @@
         </p:nvSpPr>
         <p:spPr>
           <a:xfrm>
-            <a:off x="457200" y="1600201"/>
-            <a:ext cx="4038600" cy="4525963"/>
+            <a:off x="460772" y="2099894"/>
+            <a:ext cx="4070152" cy="5939279"/>
           </a:xfrm>
         </p:spPr>
         <p:txBody>
@@ -1262,8 +1278,8 @@
         </p:nvSpPr>
         <p:spPr>
           <a:xfrm>
-            <a:off x="4648200" y="1600201"/>
-            <a:ext cx="4038600" cy="4525963"/>
+            <a:off x="4684514" y="2099894"/>
+            <a:ext cx="4070152" cy="5939279"/>
           </a:xfrm>
         </p:spPr>
         <p:txBody>
@@ -1353,7 +1369,7 @@
             <a:fld id="{8AD8D7AE-7D94-2142-9511-921D3832F01B}" type="datetimeFigureOut">
               <a:rPr lang="en-US" smtClean="0"/>
               <a:pPr/>
-              <a:t>11/27/2012</a:t>
+              <a:t>5/31/2013</a:t>
             </a:fld>
             <a:endParaRPr lang="en-US"/>
           </a:p>
@@ -1405,7 +1421,7 @@
     </p:spTree>
     <p:extLst>
       <p:ext uri="{BB962C8B-B14F-4D97-AF65-F5344CB8AC3E}">
-        <p14:creationId xmlns="" xmlns:p14="http://schemas.microsoft.com/office/powerpoint/2010/main" val="3499814056"/>
+        <p14:creationId xmlns:p14="http://schemas.microsoft.com/office/powerpoint/2010/main" val="3499814056"/>
       </p:ext>
     </p:extLst>
   </p:cSld>
@@ -1471,8 +1487,8 @@
         </p:nvSpPr>
         <p:spPr>
           <a:xfrm>
-            <a:off x="457200" y="1535113"/>
-            <a:ext cx="4040188" cy="639762"/>
+            <a:off x="460772" y="2014482"/>
+            <a:ext cx="4071752" cy="839539"/>
           </a:xfrm>
         </p:spPr>
         <p:txBody>
@@ -1536,8 +1552,8 @@
         </p:nvSpPr>
         <p:spPr>
           <a:xfrm>
-            <a:off x="457200" y="2174875"/>
-            <a:ext cx="4040188" cy="3951288"/>
+            <a:off x="460772" y="2854021"/>
+            <a:ext cx="4071752" cy="5185151"/>
           </a:xfrm>
         </p:spPr>
         <p:txBody>
@@ -1621,8 +1637,8 @@
         </p:nvSpPr>
         <p:spPr>
           <a:xfrm>
-            <a:off x="4645026" y="1535113"/>
-            <a:ext cx="4041775" cy="639762"/>
+            <a:off x="4681317" y="2014482"/>
+            <a:ext cx="4073352" cy="839539"/>
           </a:xfrm>
         </p:spPr>
         <p:txBody>
@@ -1686,8 +1702,8 @@
         </p:nvSpPr>
         <p:spPr>
           <a:xfrm>
-            <a:off x="4645026" y="2174875"/>
-            <a:ext cx="4041775" cy="3951288"/>
+            <a:off x="4681317" y="2854021"/>
+            <a:ext cx="4073352" cy="5185151"/>
           </a:xfrm>
         </p:spPr>
         <p:txBody>
@@ -1777,7 +1793,7 @@
             <a:fld id="{8AD8D7AE-7D94-2142-9511-921D3832F01B}" type="datetimeFigureOut">
               <a:rPr lang="en-US" smtClean="0"/>
               <a:pPr/>
-              <a:t>11/27/2012</a:t>
+              <a:t>5/31/2013</a:t>
             </a:fld>
             <a:endParaRPr lang="en-US"/>
           </a:p>
@@ -1829,7 +1845,7 @@
     </p:spTree>
     <p:extLst>
       <p:ext uri="{BB962C8B-B14F-4D97-AF65-F5344CB8AC3E}">
-        <p14:creationId xmlns="" xmlns:p14="http://schemas.microsoft.com/office/powerpoint/2010/main" val="564424958"/>
+        <p14:creationId xmlns:p14="http://schemas.microsoft.com/office/powerpoint/2010/main" val="564424958"/>
       </p:ext>
     </p:extLst>
   </p:cSld>
@@ -1897,7 +1913,7 @@
             <a:fld id="{8AD8D7AE-7D94-2142-9511-921D3832F01B}" type="datetimeFigureOut">
               <a:rPr lang="en-US" smtClean="0"/>
               <a:pPr/>
-              <a:t>11/27/2012</a:t>
+              <a:t>5/31/2013</a:t>
             </a:fld>
             <a:endParaRPr lang="en-US"/>
           </a:p>
@@ -1949,7 +1965,7 @@
     </p:spTree>
     <p:extLst>
       <p:ext uri="{BB962C8B-B14F-4D97-AF65-F5344CB8AC3E}">
-        <p14:creationId xmlns="" xmlns:p14="http://schemas.microsoft.com/office/powerpoint/2010/main" val="1455917718"/>
+        <p14:creationId xmlns:p14="http://schemas.microsoft.com/office/powerpoint/2010/main" val="1455917718"/>
       </p:ext>
     </p:extLst>
   </p:cSld>
@@ -1994,7 +2010,7 @@
             <a:fld id="{8AD8D7AE-7D94-2142-9511-921D3832F01B}" type="datetimeFigureOut">
               <a:rPr lang="en-US" smtClean="0"/>
               <a:pPr/>
-              <a:t>11/27/2012</a:t>
+              <a:t>5/31/2013</a:t>
             </a:fld>
             <a:endParaRPr lang="en-US"/>
           </a:p>
@@ -2046,7 +2062,7 @@
     </p:spTree>
     <p:extLst>
       <p:ext uri="{BB962C8B-B14F-4D97-AF65-F5344CB8AC3E}">
-        <p14:creationId xmlns="" xmlns:p14="http://schemas.microsoft.com/office/powerpoint/2010/main" val="1333216825"/>
+        <p14:creationId xmlns:p14="http://schemas.microsoft.com/office/powerpoint/2010/main" val="1333216825"/>
       </p:ext>
     </p:extLst>
   </p:cSld>
@@ -2085,8 +2101,8 @@
         </p:nvSpPr>
         <p:spPr>
           <a:xfrm>
-            <a:off x="457201" y="273051"/>
-            <a:ext cx="3008313" cy="1162050"/>
+            <a:off x="460774" y="358317"/>
+            <a:ext cx="3031816" cy="1524922"/>
           </a:xfrm>
         </p:spPr>
         <p:txBody>
@@ -2117,8 +2133,8 @@
         </p:nvSpPr>
         <p:spPr>
           <a:xfrm>
-            <a:off x="3575050" y="273051"/>
-            <a:ext cx="5111750" cy="5853113"/>
+            <a:off x="3602980" y="358318"/>
+            <a:ext cx="5151686" cy="7680856"/>
           </a:xfrm>
         </p:spPr>
         <p:txBody>
@@ -2202,8 +2218,8 @@
         </p:nvSpPr>
         <p:spPr>
           <a:xfrm>
-            <a:off x="457201" y="1435101"/>
-            <a:ext cx="3008313" cy="4691063"/>
+            <a:off x="460774" y="1883239"/>
+            <a:ext cx="3031816" cy="6155934"/>
           </a:xfrm>
         </p:spPr>
         <p:txBody>
@@ -2273,7 +2289,7 @@
             <a:fld id="{8AD8D7AE-7D94-2142-9511-921D3832F01B}" type="datetimeFigureOut">
               <a:rPr lang="en-US" smtClean="0"/>
               <a:pPr/>
-              <a:t>11/27/2012</a:t>
+              <a:t>5/31/2013</a:t>
             </a:fld>
             <a:endParaRPr lang="en-US"/>
           </a:p>
@@ -2325,7 +2341,7 @@
     </p:spTree>
     <p:extLst>
       <p:ext uri="{BB962C8B-B14F-4D97-AF65-F5344CB8AC3E}">
-        <p14:creationId xmlns="" xmlns:p14="http://schemas.microsoft.com/office/powerpoint/2010/main" val="2024346809"/>
+        <p14:creationId xmlns:p14="http://schemas.microsoft.com/office/powerpoint/2010/main" val="2024346809"/>
       </p:ext>
     </p:extLst>
   </p:cSld>
@@ -2364,8 +2380,8 @@
         </p:nvSpPr>
         <p:spPr>
           <a:xfrm>
-            <a:off x="1792288" y="4800600"/>
-            <a:ext cx="5486400" cy="566738"/>
+            <a:off x="1806290" y="6299676"/>
+            <a:ext cx="5529263" cy="743713"/>
           </a:xfrm>
         </p:spPr>
         <p:txBody>
@@ -2396,8 +2412,8 @@
         </p:nvSpPr>
         <p:spPr>
           <a:xfrm>
-            <a:off x="1792288" y="612775"/>
-            <a:ext cx="5486400" cy="4114800"/>
+            <a:off x="1806290" y="804126"/>
+            <a:ext cx="5529263" cy="5399723"/>
           </a:xfrm>
         </p:spPr>
         <p:txBody>
@@ -2457,8 +2473,8 @@
         </p:nvSpPr>
         <p:spPr>
           <a:xfrm>
-            <a:off x="1792288" y="5367339"/>
-            <a:ext cx="5486400" cy="804862"/>
+            <a:off x="1806290" y="7043391"/>
+            <a:ext cx="5529263" cy="1056195"/>
           </a:xfrm>
         </p:spPr>
         <p:txBody>
@@ -2528,7 +2544,7 @@
             <a:fld id="{8AD8D7AE-7D94-2142-9511-921D3832F01B}" type="datetimeFigureOut">
               <a:rPr lang="en-US" smtClean="0"/>
               <a:pPr/>
-              <a:t>11/27/2012</a:t>
+              <a:t>5/31/2013</a:t>
             </a:fld>
             <a:endParaRPr lang="en-US"/>
           </a:p>
@@ -2580,7 +2596,7 @@
     </p:spTree>
     <p:extLst>
       <p:ext uri="{BB962C8B-B14F-4D97-AF65-F5344CB8AC3E}">
-        <p14:creationId xmlns="" xmlns:p14="http://schemas.microsoft.com/office/powerpoint/2010/main" val="1260717019"/>
+        <p14:creationId xmlns:p14="http://schemas.microsoft.com/office/powerpoint/2010/main" val="1260717019"/>
       </p:ext>
     </p:extLst>
   </p:cSld>
@@ -2624,8 +2640,8 @@
         </p:nvSpPr>
         <p:spPr>
           <a:xfrm>
-            <a:off x="457200" y="274638"/>
-            <a:ext cx="8229600" cy="1143000"/>
+            <a:off x="460772" y="360398"/>
+            <a:ext cx="8293894" cy="1499923"/>
           </a:xfrm>
           <a:prstGeom prst="rect">
             <a:avLst/>
@@ -2657,8 +2673,8 @@
         </p:nvSpPr>
         <p:spPr>
           <a:xfrm>
-            <a:off x="457200" y="1600201"/>
-            <a:ext cx="8229600" cy="4525963"/>
+            <a:off x="460772" y="2099894"/>
+            <a:ext cx="8293894" cy="5939279"/>
           </a:xfrm>
           <a:prstGeom prst="rect">
             <a:avLst/>
@@ -2719,8 +2735,8 @@
         </p:nvSpPr>
         <p:spPr>
           <a:xfrm>
-            <a:off x="457201" y="6356351"/>
-            <a:ext cx="2133600" cy="365125"/>
+            <a:off x="460773" y="8341241"/>
+            <a:ext cx="2150269" cy="479142"/>
           </a:xfrm>
           <a:prstGeom prst="rect">
             <a:avLst/>
@@ -2743,7 +2759,7 @@
             <a:fld id="{8AD8D7AE-7D94-2142-9511-921D3832F01B}" type="datetimeFigureOut">
               <a:rPr lang="en-US" smtClean="0"/>
               <a:pPr/>
-              <a:t>11/27/2012</a:t>
+              <a:t>5/31/2013</a:t>
             </a:fld>
             <a:endParaRPr lang="en-US"/>
           </a:p>
@@ -2761,8 +2777,8 @@
         </p:nvSpPr>
         <p:spPr>
           <a:xfrm>
-            <a:off x="3124201" y="6356351"/>
-            <a:ext cx="2895600" cy="365125"/>
+            <a:off x="3148609" y="8341241"/>
+            <a:ext cx="2918222" cy="479142"/>
           </a:xfrm>
           <a:prstGeom prst="rect">
             <a:avLst/>
@@ -2798,8 +2814,8 @@
         </p:nvSpPr>
         <p:spPr>
           <a:xfrm>
-            <a:off x="6553200" y="6356351"/>
-            <a:ext cx="2133600" cy="365125"/>
+            <a:off x="6604397" y="8341241"/>
+            <a:ext cx="2150269" cy="479142"/>
           </a:xfrm>
           <a:prstGeom prst="rect">
             <a:avLst/>
@@ -2831,7 +2847,7 @@
     </p:spTree>
     <p:extLst>
       <p:ext uri="{BB962C8B-B14F-4D97-AF65-F5344CB8AC3E}">
-        <p14:creationId xmlns="" xmlns:p14="http://schemas.microsoft.com/office/powerpoint/2010/main" val="3766773001"/>
+        <p14:creationId xmlns:p14="http://schemas.microsoft.com/office/powerpoint/2010/main" val="3766773001"/>
       </p:ext>
     </p:extLst>
   </p:cSld>
@@ -3119,6 +3135,44 @@
           <a:chExt cx="0" cy="0"/>
         </a:xfrm>
       </p:grpSpPr>
+      <p:pic>
+        <p:nvPicPr>
+          <p:cNvPr id="107" name="Picture 106"/>
+          <p:cNvPicPr>
+            <a:picLocks noChangeAspect="1"/>
+          </p:cNvPicPr>
+          <p:nvPr/>
+        </p:nvPicPr>
+        <p:blipFill rotWithShape="1">
+          <a:blip r:embed="rId2">
+            <a:extLst>
+              <a:ext uri="{BEBA8EAE-BF5A-486C-A8C5-ECC9F3942E4B}">
+                <a14:imgProps xmlns:a14="http://schemas.microsoft.com/office/drawing/2010/main">
+                  <a14:imgLayer r:embed="rId3">
+                    <a14:imgEffect>
+                      <a14:artisticCrisscrossEtching/>
+                    </a14:imgEffect>
+                    <a14:imgEffect>
+                      <a14:brightnessContrast contrast="40000"/>
+                    </a14:imgEffect>
+                  </a14:imgLayer>
+                </a14:imgProps>
+              </a:ext>
+            </a:extLst>
+          </a:blip>
+          <a:srcRect t="-1811" b="-1811"/>
+          <a:stretch/>
+        </p:blipFill>
+        <p:spPr>
+          <a:xfrm>
+            <a:off x="1674507" y="2218468"/>
+            <a:ext cx="5555667" cy="4262501"/>
+          </a:xfrm>
+          <a:prstGeom prst="rect">
+            <a:avLst/>
+          </a:prstGeom>
+        </p:spPr>
+      </p:pic>
       <p:sp>
         <p:nvSpPr>
           <p:cNvPr id="94" name="Oval 93"/>
@@ -3127,15 +3181,13 @@
         </p:nvSpPr>
         <p:spPr>
           <a:xfrm>
-            <a:off x="1382248" y="316875"/>
+            <a:off x="1417969" y="1387646"/>
             <a:ext cx="6066719" cy="5721745"/>
           </a:xfrm>
           <a:prstGeom prst="ellipse">
             <a:avLst/>
           </a:prstGeom>
-          <a:solidFill>
-            <a:srgbClr val="FFFFFF"/>
-          </a:solidFill>
+          <a:noFill/>
           <a:ln w="38100" cmpd="sng">
             <a:solidFill>
               <a:srgbClr val="17375E"/>
@@ -3173,10 +3225,10 @@
         </p:nvGrpSpPr>
         <p:grpSpPr>
           <a:xfrm>
-            <a:off x="608673" y="1900179"/>
-            <a:ext cx="1901601" cy="908910"/>
-            <a:chOff x="914925" y="1094977"/>
-            <a:chExt cx="1901601" cy="908910"/>
+            <a:off x="644394" y="2856649"/>
+            <a:ext cx="1711101" cy="768881"/>
+            <a:chOff x="914925" y="980677"/>
+            <a:chExt cx="1711101" cy="768881"/>
           </a:xfrm>
         </p:grpSpPr>
         <p:sp>
@@ -3187,8 +3239,8 @@
           </p:nvSpPr>
           <p:spPr>
             <a:xfrm>
-              <a:off x="914925" y="1634555"/>
-              <a:ext cx="868443" cy="369332"/>
+              <a:off x="914925" y="1355155"/>
+              <a:ext cx="931730" cy="394403"/>
             </a:xfrm>
             <a:prstGeom prst="rect">
               <a:avLst/>
@@ -3202,7 +3254,7 @@
             <a:lstStyle/>
             <a:p>
               <a:r>
-                <a:rPr lang="en-US" b="1" dirty="0" smtClean="0"/>
+                <a:rPr lang="en-US" b="1" dirty="0"/>
                 <a:t>Patient</a:t>
               </a:r>
               <a:endParaRPr lang="en-US" b="1" dirty="0"/>
@@ -3218,14 +3270,14 @@
             <p:nvPr/>
           </p:nvPicPr>
           <p:blipFill>
-            <a:blip r:embed="rId2"/>
+            <a:blip r:embed="rId4"/>
             <a:stretch>
               <a:fillRect/>
             </a:stretch>
           </p:blipFill>
           <p:spPr>
             <a:xfrm>
-              <a:off x="2242137" y="1094977"/>
+              <a:off x="2051637" y="980677"/>
               <a:ext cx="574389" cy="539578"/>
             </a:xfrm>
             <a:prstGeom prst="rect">
@@ -3242,10 +3294,10 @@
         </p:nvGrpSpPr>
         <p:grpSpPr>
           <a:xfrm>
-            <a:off x="3794869" y="676184"/>
-            <a:ext cx="1731802" cy="850826"/>
-            <a:chOff x="5212738" y="1328371"/>
-            <a:chExt cx="1731802" cy="850827"/>
+            <a:off x="2573288" y="971148"/>
+            <a:ext cx="2214402" cy="1035984"/>
+            <a:chOff x="3955438" y="1390766"/>
+            <a:chExt cx="2214402" cy="1035985"/>
           </a:xfrm>
         </p:grpSpPr>
         <p:sp>
@@ -3256,8 +3308,8 @@
           </p:nvSpPr>
           <p:spPr>
             <a:xfrm>
-              <a:off x="5212738" y="1809866"/>
-              <a:ext cx="1249701" cy="369332"/>
+              <a:off x="3955438" y="1390766"/>
+              <a:ext cx="1352037" cy="394403"/>
             </a:xfrm>
             <a:prstGeom prst="rect">
               <a:avLst/>
@@ -3271,7 +3323,7 @@
             <a:lstStyle/>
             <a:p>
               <a:r>
-                <a:rPr lang="en-US" b="1" dirty="0" smtClean="0"/>
+                <a:rPr lang="en-US" b="1" dirty="0"/>
                 <a:t>Pharmacist</a:t>
               </a:r>
               <a:endParaRPr lang="en-US" b="1" dirty="0"/>
@@ -3287,14 +3339,14 @@
             <p:nvPr/>
           </p:nvPicPr>
           <p:blipFill>
-            <a:blip r:embed="rId2"/>
+            <a:blip r:embed="rId4"/>
             <a:stretch>
               <a:fillRect/>
             </a:stretch>
           </p:blipFill>
           <p:spPr>
             <a:xfrm>
-              <a:off x="6370151" y="1328371"/>
+              <a:off x="5595451" y="1887173"/>
               <a:ext cx="574389" cy="539578"/>
             </a:xfrm>
             <a:prstGeom prst="rect">
@@ -3311,8 +3363,8 @@
         </p:nvSpPr>
         <p:spPr>
           <a:xfrm>
-            <a:off x="7154482" y="4292184"/>
-            <a:ext cx="1302214" cy="369322"/>
+            <a:off x="7050500" y="5782054"/>
+            <a:ext cx="1518201" cy="394393"/>
           </a:xfrm>
           <a:prstGeom prst="rect">
             <a:avLst/>
@@ -3326,7 +3378,7 @@
           <a:lstStyle/>
           <a:p>
             <a:r>
-              <a:rPr lang="en-US" b="1" dirty="0" smtClean="0"/>
+              <a:rPr lang="en-US" b="1" dirty="0"/>
               <a:t>Researcher</a:t>
             </a:r>
             <a:endParaRPr lang="en-US" b="1" dirty="0"/>
@@ -3341,14 +3393,17 @@
         </p:nvSpPr>
         <p:spPr>
           <a:xfrm>
-            <a:off x="3837867" y="3884675"/>
+            <a:off x="3962488" y="5196746"/>
             <a:ext cx="416185" cy="443369"/>
           </a:xfrm>
           <a:prstGeom prst="ellipse">
             <a:avLst/>
           </a:prstGeom>
           <a:solidFill>
-            <a:srgbClr val="FFFFFF"/>
+            <a:schemeClr val="accent3">
+              <a:lumMod val="60000"/>
+              <a:lumOff val="40000"/>
+            </a:schemeClr>
           </a:solidFill>
           <a:ln>
             <a:solidFill>
@@ -3383,7 +3438,7 @@
                 <a:latin typeface="Times New Roman"/>
                 <a:cs typeface="Times New Roman"/>
               </a:rPr>
-              <a:t>2</a:t>
+              <a:t>6</a:t>
             </a:r>
           </a:p>
         </p:txBody>
@@ -3396,14 +3451,17 @@
         </p:nvSpPr>
         <p:spPr>
           <a:xfrm>
-            <a:off x="5497870" y="2104864"/>
+            <a:off x="5533591" y="3175635"/>
             <a:ext cx="416185" cy="443369"/>
           </a:xfrm>
           <a:prstGeom prst="ellipse">
             <a:avLst/>
           </a:prstGeom>
           <a:solidFill>
-            <a:srgbClr val="FFFFFF"/>
+            <a:schemeClr val="accent3">
+              <a:lumMod val="60000"/>
+              <a:lumOff val="40000"/>
+            </a:schemeClr>
           </a:solidFill>
           <a:ln>
             <a:solidFill>
@@ -3431,7 +3489,7 @@
           <a:p>
             <a:pPr algn="ctr"/>
             <a:r>
-              <a:rPr lang="en-US" b="1" dirty="0" smtClean="0">
+              <a:rPr lang="en-US" b="1" dirty="0">
                 <a:solidFill>
                   <a:srgbClr val="000000"/>
                 </a:solidFill>
@@ -3458,14 +3516,17 @@
         </p:nvSpPr>
         <p:spPr>
           <a:xfrm>
-            <a:off x="3832043" y="1561030"/>
+            <a:off x="3969364" y="2415901"/>
             <a:ext cx="416185" cy="443369"/>
           </a:xfrm>
           <a:prstGeom prst="ellipse">
             <a:avLst/>
           </a:prstGeom>
           <a:solidFill>
-            <a:srgbClr val="FFFFFF"/>
+            <a:schemeClr val="accent3">
+              <a:lumMod val="60000"/>
+              <a:lumOff val="40000"/>
+            </a:schemeClr>
           </a:solidFill>
           <a:ln>
             <a:solidFill>
@@ -3493,14 +3554,14 @@
           <a:p>
             <a:pPr algn="ctr"/>
             <a:r>
-              <a:rPr lang="en-US" b="1" dirty="0" smtClean="0">
+              <a:rPr lang="en-US" b="1" dirty="0">
                 <a:solidFill>
                   <a:schemeClr val="tx1"/>
                 </a:solidFill>
                 <a:latin typeface="Times New Roman"/>
                 <a:cs typeface="Times New Roman"/>
               </a:rPr>
-              <a:t>5</a:t>
+              <a:t>3</a:t>
             </a:r>
             <a:endParaRPr lang="en-US" b="1" dirty="0">
               <a:solidFill>
@@ -3520,14 +3581,17 @@
         </p:nvSpPr>
         <p:spPr>
           <a:xfrm>
-            <a:off x="2937506" y="3750392"/>
+            <a:off x="2973227" y="4821163"/>
             <a:ext cx="416185" cy="443369"/>
           </a:xfrm>
           <a:prstGeom prst="ellipse">
             <a:avLst/>
           </a:prstGeom>
           <a:solidFill>
-            <a:srgbClr val="FFFFFF"/>
+            <a:schemeClr val="accent3">
+              <a:lumMod val="60000"/>
+              <a:lumOff val="40000"/>
+            </a:schemeClr>
           </a:solidFill>
           <a:ln>
             <a:solidFill>
@@ -3555,7 +3619,7 @@
           <a:p>
             <a:pPr algn="ctr"/>
             <a:r>
-              <a:rPr lang="en-US" b="1" dirty="0" smtClean="0">
+              <a:rPr lang="en-US" b="1" dirty="0">
                 <a:solidFill>
                   <a:srgbClr val="000000"/>
                 </a:solidFill>
@@ -3574,29 +3638,6 @@
           </a:p>
         </p:txBody>
       </p:sp>
-      <p:pic>
-        <p:nvPicPr>
-          <p:cNvPr id="107" name="Picture 106"/>
-          <p:cNvPicPr>
-            <a:picLocks noChangeAspect="1"/>
-          </p:cNvPicPr>
-          <p:nvPr/>
-        </p:nvPicPr>
-        <p:blipFill rotWithShape="1">
-          <a:blip r:embed="rId3"/>
-          <a:srcRect t="-1811" b="-1811"/>
-          <a:stretch/>
-        </p:blipFill>
-        <p:spPr>
-          <a:xfrm>
-            <a:off x="2887926" y="4299674"/>
-            <a:ext cx="3398803" cy="2607680"/>
-          </a:xfrm>
-          <a:prstGeom prst="rect">
-            <a:avLst/>
-          </a:prstGeom>
-        </p:spPr>
-      </p:pic>
       <p:sp>
         <p:nvSpPr>
           <p:cNvPr id="102" name="Oval 101"/>
@@ -3605,14 +3646,17 @@
         </p:nvSpPr>
         <p:spPr>
           <a:xfrm>
-            <a:off x="5512810" y="3631019"/>
+            <a:off x="5548531" y="4701790"/>
             <a:ext cx="416185" cy="443369"/>
           </a:xfrm>
           <a:prstGeom prst="ellipse">
             <a:avLst/>
           </a:prstGeom>
           <a:solidFill>
-            <a:srgbClr val="FFFFFF"/>
+            <a:schemeClr val="accent3">
+              <a:lumMod val="60000"/>
+              <a:lumOff val="40000"/>
+            </a:schemeClr>
           </a:solidFill>
           <a:ln>
             <a:solidFill>
@@ -3647,44 +3691,8 @@
                 <a:latin typeface="Times New Roman"/>
                 <a:cs typeface="Times New Roman"/>
               </a:rPr>
-              <a:t>3</a:t>
-            </a:r>
-          </a:p>
-        </p:txBody>
-      </p:sp>
-      <p:sp>
-        <p:nvSpPr>
-          <p:cNvPr id="98" name="TextBox 97"/>
-          <p:cNvSpPr txBox="1"/>
-          <p:nvPr/>
-        </p:nvSpPr>
-        <p:spPr>
-          <a:xfrm>
-            <a:off x="1635725" y="6260688"/>
-            <a:ext cx="1915887" cy="369322"/>
-          </a:xfrm>
-          <a:prstGeom prst="rect">
-            <a:avLst/>
-          </a:prstGeom>
-          <a:noFill/>
-        </p:spPr>
-        <p:txBody>
-          <a:bodyPr wrap="none" lIns="91429" tIns="45715" rIns="91429" bIns="45715" rtlCol="0">
-            <a:spAutoFit/>
-          </a:bodyPr>
-          <a:lstStyle/>
-          <a:p>
-            <a:r>
-              <a:rPr lang="en-US" b="1" dirty="0" smtClean="0">
-                <a:latin typeface="Times New Roman"/>
-                <a:cs typeface="Times New Roman"/>
-              </a:rPr>
-              <a:t>Linked open data</a:t>
-            </a:r>
-            <a:endParaRPr lang="en-US" b="1" dirty="0">
-              <a:latin typeface="Times New Roman"/>
-              <a:cs typeface="Times New Roman"/>
-            </a:endParaRPr>
+              <a:t>5</a:t>
+            </a:r>
           </a:p>
         </p:txBody>
       </p:sp>
@@ -3696,14 +3704,17 @@
         </p:nvSpPr>
         <p:spPr>
           <a:xfrm rot="16200000">
-            <a:off x="3992634" y="1697300"/>
-            <a:ext cx="784515" cy="299553"/>
+            <a:off x="3917939" y="2546706"/>
+            <a:ext cx="1140958" cy="256540"/>
           </a:xfrm>
           <a:prstGeom prst="leftRightArrow">
             <a:avLst/>
           </a:prstGeom>
           <a:solidFill>
-            <a:srgbClr val="FFFFFF"/>
+            <a:schemeClr val="accent3">
+              <a:lumMod val="60000"/>
+              <a:lumOff val="40000"/>
+            </a:schemeClr>
           </a:solidFill>
           <a:ln>
             <a:solidFill>
@@ -3743,14 +3754,14 @@
           <p:nvPr/>
         </p:nvPicPr>
         <p:blipFill>
-          <a:blip r:embed="rId4"/>
+          <a:blip r:embed="rId5"/>
           <a:stretch>
             <a:fillRect/>
           </a:stretch>
         </p:blipFill>
         <p:spPr>
           <a:xfrm>
-            <a:off x="3824751" y="-1468"/>
+            <a:off x="3873172" y="91402"/>
             <a:ext cx="1294089" cy="1294089"/>
           </a:xfrm>
           <a:prstGeom prst="rect">
@@ -3766,10 +3777,10 @@
         </p:nvGrpSpPr>
         <p:grpSpPr>
           <a:xfrm>
-            <a:off x="922056" y="4185339"/>
-            <a:ext cx="1793634" cy="917387"/>
-            <a:chOff x="939532" y="5112098"/>
-            <a:chExt cx="1793634" cy="917387"/>
+            <a:off x="614875" y="4913210"/>
+            <a:ext cx="1704734" cy="1619781"/>
+            <a:chOff x="596632" y="4769198"/>
+            <a:chExt cx="1704734" cy="1619781"/>
           </a:xfrm>
         </p:grpSpPr>
         <p:pic>
@@ -3781,14 +3792,14 @@
             <p:nvPr/>
           </p:nvPicPr>
           <p:blipFill>
-            <a:blip r:embed="rId2"/>
+            <a:blip r:embed="rId4"/>
             <a:stretch>
               <a:fillRect/>
             </a:stretch>
           </p:blipFill>
           <p:spPr>
             <a:xfrm>
-              <a:off x="2158777" y="5112098"/>
+              <a:off x="1726977" y="4769198"/>
               <a:ext cx="574389" cy="539578"/>
             </a:xfrm>
             <a:prstGeom prst="rect">
@@ -3804,8 +3815,8 @@
           </p:nvSpPr>
           <p:spPr>
             <a:xfrm>
-              <a:off x="939532" y="5651676"/>
-              <a:ext cx="1290661" cy="377809"/>
+              <a:off x="596632" y="5994576"/>
+              <a:ext cx="1290661" cy="394403"/>
             </a:xfrm>
             <a:prstGeom prst="rect">
               <a:avLst/>
@@ -3819,7 +3830,7 @@
             <a:lstStyle/>
             <a:p>
               <a:r>
-                <a:rPr lang="en-US" b="1" dirty="0" smtClean="0"/>
+                <a:rPr lang="en-US" b="1" dirty="0"/>
                 <a:t>Physician</a:t>
               </a:r>
               <a:endParaRPr lang="en-US" b="1" dirty="0"/>
@@ -3836,14 +3847,14 @@
           <p:nvPr/>
         </p:nvPicPr>
         <p:blipFill>
-          <a:blip r:embed="rId5"/>
+          <a:blip r:embed="rId6"/>
           <a:stretch>
             <a:fillRect/>
           </a:stretch>
         </p:blipFill>
         <p:spPr>
           <a:xfrm>
-            <a:off x="939079" y="3549600"/>
+            <a:off x="441398" y="4963269"/>
             <a:ext cx="1497686" cy="1497686"/>
           </a:xfrm>
           <a:prstGeom prst="rect">
@@ -3860,14 +3871,14 @@
           <p:nvPr/>
         </p:nvPicPr>
         <p:blipFill>
-          <a:blip r:embed="rId6"/>
+          <a:blip r:embed="rId7"/>
           <a:stretch>
             <a:fillRect/>
           </a:stretch>
         </p:blipFill>
         <p:spPr>
           <a:xfrm>
-            <a:off x="849894" y="1305883"/>
+            <a:off x="555413" y="1982952"/>
             <a:ext cx="1188590" cy="1188590"/>
           </a:xfrm>
           <a:prstGeom prst="rect">
@@ -3883,10 +3894,10 @@
         </p:nvGrpSpPr>
         <p:grpSpPr>
           <a:xfrm>
-            <a:off x="6534750" y="888741"/>
-            <a:ext cx="2600016" cy="1696089"/>
-            <a:chOff x="6839560" y="845841"/>
-            <a:chExt cx="2600016" cy="1696089"/>
+            <a:off x="6605733" y="1959512"/>
+            <a:ext cx="2564752" cy="1712683"/>
+            <a:chOff x="6531924" y="845841"/>
+            <a:chExt cx="2564752" cy="1712683"/>
           </a:xfrm>
         </p:grpSpPr>
         <p:pic>
@@ -3898,15 +3909,15 @@
             <p:nvPr/>
           </p:nvPicPr>
           <p:blipFill>
-            <a:blip r:embed="rId2"/>
+            <a:blip r:embed="rId4"/>
             <a:stretch>
               <a:fillRect/>
             </a:stretch>
           </p:blipFill>
           <p:spPr>
             <a:xfrm>
-              <a:off x="6839560" y="1850721"/>
-              <a:ext cx="489211" cy="432928"/>
+              <a:off x="6531924" y="1796400"/>
+              <a:ext cx="593647" cy="525349"/>
             </a:xfrm>
             <a:prstGeom prst="rect">
               <a:avLst/>
@@ -3921,8 +3932,8 @@
           </p:nvSpPr>
           <p:spPr>
             <a:xfrm>
-              <a:off x="7601277" y="2164121"/>
-              <a:ext cx="1838299" cy="377809"/>
+              <a:off x="7258377" y="2164121"/>
+              <a:ext cx="1838299" cy="394403"/>
             </a:xfrm>
             <a:prstGeom prst="rect">
               <a:avLst/>
@@ -3936,7 +3947,7 @@
             <a:lstStyle/>
             <a:p>
               <a:r>
-                <a:rPr lang="en-US" b="1" dirty="0" smtClean="0"/>
+                <a:rPr lang="en-US" b="1" dirty="0"/>
                 <a:t>Drug company</a:t>
               </a:r>
               <a:endParaRPr lang="en-US" b="1" dirty="0"/>
@@ -3952,7 +3963,7 @@
             <p:nvPr/>
           </p:nvPicPr>
           <p:blipFill>
-            <a:blip r:embed="rId7"/>
+            <a:blip r:embed="rId8"/>
             <a:stretch>
               <a:fillRect/>
             </a:stretch>
@@ -3977,19 +3988,22 @@
           <p:nvPr/>
         </p:nvPicPr>
         <p:blipFill>
-          <a:blip r:embed="rId8"/>
+          <a:blip r:embed="rId9"/>
           <a:stretch>
             <a:fillRect/>
           </a:stretch>
         </p:blipFill>
         <p:spPr>
           <a:xfrm>
-            <a:off x="6787469" y="3156756"/>
-            <a:ext cx="1198391" cy="1198391"/>
+            <a:off x="7230413" y="4815247"/>
+            <a:ext cx="1104667" cy="1104667"/>
           </a:xfrm>
           <a:prstGeom prst="rect">
             <a:avLst/>
           </a:prstGeom>
+          <a:effectLst>
+            <a:softEdge rad="139700"/>
+          </a:effectLst>
         </p:spPr>
       </p:pic>
       <p:pic>
@@ -4001,15 +4015,15 @@
           <p:nvPr/>
         </p:nvPicPr>
         <p:blipFill>
-          <a:blip r:embed="rId2"/>
+          <a:blip r:embed="rId4"/>
           <a:stretch>
             <a:fillRect/>
           </a:stretch>
         </p:blipFill>
         <p:spPr>
           <a:xfrm>
-            <a:off x="6774037" y="3992443"/>
-            <a:ext cx="393933" cy="385796"/>
+            <a:off x="6635306" y="4884886"/>
+            <a:ext cx="614924" cy="602222"/>
           </a:xfrm>
           <a:prstGeom prst="rect">
             <a:avLst/>
@@ -4024,14 +4038,17 @@
         </p:nvSpPr>
         <p:spPr>
           <a:xfrm rot="16200000">
-            <a:off x="3959232" y="3989736"/>
-            <a:ext cx="851319" cy="299550"/>
+            <a:off x="3792436" y="5377321"/>
+            <a:ext cx="1445196" cy="310597"/>
           </a:xfrm>
           <a:prstGeom prst="leftRightArrow">
             <a:avLst/>
           </a:prstGeom>
           <a:solidFill>
-            <a:srgbClr val="FFFFFF"/>
+            <a:schemeClr val="accent3">
+              <a:lumMod val="60000"/>
+              <a:lumOff val="40000"/>
+            </a:schemeClr>
           </a:solidFill>
           <a:ln>
             <a:solidFill>
@@ -4070,14 +4087,17 @@
         </p:nvSpPr>
         <p:spPr>
           <a:xfrm rot="20445041">
-            <a:off x="5159696" y="2488916"/>
+            <a:off x="5195417" y="3559687"/>
             <a:ext cx="1432577" cy="287305"/>
           </a:xfrm>
           <a:prstGeom prst="leftRightArrow">
             <a:avLst/>
           </a:prstGeom>
           <a:solidFill>
-            <a:srgbClr val="FFFFFF"/>
+            <a:schemeClr val="accent3">
+              <a:lumMod val="60000"/>
+              <a:lumOff val="40000"/>
+            </a:schemeClr>
           </a:solidFill>
           <a:ln>
             <a:solidFill>
@@ -4104,7 +4124,21 @@
           <a:lstStyle/>
           <a:p>
             <a:pPr algn="ctr"/>
-            <a:endParaRPr lang="en-US" b="1"/>
+            <a:endParaRPr lang="en-US">
+              <a:ln w="0"/>
+              <a:solidFill>
+                <a:schemeClr val="bg2">
+                  <a:lumMod val="90000"/>
+                </a:schemeClr>
+              </a:solidFill>
+              <a:effectLst>
+                <a:outerShdw blurRad="38100" dist="19050" dir="2700000" algn="tl" rotWithShape="0">
+                  <a:schemeClr val="dk1">
+                    <a:alpha val="40000"/>
+                  </a:schemeClr>
+                </a:outerShdw>
+              </a:effectLst>
+            </a:endParaRPr>
           </a:p>
         </p:txBody>
       </p:sp>
@@ -4117,10 +4151,10 @@
           <p:nvPr/>
         </p:nvPicPr>
         <p:blipFill>
-          <a:blip r:embed="rId9">
+          <a:blip r:embed="rId10">
             <a:extLst>
               <a:ext uri="{28A0092B-C50C-407E-A947-70E740481C1C}">
-                <a14:useLocalDpi xmlns="" xmlns:a14="http://schemas.microsoft.com/office/drawing/2010/main" val="0"/>
+                <a14:useLocalDpi xmlns:a14="http://schemas.microsoft.com/office/drawing/2010/main" val="0"/>
               </a:ext>
             </a:extLst>
           </a:blip>
@@ -4130,7 +4164,7 @@
         </p:blipFill>
         <p:spPr>
           <a:xfrm>
-            <a:off x="4056188" y="2251844"/>
+            <a:off x="4091909" y="3322613"/>
             <a:ext cx="977987" cy="1384850"/>
           </a:xfrm>
           <a:prstGeom prst="rect">
@@ -4146,14 +4180,17 @@
         </p:nvSpPr>
         <p:spPr>
           <a:xfrm>
-            <a:off x="2965304" y="2128763"/>
+            <a:off x="3001025" y="3199534"/>
             <a:ext cx="416185" cy="443369"/>
           </a:xfrm>
           <a:prstGeom prst="ellipse">
             <a:avLst/>
           </a:prstGeom>
           <a:solidFill>
-            <a:srgbClr val="FFFFFF"/>
+            <a:schemeClr val="accent3">
+              <a:lumMod val="60000"/>
+              <a:lumOff val="40000"/>
+            </a:schemeClr>
           </a:solidFill>
           <a:ln>
             <a:solidFill>
@@ -4188,7 +4225,7 @@
                 <a:latin typeface="Times New Roman"/>
                 <a:cs typeface="Times New Roman"/>
               </a:rPr>
-              <a:t>6</a:t>
+              <a:t>2</a:t>
             </a:r>
           </a:p>
         </p:txBody>
@@ -4201,14 +4238,17 @@
         </p:nvSpPr>
         <p:spPr>
           <a:xfrm rot="20445041">
-            <a:off x="2399800" y="3463055"/>
+            <a:off x="2435521" y="4533826"/>
             <a:ext cx="1432577" cy="287305"/>
           </a:xfrm>
           <a:prstGeom prst="leftRightArrow">
             <a:avLst/>
           </a:prstGeom>
           <a:solidFill>
-            <a:srgbClr val="FFFFFF"/>
+            <a:schemeClr val="accent3">
+              <a:lumMod val="60000"/>
+              <a:lumOff val="40000"/>
+            </a:schemeClr>
           </a:solidFill>
           <a:ln>
             <a:solidFill>
@@ -4247,14 +4287,17 @@
         </p:nvSpPr>
         <p:spPr>
           <a:xfrm rot="1091648">
-            <a:off x="2383132" y="2613202"/>
-            <a:ext cx="1432577" cy="287305"/>
+            <a:off x="2403064" y="3626569"/>
+            <a:ext cx="1451456" cy="304081"/>
           </a:xfrm>
           <a:prstGeom prst="leftRightArrow">
             <a:avLst/>
           </a:prstGeom>
           <a:solidFill>
-            <a:srgbClr val="FFFFFF"/>
+            <a:schemeClr val="accent3">
+              <a:lumMod val="60000"/>
+              <a:lumOff val="40000"/>
+            </a:schemeClr>
           </a:solidFill>
           <a:ln>
             <a:solidFill>
@@ -4293,14 +4336,17 @@
         </p:nvSpPr>
         <p:spPr>
           <a:xfrm rot="1091648">
-            <a:off x="5153794" y="3359445"/>
+            <a:off x="5189515" y="4430216"/>
             <a:ext cx="1432577" cy="287305"/>
           </a:xfrm>
           <a:prstGeom prst="leftRightArrow">
             <a:avLst/>
           </a:prstGeom>
           <a:solidFill>
-            <a:srgbClr val="FFFFFF"/>
+            <a:schemeClr val="accent3">
+              <a:lumMod val="60000"/>
+              <a:lumOff val="40000"/>
+            </a:schemeClr>
           </a:solidFill>
           <a:ln>
             <a:solidFill>
@@ -4331,10 +4377,161 @@
           </a:p>
         </p:txBody>
       </p:sp>
+      <p:grpSp>
+        <p:nvGrpSpPr>
+          <p:cNvPr id="15" name="Group 14"/>
+          <p:cNvGrpSpPr/>
+          <p:nvPr/>
+        </p:nvGrpSpPr>
+        <p:grpSpPr>
+          <a:xfrm>
+            <a:off x="3866732" y="7215493"/>
+            <a:ext cx="1340559" cy="1325454"/>
+            <a:chOff x="1978884" y="1141875"/>
+            <a:chExt cx="1858984" cy="1984884"/>
+          </a:xfrm>
+        </p:grpSpPr>
+        <p:pic>
+          <p:nvPicPr>
+            <p:cNvPr id="1026" name="Picture 2" descr="umbrella icon"/>
+            <p:cNvPicPr>
+              <a:picLocks noChangeAspect="1" noChangeArrowheads="1"/>
+            </p:cNvPicPr>
+            <p:nvPr/>
+          </p:nvPicPr>
+          <p:blipFill rotWithShape="1">
+            <a:blip r:embed="rId11">
+              <a:extLst>
+                <a:ext uri="{28A0092B-C50C-407E-A947-70E740481C1C}">
+                  <a14:useLocalDpi xmlns:a14="http://schemas.microsoft.com/office/drawing/2010/main" val="0"/>
+                </a:ext>
+              </a:extLst>
+            </a:blip>
+            <a:srcRect l="17869" t="6223" r="16995" b="6732"/>
+            <a:stretch/>
+          </p:blipFill>
+          <p:spPr bwMode="auto">
+            <a:xfrm>
+              <a:off x="1994936" y="1141875"/>
+              <a:ext cx="1842932" cy="1849117"/>
+            </a:xfrm>
+            <a:prstGeom prst="rect">
+              <a:avLst/>
+            </a:prstGeom>
+            <a:noFill/>
+            <a:extLst>
+              <a:ext uri="{909E8E84-426E-40DD-AFC4-6F175D3DCCD1}">
+                <a14:hiddenFill xmlns:a14="http://schemas.microsoft.com/office/drawing/2010/main">
+                  <a:solidFill>
+                    <a:srgbClr val="FFFFFF"/>
+                  </a:solidFill>
+                </a14:hiddenFill>
+              </a:ext>
+            </a:extLst>
+          </p:spPr>
+        </p:pic>
+        <p:pic>
+          <p:nvPicPr>
+            <p:cNvPr id="5" name="Picture 4"/>
+            <p:cNvPicPr>
+              <a:picLocks noChangeAspect="1"/>
+            </p:cNvPicPr>
+            <p:nvPr/>
+          </p:nvPicPr>
+          <p:blipFill>
+            <a:blip r:embed="rId12">
+              <a:extLst>
+                <a:ext uri="{28A0092B-C50C-407E-A947-70E740481C1C}">
+                  <a14:useLocalDpi xmlns:a14="http://schemas.microsoft.com/office/drawing/2010/main" val="0"/>
+                </a:ext>
+              </a:extLst>
+            </a:blip>
+            <a:stretch>
+              <a:fillRect/>
+            </a:stretch>
+          </p:blipFill>
+          <p:spPr>
+            <a:xfrm>
+              <a:off x="1978884" y="1907559"/>
+              <a:ext cx="1219200" cy="1219200"/>
+            </a:xfrm>
+            <a:prstGeom prst="rect">
+              <a:avLst/>
+            </a:prstGeom>
+          </p:spPr>
+        </p:pic>
+      </p:grpSp>
+      <p:pic>
+        <p:nvPicPr>
+          <p:cNvPr id="40" name="Picture 39"/>
+          <p:cNvPicPr>
+            <a:picLocks noChangeAspect="1"/>
+          </p:cNvPicPr>
+          <p:nvPr/>
+        </p:nvPicPr>
+        <p:blipFill>
+          <a:blip r:embed="rId4"/>
+          <a:stretch>
+            <a:fillRect/>
+          </a:stretch>
+        </p:blipFill>
+        <p:spPr>
+          <a:xfrm>
+            <a:off x="4213301" y="6451885"/>
+            <a:ext cx="625434" cy="612516"/>
+          </a:xfrm>
+          <a:prstGeom prst="rect">
+            <a:avLst/>
+          </a:prstGeom>
+        </p:spPr>
+      </p:pic>
+      <p:sp>
+        <p:nvSpPr>
+          <p:cNvPr id="98" name="TextBox 97"/>
+          <p:cNvSpPr txBox="1"/>
+          <p:nvPr/>
+        </p:nvSpPr>
+        <p:spPr>
+          <a:xfrm>
+            <a:off x="4719402" y="7950398"/>
+            <a:ext cx="2727186" cy="394393"/>
+          </a:xfrm>
+          <a:prstGeom prst="rect">
+            <a:avLst/>
+          </a:prstGeom>
+          <a:noFill/>
+        </p:spPr>
+        <p:txBody>
+          <a:bodyPr wrap="square" lIns="91429" tIns="45715" rIns="91429" bIns="45715" rtlCol="0">
+            <a:spAutoFit/>
+          </a:bodyPr>
+          <a:lstStyle/>
+          <a:p>
+            <a:r>
+              <a:rPr lang="en-US" b="1" dirty="0">
+                <a:latin typeface="+mj-lt"/>
+                <a:cs typeface="Times New Roman"/>
+              </a:rPr>
+              <a:t>Insurance </a:t>
+            </a:r>
+            <a:r>
+              <a:rPr lang="en-US" b="1" dirty="0" smtClean="0">
+                <a:latin typeface="+mj-lt"/>
+                <a:cs typeface="Times New Roman"/>
+              </a:rPr>
+              <a:t>company</a:t>
+            </a:r>
+            <a:endParaRPr lang="en-US" b="1" dirty="0">
+              <a:latin typeface="+mj-lt"/>
+              <a:cs typeface="Times New Roman"/>
+            </a:endParaRPr>
+          </a:p>
+        </p:txBody>
+      </p:sp>
     </p:spTree>
     <p:extLst>
       <p:ext uri="{BB962C8B-B14F-4D97-AF65-F5344CB8AC3E}">
-        <p14:creationId xmlns="" xmlns:p14="http://schemas.microsoft.com/office/powerpoint/2010/main" val="2183689573"/>
+        <p14:creationId xmlns:p14="http://schemas.microsoft.com/office/powerpoint/2010/main" val="2183689573"/>
       </p:ext>
     </p:extLst>
   </p:cSld>

--- a/paper/images/ asli.pptx
+++ b/paper/images/ asli.pptx
@@ -3226,9 +3226,9 @@
         <p:grpSpPr>
           <a:xfrm>
             <a:off x="644394" y="2856649"/>
-            <a:ext cx="1711101" cy="768881"/>
+            <a:ext cx="1816611" cy="768881"/>
             <a:chOff x="914925" y="980677"/>
-            <a:chExt cx="1711101" cy="768881"/>
+            <a:chExt cx="1816611" cy="768881"/>
           </a:xfrm>
         </p:grpSpPr>
         <p:sp>
@@ -3257,7 +3257,6 @@
                 <a:rPr lang="en-US" b="1" dirty="0"/>
                 <a:t>Patient</a:t>
               </a:r>
-              <a:endParaRPr lang="en-US" b="1" dirty="0"/>
             </a:p>
           </p:txBody>
         </p:sp>
@@ -3277,7 +3276,7 @@
           </p:blipFill>
           <p:spPr>
             <a:xfrm>
-              <a:off x="2051637" y="980677"/>
+              <a:off x="2157147" y="980677"/>
               <a:ext cx="574389" cy="539578"/>
             </a:xfrm>
             <a:prstGeom prst="rect">
@@ -3295,9 +3294,9 @@
         <p:grpSpPr>
           <a:xfrm>
             <a:off x="2573288" y="971148"/>
-            <a:ext cx="2214402" cy="1035984"/>
+            <a:ext cx="2283032" cy="1071155"/>
             <a:chOff x="3955438" y="1390766"/>
-            <a:chExt cx="2214402" cy="1035985"/>
+            <a:chExt cx="2283032" cy="1071156"/>
           </a:xfrm>
         </p:grpSpPr>
         <p:sp>
@@ -3326,7 +3325,6 @@
                 <a:rPr lang="en-US" b="1" dirty="0"/>
                 <a:t>Pharmacist</a:t>
               </a:r>
-              <a:endParaRPr lang="en-US" b="1" dirty="0"/>
             </a:p>
           </p:txBody>
         </p:sp>
@@ -3346,8 +3344,8 @@
           </p:blipFill>
           <p:spPr>
             <a:xfrm>
-              <a:off x="5595451" y="1887173"/>
-              <a:ext cx="574389" cy="539578"/>
+              <a:off x="5613036" y="1874393"/>
+              <a:ext cx="625434" cy="587529"/>
             </a:xfrm>
             <a:prstGeom prst="rect">
               <a:avLst/>
@@ -3363,7 +3361,7 @@
         </p:nvSpPr>
         <p:spPr>
           <a:xfrm>
-            <a:off x="7050500" y="5782054"/>
+            <a:off x="7314270" y="6151329"/>
             <a:ext cx="1518201" cy="394393"/>
           </a:xfrm>
           <a:prstGeom prst="rect">
@@ -3381,7 +3379,6 @@
               <a:rPr lang="en-US" b="1" dirty="0"/>
               <a:t>Researcher</a:t>
             </a:r>
-            <a:endParaRPr lang="en-US" b="1" dirty="0"/>
           </a:p>
         </p:txBody>
       </p:sp>
@@ -3393,7 +3390,7 @@
         </p:nvSpPr>
         <p:spPr>
           <a:xfrm>
-            <a:off x="3962488" y="5196746"/>
+            <a:off x="3962488" y="5319840"/>
             <a:ext cx="416185" cy="443369"/>
           </a:xfrm>
           <a:prstGeom prst="ellipse">
@@ -3498,13 +3495,6 @@
               </a:rPr>
               <a:t>4</a:t>
             </a:r>
-            <a:endParaRPr lang="en-US" b="1" dirty="0">
-              <a:solidFill>
-                <a:srgbClr val="000000"/>
-              </a:solidFill>
-              <a:latin typeface="Times New Roman"/>
-              <a:cs typeface="Times New Roman"/>
-            </a:endParaRPr>
           </a:p>
         </p:txBody>
       </p:sp>
@@ -3563,13 +3553,6 @@
               </a:rPr>
               <a:t>3</a:t>
             </a:r>
-            <a:endParaRPr lang="en-US" b="1" dirty="0">
-              <a:solidFill>
-                <a:schemeClr val="tx1"/>
-              </a:solidFill>
-              <a:latin typeface="Times New Roman"/>
-              <a:cs typeface="Times New Roman"/>
-            </a:endParaRPr>
           </a:p>
         </p:txBody>
       </p:sp>
@@ -3628,13 +3611,6 @@
               </a:rPr>
               <a:t>1</a:t>
             </a:r>
-            <a:endParaRPr lang="en-US" b="1" dirty="0">
-              <a:solidFill>
-                <a:srgbClr val="000000"/>
-              </a:solidFill>
-              <a:latin typeface="Times New Roman"/>
-              <a:cs typeface="Times New Roman"/>
-            </a:endParaRPr>
           </a:p>
         </p:txBody>
       </p:sp>
@@ -3704,8 +3680,8 @@
         </p:nvSpPr>
         <p:spPr>
           <a:xfrm rot="16200000">
-            <a:off x="3917939" y="2546706"/>
-            <a:ext cx="1140958" cy="256540"/>
+            <a:off x="3816131" y="2599669"/>
+            <a:ext cx="1404672" cy="316638"/>
           </a:xfrm>
           <a:prstGeom prst="leftRightArrow">
             <a:avLst/>
@@ -3778,9 +3754,9 @@
         <p:grpSpPr>
           <a:xfrm>
             <a:off x="614875" y="4913210"/>
-            <a:ext cx="1704734" cy="1619781"/>
+            <a:ext cx="1810244" cy="1619781"/>
             <a:chOff x="596632" y="4769198"/>
-            <a:chExt cx="1704734" cy="1619781"/>
+            <a:chExt cx="1810244" cy="1619781"/>
           </a:xfrm>
         </p:grpSpPr>
         <p:pic>
@@ -3799,7 +3775,7 @@
           </p:blipFill>
           <p:spPr>
             <a:xfrm>
-              <a:off x="1726977" y="4769198"/>
+              <a:off x="1832487" y="4769198"/>
               <a:ext cx="574389" cy="539578"/>
             </a:xfrm>
             <a:prstGeom prst="rect">
@@ -3833,7 +3809,6 @@
                 <a:rPr lang="en-US" b="1" dirty="0"/>
                 <a:t>Physician</a:t>
               </a:r>
-              <a:endParaRPr lang="en-US" b="1" dirty="0"/>
             </a:p>
           </p:txBody>
         </p:sp>
@@ -3894,10 +3869,10 @@
         </p:nvGrpSpPr>
         <p:grpSpPr>
           <a:xfrm>
-            <a:off x="6605733" y="1959512"/>
-            <a:ext cx="2564752" cy="1712683"/>
-            <a:chOff x="6531924" y="845841"/>
-            <a:chExt cx="2564752" cy="1712683"/>
+            <a:off x="6364945" y="1959512"/>
+            <a:ext cx="2858295" cy="1747853"/>
+            <a:chOff x="6291136" y="845841"/>
+            <a:chExt cx="2858295" cy="1747853"/>
           </a:xfrm>
         </p:grpSpPr>
         <p:pic>
@@ -3916,8 +3891,8 @@
           </p:blipFill>
           <p:spPr>
             <a:xfrm>
-              <a:off x="6531924" y="1796400"/>
-              <a:ext cx="593647" cy="525349"/>
+              <a:off x="6291136" y="1745599"/>
+              <a:ext cx="690794" cy="611320"/>
             </a:xfrm>
             <a:prstGeom prst="rect">
               <a:avLst/>
@@ -3932,7 +3907,7 @@
           </p:nvSpPr>
           <p:spPr>
             <a:xfrm>
-              <a:off x="7258377" y="2164121"/>
+              <a:off x="7311132" y="2199291"/>
               <a:ext cx="1838299" cy="394403"/>
             </a:xfrm>
             <a:prstGeom prst="rect">
@@ -3950,7 +3925,6 @@
                 <a:rPr lang="en-US" b="1" dirty="0"/>
                 <a:t>Drug company</a:t>
               </a:r>
-              <a:endParaRPr lang="en-US" b="1" dirty="0"/>
             </a:p>
           </p:txBody>
         </p:sp>
@@ -3987,23 +3961,20 @@
           </p:cNvPicPr>
           <p:nvPr/>
         </p:nvPicPr>
-        <p:blipFill>
+        <p:blipFill rotWithShape="1">
           <a:blip r:embed="rId9"/>
-          <a:stretch>
-            <a:fillRect/>
-          </a:stretch>
+          <a:srcRect l="15635"/>
+          <a:stretch/>
         </p:blipFill>
         <p:spPr>
           <a:xfrm>
-            <a:off x="7230413" y="4815247"/>
-            <a:ext cx="1104667" cy="1104667"/>
+            <a:off x="7403127" y="4991094"/>
+            <a:ext cx="931956" cy="1104667"/>
           </a:xfrm>
           <a:prstGeom prst="rect">
             <a:avLst/>
           </a:prstGeom>
-          <a:effectLst>
-            <a:softEdge rad="139700"/>
-          </a:effectLst>
+          <a:effectLst/>
         </p:spPr>
       </p:pic>
       <p:pic>
@@ -4022,7 +3993,7 @@
         </p:blipFill>
         <p:spPr>
           <a:xfrm>
-            <a:off x="6635306" y="4884886"/>
+            <a:off x="6547381" y="4867301"/>
             <a:ext cx="614924" cy="602222"/>
           </a:xfrm>
           <a:prstGeom prst="rect">
@@ -4038,7 +4009,7 @@
         </p:nvSpPr>
         <p:spPr>
           <a:xfrm rot="16200000">
-            <a:off x="3792436" y="5377321"/>
+            <a:off x="3792436" y="5482831"/>
             <a:ext cx="1445196" cy="310597"/>
           </a:xfrm>
           <a:prstGeom prst="leftRightArrow">
@@ -4164,7 +4135,7 @@
         </p:blipFill>
         <p:spPr>
           <a:xfrm>
-            <a:off x="4091909" y="3322613"/>
+            <a:off x="4091909" y="3410538"/>
             <a:ext cx="977987" cy="1384850"/>
           </a:xfrm>
           <a:prstGeom prst="rect">
@@ -4385,10 +4356,10 @@
         </p:nvGrpSpPr>
         <p:grpSpPr>
           <a:xfrm>
-            <a:off x="3866732" y="7215493"/>
-            <a:ext cx="1340559" cy="1325454"/>
-            <a:chOff x="1978884" y="1141875"/>
-            <a:chExt cx="1858984" cy="1984884"/>
+            <a:off x="3878306" y="7215493"/>
+            <a:ext cx="1328983" cy="1290287"/>
+            <a:chOff x="1994936" y="1141875"/>
+            <a:chExt cx="1842932" cy="1932220"/>
           </a:xfrm>
         </p:grpSpPr>
         <p:pic>
@@ -4452,8 +4423,8 @@
           </p:blipFill>
           <p:spPr>
             <a:xfrm>
-              <a:off x="1978884" y="1907559"/>
-              <a:ext cx="1219200" cy="1219200"/>
+              <a:off x="2027640" y="1854891"/>
+              <a:ext cx="1219200" cy="1219204"/>
             </a:xfrm>
             <a:prstGeom prst="rect">
               <a:avLst/>

--- a/paper/images/ asli.pptx
+++ b/paper/images/ asli.pptx
@@ -7,7 +7,7 @@
   <p:sldIdLst>
     <p:sldId id="256" r:id="rId2"/>
   </p:sldIdLst>
-  <p:sldSz cx="9215438" cy="8999538"/>
+  <p:sldSz cx="9215438" cy="8640763"/>
   <p:notesSz cx="6858000" cy="9144000"/>
   <p:defaultTextStyle>
     <a:defPPr>
@@ -107,7 +107,7 @@
   <p:extLst>
     <p:ext uri="{EFAFB233-063F-42B5-8137-9DF3F51BA10A}">
       <p15:sldGuideLst xmlns:p15="http://schemas.microsoft.com/office/powerpoint/2012/main">
-        <p15:guide id="1" orient="horz" pos="2835" userDrawn="1">
+        <p15:guide id="1" orient="horz" pos="2722" userDrawn="1">
           <p15:clr>
             <a:srgbClr val="A4A3A4"/>
           </p15:clr>
@@ -152,8 +152,8 @@
         </p:nvSpPr>
         <p:spPr>
           <a:xfrm>
-            <a:off x="691159" y="2795692"/>
-            <a:ext cx="7833122" cy="1929067"/>
+            <a:off x="691159" y="2684240"/>
+            <a:ext cx="7833122" cy="1852163"/>
           </a:xfrm>
         </p:spPr>
         <p:txBody>
@@ -180,8 +180,8 @@
         </p:nvSpPr>
         <p:spPr>
           <a:xfrm>
-            <a:off x="1382317" y="5099739"/>
-            <a:ext cx="6450807" cy="2299882"/>
+            <a:off x="1382318" y="4896433"/>
+            <a:ext cx="6450807" cy="2208195"/>
           </a:xfrm>
         </p:spPr>
         <p:txBody>
@@ -197,7 +197,7 @@
                 </a:solidFill>
               </a:defRPr>
             </a:lvl1pPr>
-            <a:lvl2pPr marL="457146" indent="0" algn="ctr">
+            <a:lvl2pPr marL="438906" indent="0" algn="ctr">
               <a:buNone/>
               <a:defRPr>
                 <a:solidFill>
@@ -207,7 +207,7 @@
                 </a:solidFill>
               </a:defRPr>
             </a:lvl2pPr>
-            <a:lvl3pPr marL="914291" indent="0" algn="ctr">
+            <a:lvl3pPr marL="877811" indent="0" algn="ctr">
               <a:buNone/>
               <a:defRPr>
                 <a:solidFill>
@@ -217,7 +217,7 @@
                 </a:solidFill>
               </a:defRPr>
             </a:lvl3pPr>
-            <a:lvl4pPr marL="1371438" indent="0" algn="ctr">
+            <a:lvl4pPr marL="1316718" indent="0" algn="ctr">
               <a:buNone/>
               <a:defRPr>
                 <a:solidFill>
@@ -227,7 +227,7 @@
                 </a:solidFill>
               </a:defRPr>
             </a:lvl4pPr>
-            <a:lvl5pPr marL="1828583" indent="0" algn="ctr">
+            <a:lvl5pPr marL="1755623" indent="0" algn="ctr">
               <a:buNone/>
               <a:defRPr>
                 <a:solidFill>
@@ -237,7 +237,7 @@
                 </a:solidFill>
               </a:defRPr>
             </a:lvl5pPr>
-            <a:lvl6pPr marL="2285729" indent="0" algn="ctr">
+            <a:lvl6pPr marL="2194528" indent="0" algn="ctr">
               <a:buNone/>
               <a:defRPr>
                 <a:solidFill>
@@ -247,7 +247,7 @@
                 </a:solidFill>
               </a:defRPr>
             </a:lvl6pPr>
-            <a:lvl7pPr marL="2742874" indent="0" algn="ctr">
+            <a:lvl7pPr marL="2633433" indent="0" algn="ctr">
               <a:buNone/>
               <a:defRPr>
                 <a:solidFill>
@@ -257,7 +257,7 @@
                 </a:solidFill>
               </a:defRPr>
             </a:lvl7pPr>
-            <a:lvl8pPr marL="3200020" indent="0" algn="ctr">
+            <a:lvl8pPr marL="3072339" indent="0" algn="ctr">
               <a:buNone/>
               <a:defRPr>
                 <a:solidFill>
@@ -267,7 +267,7 @@
                 </a:solidFill>
               </a:defRPr>
             </a:lvl8pPr>
-            <a:lvl9pPr marL="3657166" indent="0" algn="ctr">
+            <a:lvl9pPr marL="3511245" indent="0" algn="ctr">
               <a:buNone/>
               <a:defRPr>
                 <a:solidFill>
@@ -568,8 +568,8 @@
         </p:nvSpPr>
         <p:spPr>
           <a:xfrm>
-            <a:off x="6681192" y="360401"/>
-            <a:ext cx="2073474" cy="7678773"/>
+            <a:off x="6681192" y="346034"/>
+            <a:ext cx="2073474" cy="7372652"/>
           </a:xfrm>
         </p:spPr>
         <p:txBody>
@@ -596,8 +596,8 @@
         </p:nvSpPr>
         <p:spPr>
           <a:xfrm>
-            <a:off x="460772" y="360401"/>
-            <a:ext cx="6066830" cy="7678773"/>
+            <a:off x="460772" y="346034"/>
+            <a:ext cx="6066830" cy="7372652"/>
           </a:xfrm>
         </p:spPr>
         <p:txBody>
@@ -922,15 +922,15 @@
         </p:nvSpPr>
         <p:spPr>
           <a:xfrm>
-            <a:off x="727956" y="5783039"/>
-            <a:ext cx="7833122" cy="1787408"/>
+            <a:off x="727956" y="5552493"/>
+            <a:ext cx="7833122" cy="1716151"/>
           </a:xfrm>
         </p:spPr>
         <p:txBody>
           <a:bodyPr anchor="t"/>
           <a:lstStyle>
             <a:lvl1pPr algn="l">
-              <a:defRPr sz="4000" b="1" cap="all"/>
+              <a:defRPr sz="3840" b="1" cap="all"/>
             </a:lvl1pPr>
           </a:lstStyle>
           <a:p>
@@ -954,8 +954,8 @@
         </p:nvSpPr>
         <p:spPr>
           <a:xfrm>
-            <a:off x="727956" y="3814390"/>
-            <a:ext cx="7833122" cy="1968648"/>
+            <a:off x="727956" y="3662326"/>
+            <a:ext cx="7833122" cy="1890166"/>
           </a:xfrm>
         </p:spPr>
         <p:txBody>
@@ -963,7 +963,7 @@
           <a:lstStyle>
             <a:lvl1pPr marL="0" indent="0">
               <a:buNone/>
-              <a:defRPr sz="2000">
+              <a:defRPr sz="1920">
                 <a:solidFill>
                   <a:schemeClr val="tx1">
                     <a:tint val="75000"/>
@@ -971,9 +971,9 @@
                 </a:solidFill>
               </a:defRPr>
             </a:lvl1pPr>
-            <a:lvl2pPr marL="457146" indent="0">
-              <a:buNone/>
-              <a:defRPr sz="1800">
+            <a:lvl2pPr marL="438906" indent="0">
+              <a:buNone/>
+              <a:defRPr sz="1728">
                 <a:solidFill>
                   <a:schemeClr val="tx1">
                     <a:tint val="75000"/>
@@ -981,9 +981,9 @@
                 </a:solidFill>
               </a:defRPr>
             </a:lvl2pPr>
-            <a:lvl3pPr marL="914291" indent="0">
-              <a:buNone/>
-              <a:defRPr sz="1600">
+            <a:lvl3pPr marL="877811" indent="0">
+              <a:buNone/>
+              <a:defRPr sz="1536">
                 <a:solidFill>
                   <a:schemeClr val="tx1">
                     <a:tint val="75000"/>
@@ -991,9 +991,9 @@
                 </a:solidFill>
               </a:defRPr>
             </a:lvl3pPr>
-            <a:lvl4pPr marL="1371438" indent="0">
-              <a:buNone/>
-              <a:defRPr sz="1400">
+            <a:lvl4pPr marL="1316718" indent="0">
+              <a:buNone/>
+              <a:defRPr sz="1344">
                 <a:solidFill>
                   <a:schemeClr val="tx1">
                     <a:tint val="75000"/>
@@ -1001,9 +1001,9 @@
                 </a:solidFill>
               </a:defRPr>
             </a:lvl4pPr>
-            <a:lvl5pPr marL="1828583" indent="0">
-              <a:buNone/>
-              <a:defRPr sz="1400">
+            <a:lvl5pPr marL="1755623" indent="0">
+              <a:buNone/>
+              <a:defRPr sz="1344">
                 <a:solidFill>
                   <a:schemeClr val="tx1">
                     <a:tint val="75000"/>
@@ -1011,9 +1011,9 @@
                 </a:solidFill>
               </a:defRPr>
             </a:lvl5pPr>
-            <a:lvl6pPr marL="2285729" indent="0">
-              <a:buNone/>
-              <a:defRPr sz="1400">
+            <a:lvl6pPr marL="2194528" indent="0">
+              <a:buNone/>
+              <a:defRPr sz="1344">
                 <a:solidFill>
                   <a:schemeClr val="tx1">
                     <a:tint val="75000"/>
@@ -1021,9 +1021,9 @@
                 </a:solidFill>
               </a:defRPr>
             </a:lvl6pPr>
-            <a:lvl7pPr marL="2742874" indent="0">
-              <a:buNone/>
-              <a:defRPr sz="1400">
+            <a:lvl7pPr marL="2633433" indent="0">
+              <a:buNone/>
+              <a:defRPr sz="1344">
                 <a:solidFill>
                   <a:schemeClr val="tx1">
                     <a:tint val="75000"/>
@@ -1031,9 +1031,9 @@
                 </a:solidFill>
               </a:defRPr>
             </a:lvl7pPr>
-            <a:lvl8pPr marL="3200020" indent="0">
-              <a:buNone/>
-              <a:defRPr sz="1400">
+            <a:lvl8pPr marL="3072339" indent="0">
+              <a:buNone/>
+              <a:defRPr sz="1344">
                 <a:solidFill>
                   <a:schemeClr val="tx1">
                     <a:tint val="75000"/>
@@ -1041,9 +1041,9 @@
                 </a:solidFill>
               </a:defRPr>
             </a:lvl8pPr>
-            <a:lvl9pPr marL="3657166" indent="0">
-              <a:buNone/>
-              <a:defRPr sz="1400">
+            <a:lvl9pPr marL="3511245" indent="0">
+              <a:buNone/>
+              <a:defRPr sz="1344">
                 <a:solidFill>
                   <a:schemeClr val="tx1">
                     <a:tint val="75000"/>
@@ -1193,39 +1193,39 @@
         </p:nvSpPr>
         <p:spPr>
           <a:xfrm>
-            <a:off x="460772" y="2099894"/>
-            <a:ext cx="4070152" cy="5939279"/>
+            <a:off x="460772" y="2016180"/>
+            <a:ext cx="4070152" cy="5702504"/>
           </a:xfrm>
         </p:spPr>
         <p:txBody>
           <a:bodyPr/>
           <a:lstStyle>
             <a:lvl1pPr>
-              <a:defRPr sz="2800"/>
+              <a:defRPr sz="2688"/>
             </a:lvl1pPr>
             <a:lvl2pPr>
-              <a:defRPr sz="2400"/>
+              <a:defRPr sz="2304"/>
             </a:lvl2pPr>
             <a:lvl3pPr>
-              <a:defRPr sz="2000"/>
+              <a:defRPr sz="1920"/>
             </a:lvl3pPr>
             <a:lvl4pPr>
-              <a:defRPr sz="1800"/>
+              <a:defRPr sz="1728"/>
             </a:lvl4pPr>
             <a:lvl5pPr>
-              <a:defRPr sz="1800"/>
+              <a:defRPr sz="1728"/>
             </a:lvl5pPr>
             <a:lvl6pPr>
-              <a:defRPr sz="1800"/>
+              <a:defRPr sz="1728"/>
             </a:lvl6pPr>
             <a:lvl7pPr>
-              <a:defRPr sz="1800"/>
+              <a:defRPr sz="1728"/>
             </a:lvl7pPr>
             <a:lvl8pPr>
-              <a:defRPr sz="1800"/>
+              <a:defRPr sz="1728"/>
             </a:lvl8pPr>
             <a:lvl9pPr>
-              <a:defRPr sz="1800"/>
+              <a:defRPr sz="1728"/>
             </a:lvl9pPr>
           </a:lstStyle>
           <a:p>
@@ -1278,39 +1278,39 @@
         </p:nvSpPr>
         <p:spPr>
           <a:xfrm>
-            <a:off x="4684514" y="2099894"/>
-            <a:ext cx="4070152" cy="5939279"/>
+            <a:off x="4684514" y="2016180"/>
+            <a:ext cx="4070152" cy="5702504"/>
           </a:xfrm>
         </p:spPr>
         <p:txBody>
           <a:bodyPr/>
           <a:lstStyle>
             <a:lvl1pPr>
-              <a:defRPr sz="2800"/>
+              <a:defRPr sz="2688"/>
             </a:lvl1pPr>
             <a:lvl2pPr>
-              <a:defRPr sz="2400"/>
+              <a:defRPr sz="2304"/>
             </a:lvl2pPr>
             <a:lvl3pPr>
-              <a:defRPr sz="2000"/>
+              <a:defRPr sz="1920"/>
             </a:lvl3pPr>
             <a:lvl4pPr>
-              <a:defRPr sz="1800"/>
+              <a:defRPr sz="1728"/>
             </a:lvl4pPr>
             <a:lvl5pPr>
-              <a:defRPr sz="1800"/>
+              <a:defRPr sz="1728"/>
             </a:lvl5pPr>
             <a:lvl6pPr>
-              <a:defRPr sz="1800"/>
+              <a:defRPr sz="1728"/>
             </a:lvl6pPr>
             <a:lvl7pPr>
-              <a:defRPr sz="1800"/>
+              <a:defRPr sz="1728"/>
             </a:lvl7pPr>
             <a:lvl8pPr>
-              <a:defRPr sz="1800"/>
+              <a:defRPr sz="1728"/>
             </a:lvl8pPr>
             <a:lvl9pPr>
-              <a:defRPr sz="1800"/>
+              <a:defRPr sz="1728"/>
             </a:lvl9pPr>
           </a:lstStyle>
           <a:p>
@@ -1487,8 +1487,8 @@
         </p:nvSpPr>
         <p:spPr>
           <a:xfrm>
-            <a:off x="460772" y="2014482"/>
-            <a:ext cx="4071752" cy="839539"/>
+            <a:off x="460772" y="1934173"/>
+            <a:ext cx="4071752" cy="806070"/>
           </a:xfrm>
         </p:spPr>
         <p:txBody>
@@ -1496,39 +1496,39 @@
           <a:lstStyle>
             <a:lvl1pPr marL="0" indent="0">
               <a:buNone/>
-              <a:defRPr sz="2400" b="1"/>
+              <a:defRPr sz="2304" b="1"/>
             </a:lvl1pPr>
-            <a:lvl2pPr marL="457146" indent="0">
-              <a:buNone/>
-              <a:defRPr sz="2000" b="1"/>
+            <a:lvl2pPr marL="438906" indent="0">
+              <a:buNone/>
+              <a:defRPr sz="1920" b="1"/>
             </a:lvl2pPr>
-            <a:lvl3pPr marL="914291" indent="0">
-              <a:buNone/>
-              <a:defRPr sz="1800" b="1"/>
+            <a:lvl3pPr marL="877811" indent="0">
+              <a:buNone/>
+              <a:defRPr sz="1728" b="1"/>
             </a:lvl3pPr>
-            <a:lvl4pPr marL="1371438" indent="0">
-              <a:buNone/>
-              <a:defRPr sz="1600" b="1"/>
+            <a:lvl4pPr marL="1316718" indent="0">
+              <a:buNone/>
+              <a:defRPr sz="1536" b="1"/>
             </a:lvl4pPr>
-            <a:lvl5pPr marL="1828583" indent="0">
-              <a:buNone/>
-              <a:defRPr sz="1600" b="1"/>
+            <a:lvl5pPr marL="1755623" indent="0">
+              <a:buNone/>
+              <a:defRPr sz="1536" b="1"/>
             </a:lvl5pPr>
-            <a:lvl6pPr marL="2285729" indent="0">
-              <a:buNone/>
-              <a:defRPr sz="1600" b="1"/>
+            <a:lvl6pPr marL="2194528" indent="0">
+              <a:buNone/>
+              <a:defRPr sz="1536" b="1"/>
             </a:lvl6pPr>
-            <a:lvl7pPr marL="2742874" indent="0">
-              <a:buNone/>
-              <a:defRPr sz="1600" b="1"/>
+            <a:lvl7pPr marL="2633433" indent="0">
+              <a:buNone/>
+              <a:defRPr sz="1536" b="1"/>
             </a:lvl7pPr>
-            <a:lvl8pPr marL="3200020" indent="0">
-              <a:buNone/>
-              <a:defRPr sz="1600" b="1"/>
+            <a:lvl8pPr marL="3072339" indent="0">
+              <a:buNone/>
+              <a:defRPr sz="1536" b="1"/>
             </a:lvl8pPr>
-            <a:lvl9pPr marL="3657166" indent="0">
-              <a:buNone/>
-              <a:defRPr sz="1600" b="1"/>
+            <a:lvl9pPr marL="3511245" indent="0">
+              <a:buNone/>
+              <a:defRPr sz="1536" b="1"/>
             </a:lvl9pPr>
           </a:lstStyle>
           <a:p>
@@ -1552,39 +1552,39 @@
         </p:nvSpPr>
         <p:spPr>
           <a:xfrm>
-            <a:off x="460772" y="2854021"/>
-            <a:ext cx="4071752" cy="5185151"/>
+            <a:off x="460772" y="2740243"/>
+            <a:ext cx="4071752" cy="4978440"/>
           </a:xfrm>
         </p:spPr>
         <p:txBody>
           <a:bodyPr/>
           <a:lstStyle>
             <a:lvl1pPr>
-              <a:defRPr sz="2400"/>
+              <a:defRPr sz="2304"/>
             </a:lvl1pPr>
             <a:lvl2pPr>
-              <a:defRPr sz="2000"/>
+              <a:defRPr sz="1920"/>
             </a:lvl2pPr>
             <a:lvl3pPr>
-              <a:defRPr sz="1800"/>
+              <a:defRPr sz="1728"/>
             </a:lvl3pPr>
             <a:lvl4pPr>
-              <a:defRPr sz="1600"/>
+              <a:defRPr sz="1536"/>
             </a:lvl4pPr>
             <a:lvl5pPr>
-              <a:defRPr sz="1600"/>
+              <a:defRPr sz="1536"/>
             </a:lvl5pPr>
             <a:lvl6pPr>
-              <a:defRPr sz="1600"/>
+              <a:defRPr sz="1536"/>
             </a:lvl6pPr>
             <a:lvl7pPr>
-              <a:defRPr sz="1600"/>
+              <a:defRPr sz="1536"/>
             </a:lvl7pPr>
             <a:lvl8pPr>
-              <a:defRPr sz="1600"/>
+              <a:defRPr sz="1536"/>
             </a:lvl8pPr>
             <a:lvl9pPr>
-              <a:defRPr sz="1600"/>
+              <a:defRPr sz="1536"/>
             </a:lvl9pPr>
           </a:lstStyle>
           <a:p>
@@ -1637,8 +1637,8 @@
         </p:nvSpPr>
         <p:spPr>
           <a:xfrm>
-            <a:off x="4681317" y="2014482"/>
-            <a:ext cx="4073352" cy="839539"/>
+            <a:off x="4681317" y="1934173"/>
+            <a:ext cx="4073352" cy="806070"/>
           </a:xfrm>
         </p:spPr>
         <p:txBody>
@@ -1646,39 +1646,39 @@
           <a:lstStyle>
             <a:lvl1pPr marL="0" indent="0">
               <a:buNone/>
-              <a:defRPr sz="2400" b="1"/>
+              <a:defRPr sz="2304" b="1"/>
             </a:lvl1pPr>
-            <a:lvl2pPr marL="457146" indent="0">
-              <a:buNone/>
-              <a:defRPr sz="2000" b="1"/>
+            <a:lvl2pPr marL="438906" indent="0">
+              <a:buNone/>
+              <a:defRPr sz="1920" b="1"/>
             </a:lvl2pPr>
-            <a:lvl3pPr marL="914291" indent="0">
-              <a:buNone/>
-              <a:defRPr sz="1800" b="1"/>
+            <a:lvl3pPr marL="877811" indent="0">
+              <a:buNone/>
+              <a:defRPr sz="1728" b="1"/>
             </a:lvl3pPr>
-            <a:lvl4pPr marL="1371438" indent="0">
-              <a:buNone/>
-              <a:defRPr sz="1600" b="1"/>
+            <a:lvl4pPr marL="1316718" indent="0">
+              <a:buNone/>
+              <a:defRPr sz="1536" b="1"/>
             </a:lvl4pPr>
-            <a:lvl5pPr marL="1828583" indent="0">
-              <a:buNone/>
-              <a:defRPr sz="1600" b="1"/>
+            <a:lvl5pPr marL="1755623" indent="0">
+              <a:buNone/>
+              <a:defRPr sz="1536" b="1"/>
             </a:lvl5pPr>
-            <a:lvl6pPr marL="2285729" indent="0">
-              <a:buNone/>
-              <a:defRPr sz="1600" b="1"/>
+            <a:lvl6pPr marL="2194528" indent="0">
+              <a:buNone/>
+              <a:defRPr sz="1536" b="1"/>
             </a:lvl6pPr>
-            <a:lvl7pPr marL="2742874" indent="0">
-              <a:buNone/>
-              <a:defRPr sz="1600" b="1"/>
+            <a:lvl7pPr marL="2633433" indent="0">
+              <a:buNone/>
+              <a:defRPr sz="1536" b="1"/>
             </a:lvl7pPr>
-            <a:lvl8pPr marL="3200020" indent="0">
-              <a:buNone/>
-              <a:defRPr sz="1600" b="1"/>
+            <a:lvl8pPr marL="3072339" indent="0">
+              <a:buNone/>
+              <a:defRPr sz="1536" b="1"/>
             </a:lvl8pPr>
-            <a:lvl9pPr marL="3657166" indent="0">
-              <a:buNone/>
-              <a:defRPr sz="1600" b="1"/>
+            <a:lvl9pPr marL="3511245" indent="0">
+              <a:buNone/>
+              <a:defRPr sz="1536" b="1"/>
             </a:lvl9pPr>
           </a:lstStyle>
           <a:p>
@@ -1702,39 +1702,39 @@
         </p:nvSpPr>
         <p:spPr>
           <a:xfrm>
-            <a:off x="4681317" y="2854021"/>
-            <a:ext cx="4073352" cy="5185151"/>
+            <a:off x="4681317" y="2740243"/>
+            <a:ext cx="4073352" cy="4978440"/>
           </a:xfrm>
         </p:spPr>
         <p:txBody>
           <a:bodyPr/>
           <a:lstStyle>
             <a:lvl1pPr>
-              <a:defRPr sz="2400"/>
+              <a:defRPr sz="2304"/>
             </a:lvl1pPr>
             <a:lvl2pPr>
-              <a:defRPr sz="2000"/>
+              <a:defRPr sz="1920"/>
             </a:lvl2pPr>
             <a:lvl3pPr>
-              <a:defRPr sz="1800"/>
+              <a:defRPr sz="1728"/>
             </a:lvl3pPr>
             <a:lvl4pPr>
-              <a:defRPr sz="1600"/>
+              <a:defRPr sz="1536"/>
             </a:lvl4pPr>
             <a:lvl5pPr>
-              <a:defRPr sz="1600"/>
+              <a:defRPr sz="1536"/>
             </a:lvl5pPr>
             <a:lvl6pPr>
-              <a:defRPr sz="1600"/>
+              <a:defRPr sz="1536"/>
             </a:lvl6pPr>
             <a:lvl7pPr>
-              <a:defRPr sz="1600"/>
+              <a:defRPr sz="1536"/>
             </a:lvl7pPr>
             <a:lvl8pPr>
-              <a:defRPr sz="1600"/>
+              <a:defRPr sz="1536"/>
             </a:lvl8pPr>
             <a:lvl9pPr>
-              <a:defRPr sz="1600"/>
+              <a:defRPr sz="1536"/>
             </a:lvl9pPr>
           </a:lstStyle>
           <a:p>
@@ -2101,15 +2101,15 @@
         </p:nvSpPr>
         <p:spPr>
           <a:xfrm>
-            <a:off x="460774" y="358317"/>
-            <a:ext cx="3031816" cy="1524922"/>
+            <a:off x="460774" y="344032"/>
+            <a:ext cx="3031816" cy="1464130"/>
           </a:xfrm>
         </p:spPr>
         <p:txBody>
           <a:bodyPr anchor="b"/>
           <a:lstStyle>
             <a:lvl1pPr algn="l">
-              <a:defRPr sz="2000" b="1"/>
+              <a:defRPr sz="1920" b="1"/>
             </a:lvl1pPr>
           </a:lstStyle>
           <a:p>
@@ -2133,39 +2133,39 @@
         </p:nvSpPr>
         <p:spPr>
           <a:xfrm>
-            <a:off x="3602980" y="358318"/>
-            <a:ext cx="5151686" cy="7680856"/>
+            <a:off x="3602980" y="344034"/>
+            <a:ext cx="5151686" cy="7374651"/>
           </a:xfrm>
         </p:spPr>
         <p:txBody>
           <a:bodyPr/>
           <a:lstStyle>
             <a:lvl1pPr>
-              <a:defRPr sz="3200"/>
+              <a:defRPr sz="3072"/>
             </a:lvl1pPr>
             <a:lvl2pPr>
-              <a:defRPr sz="2800"/>
+              <a:defRPr sz="2688"/>
             </a:lvl2pPr>
             <a:lvl3pPr>
-              <a:defRPr sz="2400"/>
+              <a:defRPr sz="2304"/>
             </a:lvl3pPr>
             <a:lvl4pPr>
-              <a:defRPr sz="2000"/>
+              <a:defRPr sz="1920"/>
             </a:lvl4pPr>
             <a:lvl5pPr>
-              <a:defRPr sz="2000"/>
+              <a:defRPr sz="1920"/>
             </a:lvl5pPr>
             <a:lvl6pPr>
-              <a:defRPr sz="2000"/>
+              <a:defRPr sz="1920"/>
             </a:lvl6pPr>
             <a:lvl7pPr>
-              <a:defRPr sz="2000"/>
+              <a:defRPr sz="1920"/>
             </a:lvl7pPr>
             <a:lvl8pPr>
-              <a:defRPr sz="2000"/>
+              <a:defRPr sz="1920"/>
             </a:lvl8pPr>
             <a:lvl9pPr>
-              <a:defRPr sz="2000"/>
+              <a:defRPr sz="1920"/>
             </a:lvl9pPr>
           </a:lstStyle>
           <a:p>
@@ -2218,8 +2218,8 @@
         </p:nvSpPr>
         <p:spPr>
           <a:xfrm>
-            <a:off x="460774" y="1883239"/>
-            <a:ext cx="3031816" cy="6155934"/>
+            <a:off x="460774" y="1808162"/>
+            <a:ext cx="3031816" cy="5910522"/>
           </a:xfrm>
         </p:spPr>
         <p:txBody>
@@ -2227,39 +2227,39 @@
           <a:lstStyle>
             <a:lvl1pPr marL="0" indent="0">
               <a:buNone/>
-              <a:defRPr sz="1400"/>
+              <a:defRPr sz="1344"/>
             </a:lvl1pPr>
-            <a:lvl2pPr marL="457146" indent="0">
-              <a:buNone/>
-              <a:defRPr sz="1200"/>
+            <a:lvl2pPr marL="438906" indent="0">
+              <a:buNone/>
+              <a:defRPr sz="1152"/>
             </a:lvl2pPr>
-            <a:lvl3pPr marL="914291" indent="0">
-              <a:buNone/>
-              <a:defRPr sz="1000"/>
+            <a:lvl3pPr marL="877811" indent="0">
+              <a:buNone/>
+              <a:defRPr sz="960"/>
             </a:lvl3pPr>
-            <a:lvl4pPr marL="1371438" indent="0">
-              <a:buNone/>
-              <a:defRPr sz="900"/>
+            <a:lvl4pPr marL="1316718" indent="0">
+              <a:buNone/>
+              <a:defRPr sz="864"/>
             </a:lvl4pPr>
-            <a:lvl5pPr marL="1828583" indent="0">
-              <a:buNone/>
-              <a:defRPr sz="900"/>
+            <a:lvl5pPr marL="1755623" indent="0">
+              <a:buNone/>
+              <a:defRPr sz="864"/>
             </a:lvl5pPr>
-            <a:lvl6pPr marL="2285729" indent="0">
-              <a:buNone/>
-              <a:defRPr sz="900"/>
+            <a:lvl6pPr marL="2194528" indent="0">
+              <a:buNone/>
+              <a:defRPr sz="864"/>
             </a:lvl6pPr>
-            <a:lvl7pPr marL="2742874" indent="0">
-              <a:buNone/>
-              <a:defRPr sz="900"/>
+            <a:lvl7pPr marL="2633433" indent="0">
+              <a:buNone/>
+              <a:defRPr sz="864"/>
             </a:lvl7pPr>
-            <a:lvl8pPr marL="3200020" indent="0">
-              <a:buNone/>
-              <a:defRPr sz="900"/>
+            <a:lvl8pPr marL="3072339" indent="0">
+              <a:buNone/>
+              <a:defRPr sz="864"/>
             </a:lvl8pPr>
-            <a:lvl9pPr marL="3657166" indent="0">
-              <a:buNone/>
-              <a:defRPr sz="900"/>
+            <a:lvl9pPr marL="3511245" indent="0">
+              <a:buNone/>
+              <a:defRPr sz="864"/>
             </a:lvl9pPr>
           </a:lstStyle>
           <a:p>
@@ -2380,15 +2380,15 @@
         </p:nvSpPr>
         <p:spPr>
           <a:xfrm>
-            <a:off x="1806290" y="6299676"/>
-            <a:ext cx="5529263" cy="743713"/>
+            <a:off x="1806291" y="6048534"/>
+            <a:ext cx="5529263" cy="714064"/>
           </a:xfrm>
         </p:spPr>
         <p:txBody>
           <a:bodyPr anchor="b"/>
           <a:lstStyle>
             <a:lvl1pPr algn="l">
-              <a:defRPr sz="2000" b="1"/>
+              <a:defRPr sz="1920" b="1"/>
             </a:lvl1pPr>
           </a:lstStyle>
           <a:p>
@@ -2412,8 +2412,8 @@
         </p:nvSpPr>
         <p:spPr>
           <a:xfrm>
-            <a:off x="1806290" y="804126"/>
-            <a:ext cx="5529263" cy="5399723"/>
+            <a:off x="1806291" y="772069"/>
+            <a:ext cx="5529263" cy="5184458"/>
           </a:xfrm>
         </p:spPr>
         <p:txBody>
@@ -2421,39 +2421,39 @@
           <a:lstStyle>
             <a:lvl1pPr marL="0" indent="0">
               <a:buNone/>
-              <a:defRPr sz="3200"/>
+              <a:defRPr sz="3072"/>
             </a:lvl1pPr>
-            <a:lvl2pPr marL="457146" indent="0">
-              <a:buNone/>
-              <a:defRPr sz="2800"/>
+            <a:lvl2pPr marL="438906" indent="0">
+              <a:buNone/>
+              <a:defRPr sz="2688"/>
             </a:lvl2pPr>
-            <a:lvl3pPr marL="914291" indent="0">
-              <a:buNone/>
-              <a:defRPr sz="2400"/>
+            <a:lvl3pPr marL="877811" indent="0">
+              <a:buNone/>
+              <a:defRPr sz="2304"/>
             </a:lvl3pPr>
-            <a:lvl4pPr marL="1371438" indent="0">
-              <a:buNone/>
-              <a:defRPr sz="2000"/>
+            <a:lvl4pPr marL="1316718" indent="0">
+              <a:buNone/>
+              <a:defRPr sz="1920"/>
             </a:lvl4pPr>
-            <a:lvl5pPr marL="1828583" indent="0">
-              <a:buNone/>
-              <a:defRPr sz="2000"/>
+            <a:lvl5pPr marL="1755623" indent="0">
+              <a:buNone/>
+              <a:defRPr sz="1920"/>
             </a:lvl5pPr>
-            <a:lvl6pPr marL="2285729" indent="0">
-              <a:buNone/>
-              <a:defRPr sz="2000"/>
+            <a:lvl6pPr marL="2194528" indent="0">
+              <a:buNone/>
+              <a:defRPr sz="1920"/>
             </a:lvl6pPr>
-            <a:lvl7pPr marL="2742874" indent="0">
-              <a:buNone/>
-              <a:defRPr sz="2000"/>
+            <a:lvl7pPr marL="2633433" indent="0">
+              <a:buNone/>
+              <a:defRPr sz="1920"/>
             </a:lvl7pPr>
-            <a:lvl8pPr marL="3200020" indent="0">
-              <a:buNone/>
-              <a:defRPr sz="2000"/>
+            <a:lvl8pPr marL="3072339" indent="0">
+              <a:buNone/>
+              <a:defRPr sz="1920"/>
             </a:lvl8pPr>
-            <a:lvl9pPr marL="3657166" indent="0">
-              <a:buNone/>
-              <a:defRPr sz="2000"/>
+            <a:lvl9pPr marL="3511245" indent="0">
+              <a:buNone/>
+              <a:defRPr sz="1920"/>
             </a:lvl9pPr>
           </a:lstStyle>
           <a:p>
@@ -2473,8 +2473,8 @@
         </p:nvSpPr>
         <p:spPr>
           <a:xfrm>
-            <a:off x="1806290" y="7043391"/>
-            <a:ext cx="5529263" cy="1056195"/>
+            <a:off x="1806291" y="6762600"/>
+            <a:ext cx="5529263" cy="1014089"/>
           </a:xfrm>
         </p:spPr>
         <p:txBody>
@@ -2482,39 +2482,39 @@
           <a:lstStyle>
             <a:lvl1pPr marL="0" indent="0">
               <a:buNone/>
-              <a:defRPr sz="1400"/>
+              <a:defRPr sz="1344"/>
             </a:lvl1pPr>
-            <a:lvl2pPr marL="457146" indent="0">
-              <a:buNone/>
-              <a:defRPr sz="1200"/>
+            <a:lvl2pPr marL="438906" indent="0">
+              <a:buNone/>
+              <a:defRPr sz="1152"/>
             </a:lvl2pPr>
-            <a:lvl3pPr marL="914291" indent="0">
-              <a:buNone/>
-              <a:defRPr sz="1000"/>
+            <a:lvl3pPr marL="877811" indent="0">
+              <a:buNone/>
+              <a:defRPr sz="960"/>
             </a:lvl3pPr>
-            <a:lvl4pPr marL="1371438" indent="0">
-              <a:buNone/>
-              <a:defRPr sz="900"/>
+            <a:lvl4pPr marL="1316718" indent="0">
+              <a:buNone/>
+              <a:defRPr sz="864"/>
             </a:lvl4pPr>
-            <a:lvl5pPr marL="1828583" indent="0">
-              <a:buNone/>
-              <a:defRPr sz="900"/>
+            <a:lvl5pPr marL="1755623" indent="0">
+              <a:buNone/>
+              <a:defRPr sz="864"/>
             </a:lvl5pPr>
-            <a:lvl6pPr marL="2285729" indent="0">
-              <a:buNone/>
-              <a:defRPr sz="900"/>
+            <a:lvl6pPr marL="2194528" indent="0">
+              <a:buNone/>
+              <a:defRPr sz="864"/>
             </a:lvl6pPr>
-            <a:lvl7pPr marL="2742874" indent="0">
-              <a:buNone/>
-              <a:defRPr sz="900"/>
+            <a:lvl7pPr marL="2633433" indent="0">
+              <a:buNone/>
+              <a:defRPr sz="864"/>
             </a:lvl7pPr>
-            <a:lvl8pPr marL="3200020" indent="0">
-              <a:buNone/>
-              <a:defRPr sz="900"/>
+            <a:lvl8pPr marL="3072339" indent="0">
+              <a:buNone/>
+              <a:defRPr sz="864"/>
             </a:lvl8pPr>
-            <a:lvl9pPr marL="3657166" indent="0">
-              <a:buNone/>
-              <a:defRPr sz="900"/>
+            <a:lvl9pPr marL="3511245" indent="0">
+              <a:buNone/>
+              <a:defRPr sz="864"/>
             </a:lvl9pPr>
           </a:lstStyle>
           <a:p>
@@ -2640,8 +2640,8 @@
         </p:nvSpPr>
         <p:spPr>
           <a:xfrm>
-            <a:off x="460772" y="360398"/>
-            <a:ext cx="8293894" cy="1499923"/>
+            <a:off x="460772" y="346031"/>
+            <a:ext cx="8293894" cy="1440127"/>
           </a:xfrm>
           <a:prstGeom prst="rect">
             <a:avLst/>
@@ -2673,8 +2673,8 @@
         </p:nvSpPr>
         <p:spPr>
           <a:xfrm>
-            <a:off x="460772" y="2099894"/>
-            <a:ext cx="8293894" cy="5939279"/>
+            <a:off x="460772" y="2016180"/>
+            <a:ext cx="8293894" cy="5702504"/>
           </a:xfrm>
           <a:prstGeom prst="rect">
             <a:avLst/>
@@ -2735,8 +2735,8 @@
         </p:nvSpPr>
         <p:spPr>
           <a:xfrm>
-            <a:off x="460773" y="8341241"/>
-            <a:ext cx="2150269" cy="479142"/>
+            <a:off x="460774" y="8008709"/>
+            <a:ext cx="2150269" cy="460041"/>
           </a:xfrm>
           <a:prstGeom prst="rect">
             <a:avLst/>
@@ -2746,7 +2746,7 @@
           <a:bodyPr vert="horz" lIns="91429" tIns="45715" rIns="91429" bIns="45715" rtlCol="0" anchor="ctr"/>
           <a:lstStyle>
             <a:lvl1pPr algn="l">
-              <a:defRPr sz="1200">
+              <a:defRPr sz="1152">
                 <a:solidFill>
                   <a:schemeClr val="tx1">
                     <a:tint val="75000"/>
@@ -2777,8 +2777,8 @@
         </p:nvSpPr>
         <p:spPr>
           <a:xfrm>
-            <a:off x="3148609" y="8341241"/>
-            <a:ext cx="2918222" cy="479142"/>
+            <a:off x="3148609" y="8008709"/>
+            <a:ext cx="2918222" cy="460041"/>
           </a:xfrm>
           <a:prstGeom prst="rect">
             <a:avLst/>
@@ -2788,7 +2788,7 @@
           <a:bodyPr vert="horz" lIns="91429" tIns="45715" rIns="91429" bIns="45715" rtlCol="0" anchor="ctr"/>
           <a:lstStyle>
             <a:lvl1pPr algn="ctr">
-              <a:defRPr sz="1200">
+              <a:defRPr sz="1152">
                 <a:solidFill>
                   <a:schemeClr val="tx1">
                     <a:tint val="75000"/>
@@ -2814,8 +2814,8 @@
         </p:nvSpPr>
         <p:spPr>
           <a:xfrm>
-            <a:off x="6604397" y="8341241"/>
-            <a:ext cx="2150269" cy="479142"/>
+            <a:off x="6604398" y="8008709"/>
+            <a:ext cx="2150269" cy="460041"/>
           </a:xfrm>
           <a:prstGeom prst="rect">
             <a:avLst/>
@@ -2825,7 +2825,7 @@
           <a:bodyPr vert="horz" lIns="91429" tIns="45715" rIns="91429" bIns="45715" rtlCol="0" anchor="ctr"/>
           <a:lstStyle>
             <a:lvl1pPr algn="r">
-              <a:defRPr sz="1200">
+              <a:defRPr sz="1152">
                 <a:solidFill>
                   <a:schemeClr val="tx1">
                     <a:tint val="75000"/>
@@ -2867,12 +2867,12 @@
   </p:sldLayoutIdLst>
   <p:txStyles>
     <p:titleStyle>
-      <a:lvl1pPr algn="ctr" defTabSz="457146" rtl="0" eaLnBrk="1" latinLnBrk="0" hangingPunct="1">
+      <a:lvl1pPr algn="ctr" defTabSz="438906" rtl="0" eaLnBrk="1" latinLnBrk="0" hangingPunct="1">
         <a:spcBef>
           <a:spcPct val="0"/>
         </a:spcBef>
         <a:buNone/>
-        <a:defRPr sz="4400" kern="1200">
+        <a:defRPr sz="4224" kern="1200">
           <a:solidFill>
             <a:schemeClr val="tx1"/>
           </a:solidFill>
@@ -2883,13 +2883,13 @@
       </a:lvl1pPr>
     </p:titleStyle>
     <p:bodyStyle>
-      <a:lvl1pPr marL="342859" indent="-342859" algn="l" defTabSz="457146" rtl="0" eaLnBrk="1" latinLnBrk="0" hangingPunct="1">
+      <a:lvl1pPr marL="329179" indent="-329179" algn="l" defTabSz="438906" rtl="0" eaLnBrk="1" latinLnBrk="0" hangingPunct="1">
         <a:spcBef>
           <a:spcPct val="20000"/>
         </a:spcBef>
         <a:buFont typeface="Arial"/>
         <a:buChar char="•"/>
-        <a:defRPr sz="3200" kern="1200">
+        <a:defRPr sz="3072" kern="1200">
           <a:solidFill>
             <a:schemeClr val="tx1"/>
           </a:solidFill>
@@ -2898,13 +2898,13 @@
           <a:cs typeface="+mn-cs"/>
         </a:defRPr>
       </a:lvl1pPr>
-      <a:lvl2pPr marL="742862" indent="-285716" algn="l" defTabSz="457146" rtl="0" eaLnBrk="1" latinLnBrk="0" hangingPunct="1">
+      <a:lvl2pPr marL="713222" indent="-274316" algn="l" defTabSz="438906" rtl="0" eaLnBrk="1" latinLnBrk="0" hangingPunct="1">
         <a:spcBef>
           <a:spcPct val="20000"/>
         </a:spcBef>
         <a:buFont typeface="Arial"/>
         <a:buChar char="–"/>
-        <a:defRPr sz="2800" kern="1200">
+        <a:defRPr sz="2688" kern="1200">
           <a:solidFill>
             <a:schemeClr val="tx1"/>
           </a:solidFill>
@@ -2913,13 +2913,13 @@
           <a:cs typeface="+mn-cs"/>
         </a:defRPr>
       </a:lvl2pPr>
-      <a:lvl3pPr marL="1142865" indent="-228573" algn="l" defTabSz="457146" rtl="0" eaLnBrk="1" latinLnBrk="0" hangingPunct="1">
+      <a:lvl3pPr marL="1097265" indent="-219453" algn="l" defTabSz="438906" rtl="0" eaLnBrk="1" latinLnBrk="0" hangingPunct="1">
         <a:spcBef>
           <a:spcPct val="20000"/>
         </a:spcBef>
         <a:buFont typeface="Arial"/>
         <a:buChar char="•"/>
-        <a:defRPr sz="2400" kern="1200">
+        <a:defRPr sz="2304" kern="1200">
           <a:solidFill>
             <a:schemeClr val="tx1"/>
           </a:solidFill>
@@ -2928,13 +2928,13 @@
           <a:cs typeface="+mn-cs"/>
         </a:defRPr>
       </a:lvl3pPr>
-      <a:lvl4pPr marL="1600010" indent="-228573" algn="l" defTabSz="457146" rtl="0" eaLnBrk="1" latinLnBrk="0" hangingPunct="1">
+      <a:lvl4pPr marL="1536170" indent="-219453" algn="l" defTabSz="438906" rtl="0" eaLnBrk="1" latinLnBrk="0" hangingPunct="1">
         <a:spcBef>
           <a:spcPct val="20000"/>
         </a:spcBef>
         <a:buFont typeface="Arial"/>
         <a:buChar char="–"/>
-        <a:defRPr sz="2000" kern="1200">
+        <a:defRPr sz="1920" kern="1200">
           <a:solidFill>
             <a:schemeClr val="tx1"/>
           </a:solidFill>
@@ -2943,13 +2943,13 @@
           <a:cs typeface="+mn-cs"/>
         </a:defRPr>
       </a:lvl4pPr>
-      <a:lvl5pPr marL="2057156" indent="-228573" algn="l" defTabSz="457146" rtl="0" eaLnBrk="1" latinLnBrk="0" hangingPunct="1">
+      <a:lvl5pPr marL="1975075" indent="-219453" algn="l" defTabSz="438906" rtl="0" eaLnBrk="1" latinLnBrk="0" hangingPunct="1">
         <a:spcBef>
           <a:spcPct val="20000"/>
         </a:spcBef>
         <a:buFont typeface="Arial"/>
         <a:buChar char="»"/>
-        <a:defRPr sz="2000" kern="1200">
+        <a:defRPr sz="1920" kern="1200">
           <a:solidFill>
             <a:schemeClr val="tx1"/>
           </a:solidFill>
@@ -2958,13 +2958,13 @@
           <a:cs typeface="+mn-cs"/>
         </a:defRPr>
       </a:lvl5pPr>
-      <a:lvl6pPr marL="2514302" indent="-228573" algn="l" defTabSz="457146" rtl="0" eaLnBrk="1" latinLnBrk="0" hangingPunct="1">
+      <a:lvl6pPr marL="2413981" indent="-219453" algn="l" defTabSz="438906" rtl="0" eaLnBrk="1" latinLnBrk="0" hangingPunct="1">
         <a:spcBef>
           <a:spcPct val="20000"/>
         </a:spcBef>
         <a:buFont typeface="Arial"/>
         <a:buChar char="•"/>
-        <a:defRPr sz="2000" kern="1200">
+        <a:defRPr sz="1920" kern="1200">
           <a:solidFill>
             <a:schemeClr val="tx1"/>
           </a:solidFill>
@@ -2973,13 +2973,13 @@
           <a:cs typeface="+mn-cs"/>
         </a:defRPr>
       </a:lvl6pPr>
-      <a:lvl7pPr marL="2971447" indent="-228573" algn="l" defTabSz="457146" rtl="0" eaLnBrk="1" latinLnBrk="0" hangingPunct="1">
+      <a:lvl7pPr marL="2852886" indent="-219453" algn="l" defTabSz="438906" rtl="0" eaLnBrk="1" latinLnBrk="0" hangingPunct="1">
         <a:spcBef>
           <a:spcPct val="20000"/>
         </a:spcBef>
         <a:buFont typeface="Arial"/>
         <a:buChar char="•"/>
-        <a:defRPr sz="2000" kern="1200">
+        <a:defRPr sz="1920" kern="1200">
           <a:solidFill>
             <a:schemeClr val="tx1"/>
           </a:solidFill>
@@ -2988,13 +2988,13 @@
           <a:cs typeface="+mn-cs"/>
         </a:defRPr>
       </a:lvl7pPr>
-      <a:lvl8pPr marL="3428594" indent="-228573" algn="l" defTabSz="457146" rtl="0" eaLnBrk="1" latinLnBrk="0" hangingPunct="1">
+      <a:lvl8pPr marL="3291793" indent="-219453" algn="l" defTabSz="438906" rtl="0" eaLnBrk="1" latinLnBrk="0" hangingPunct="1">
         <a:spcBef>
           <a:spcPct val="20000"/>
         </a:spcBef>
         <a:buFont typeface="Arial"/>
         <a:buChar char="•"/>
-        <a:defRPr sz="2000" kern="1200">
+        <a:defRPr sz="1920" kern="1200">
           <a:solidFill>
             <a:schemeClr val="tx1"/>
           </a:solidFill>
@@ -3003,13 +3003,13 @@
           <a:cs typeface="+mn-cs"/>
         </a:defRPr>
       </a:lvl8pPr>
-      <a:lvl9pPr marL="3885739" indent="-228573" algn="l" defTabSz="457146" rtl="0" eaLnBrk="1" latinLnBrk="0" hangingPunct="1">
+      <a:lvl9pPr marL="3730698" indent="-219453" algn="l" defTabSz="438906" rtl="0" eaLnBrk="1" latinLnBrk="0" hangingPunct="1">
         <a:spcBef>
           <a:spcPct val="20000"/>
         </a:spcBef>
         <a:buFont typeface="Arial"/>
         <a:buChar char="•"/>
-        <a:defRPr sz="2000" kern="1200">
+        <a:defRPr sz="1920" kern="1200">
           <a:solidFill>
             <a:schemeClr val="tx1"/>
           </a:solidFill>
@@ -3023,8 +3023,8 @@
       <a:defPPr>
         <a:defRPr lang="en-US"/>
       </a:defPPr>
-      <a:lvl1pPr marL="0" algn="l" defTabSz="457146" rtl="0" eaLnBrk="1" latinLnBrk="0" hangingPunct="1">
-        <a:defRPr sz="1800" kern="1200">
+      <a:lvl1pPr marL="0" algn="l" defTabSz="438906" rtl="0" eaLnBrk="1" latinLnBrk="0" hangingPunct="1">
+        <a:defRPr sz="1728" kern="1200">
           <a:solidFill>
             <a:schemeClr val="tx1"/>
           </a:solidFill>
@@ -3033,8 +3033,8 @@
           <a:cs typeface="+mn-cs"/>
         </a:defRPr>
       </a:lvl1pPr>
-      <a:lvl2pPr marL="457146" algn="l" defTabSz="457146" rtl="0" eaLnBrk="1" latinLnBrk="0" hangingPunct="1">
-        <a:defRPr sz="1800" kern="1200">
+      <a:lvl2pPr marL="438906" algn="l" defTabSz="438906" rtl="0" eaLnBrk="1" latinLnBrk="0" hangingPunct="1">
+        <a:defRPr sz="1728" kern="1200">
           <a:solidFill>
             <a:schemeClr val="tx1"/>
           </a:solidFill>
@@ -3043,8 +3043,8 @@
           <a:cs typeface="+mn-cs"/>
         </a:defRPr>
       </a:lvl2pPr>
-      <a:lvl3pPr marL="914291" algn="l" defTabSz="457146" rtl="0" eaLnBrk="1" latinLnBrk="0" hangingPunct="1">
-        <a:defRPr sz="1800" kern="1200">
+      <a:lvl3pPr marL="877811" algn="l" defTabSz="438906" rtl="0" eaLnBrk="1" latinLnBrk="0" hangingPunct="1">
+        <a:defRPr sz="1728" kern="1200">
           <a:solidFill>
             <a:schemeClr val="tx1"/>
           </a:solidFill>
@@ -3053,8 +3053,8 @@
           <a:cs typeface="+mn-cs"/>
         </a:defRPr>
       </a:lvl3pPr>
-      <a:lvl4pPr marL="1371438" algn="l" defTabSz="457146" rtl="0" eaLnBrk="1" latinLnBrk="0" hangingPunct="1">
-        <a:defRPr sz="1800" kern="1200">
+      <a:lvl4pPr marL="1316718" algn="l" defTabSz="438906" rtl="0" eaLnBrk="1" latinLnBrk="0" hangingPunct="1">
+        <a:defRPr sz="1728" kern="1200">
           <a:solidFill>
             <a:schemeClr val="tx1"/>
           </a:solidFill>
@@ -3063,8 +3063,8 @@
           <a:cs typeface="+mn-cs"/>
         </a:defRPr>
       </a:lvl4pPr>
-      <a:lvl5pPr marL="1828583" algn="l" defTabSz="457146" rtl="0" eaLnBrk="1" latinLnBrk="0" hangingPunct="1">
-        <a:defRPr sz="1800" kern="1200">
+      <a:lvl5pPr marL="1755623" algn="l" defTabSz="438906" rtl="0" eaLnBrk="1" latinLnBrk="0" hangingPunct="1">
+        <a:defRPr sz="1728" kern="1200">
           <a:solidFill>
             <a:schemeClr val="tx1"/>
           </a:solidFill>
@@ -3073,8 +3073,8 @@
           <a:cs typeface="+mn-cs"/>
         </a:defRPr>
       </a:lvl5pPr>
-      <a:lvl6pPr marL="2285729" algn="l" defTabSz="457146" rtl="0" eaLnBrk="1" latinLnBrk="0" hangingPunct="1">
-        <a:defRPr sz="1800" kern="1200">
+      <a:lvl6pPr marL="2194528" algn="l" defTabSz="438906" rtl="0" eaLnBrk="1" latinLnBrk="0" hangingPunct="1">
+        <a:defRPr sz="1728" kern="1200">
           <a:solidFill>
             <a:schemeClr val="tx1"/>
           </a:solidFill>
@@ -3083,8 +3083,8 @@
           <a:cs typeface="+mn-cs"/>
         </a:defRPr>
       </a:lvl6pPr>
-      <a:lvl7pPr marL="2742874" algn="l" defTabSz="457146" rtl="0" eaLnBrk="1" latinLnBrk="0" hangingPunct="1">
-        <a:defRPr sz="1800" kern="1200">
+      <a:lvl7pPr marL="2633433" algn="l" defTabSz="438906" rtl="0" eaLnBrk="1" latinLnBrk="0" hangingPunct="1">
+        <a:defRPr sz="1728" kern="1200">
           <a:solidFill>
             <a:schemeClr val="tx1"/>
           </a:solidFill>
@@ -3093,8 +3093,8 @@
           <a:cs typeface="+mn-cs"/>
         </a:defRPr>
       </a:lvl7pPr>
-      <a:lvl8pPr marL="3200020" algn="l" defTabSz="457146" rtl="0" eaLnBrk="1" latinLnBrk="0" hangingPunct="1">
-        <a:defRPr sz="1800" kern="1200">
+      <a:lvl8pPr marL="3072339" algn="l" defTabSz="438906" rtl="0" eaLnBrk="1" latinLnBrk="0" hangingPunct="1">
+        <a:defRPr sz="1728" kern="1200">
           <a:solidFill>
             <a:schemeClr val="tx1"/>
           </a:solidFill>
@@ -3103,8 +3103,8 @@
           <a:cs typeface="+mn-cs"/>
         </a:defRPr>
       </a:lvl8pPr>
-      <a:lvl9pPr marL="3657166" algn="l" defTabSz="457146" rtl="0" eaLnBrk="1" latinLnBrk="0" hangingPunct="1">
-        <a:defRPr sz="1800" kern="1200">
+      <a:lvl9pPr marL="3511245" algn="l" defTabSz="438906" rtl="0" eaLnBrk="1" latinLnBrk="0" hangingPunct="1">
+        <a:defRPr sz="1728" kern="1200">
           <a:solidFill>
             <a:schemeClr val="tx1"/>
           </a:solidFill>
@@ -3137,6 +3137,30 @@
       </p:grpSpPr>
       <p:pic>
         <p:nvPicPr>
+          <p:cNvPr id="16" name="Picture 15"/>
+          <p:cNvPicPr>
+            <a:picLocks noChangeAspect="1"/>
+          </p:cNvPicPr>
+          <p:nvPr/>
+        </p:nvPicPr>
+        <p:blipFill rotWithShape="1">
+          <a:blip r:embed="rId2"/>
+          <a:srcRect l="15635" t="7956"/>
+          <a:stretch/>
+        </p:blipFill>
+        <p:spPr>
+          <a:xfrm>
+            <a:off x="6987781" y="4694184"/>
+            <a:ext cx="1310022" cy="1429249"/>
+          </a:xfrm>
+          <a:prstGeom prst="rect">
+            <a:avLst/>
+          </a:prstGeom>
+          <a:effectLst/>
+        </p:spPr>
+      </p:pic>
+      <p:pic>
+        <p:nvPicPr>
           <p:cNvPr id="107" name="Picture 106"/>
           <p:cNvPicPr>
             <a:picLocks noChangeAspect="1"/>
@@ -3144,11 +3168,11 @@
           <p:nvPr/>
         </p:nvPicPr>
         <p:blipFill rotWithShape="1">
-          <a:blip r:embed="rId2">
+          <a:blip r:embed="rId3">
             <a:extLst>
               <a:ext uri="{BEBA8EAE-BF5A-486C-A8C5-ECC9F3942E4B}">
                 <a14:imgProps xmlns:a14="http://schemas.microsoft.com/office/drawing/2010/main">
-                  <a14:imgLayer r:embed="rId3">
+                  <a14:imgLayer r:embed="rId4">
                     <a14:imgEffect>
                       <a14:artisticCrisscrossEtching/>
                     </a14:imgEffect>
@@ -3165,8 +3189,8 @@
         </p:blipFill>
         <p:spPr>
           <a:xfrm>
-            <a:off x="1674507" y="2218468"/>
-            <a:ext cx="5555667" cy="4262501"/>
+            <a:off x="1555070" y="2316292"/>
+            <a:ext cx="5334185" cy="4092572"/>
           </a:xfrm>
           <a:prstGeom prst="rect">
             <a:avLst/>
@@ -3181,8 +3205,8 @@
         </p:nvSpPr>
         <p:spPr>
           <a:xfrm>
-            <a:off x="1417969" y="1387646"/>
-            <a:ext cx="6066719" cy="5721745"/>
+            <a:off x="1308759" y="1518591"/>
+            <a:ext cx="5824864" cy="5493642"/>
           </a:xfrm>
           <a:prstGeom prst="ellipse">
             <a:avLst/>
@@ -3209,11 +3233,11 @@
           </a:fontRef>
         </p:style>
         <p:txBody>
-          <a:bodyPr lIns="91429" tIns="45715" rIns="91429" bIns="45715" rtlCol="0" anchor="ctr"/>
+          <a:bodyPr lIns="87784" tIns="43893" rIns="87784" bIns="43893" rtlCol="0" anchor="ctr"/>
           <a:lstStyle/>
           <a:p>
             <a:pPr algn="ctr"/>
-            <a:endParaRPr lang="en-US" b="1"/>
+            <a:endParaRPr lang="en-US" sz="1885" b="1"/>
           </a:p>
         </p:txBody>
       </p:sp>
@@ -3225,10 +3249,10 @@
         </p:nvGrpSpPr>
         <p:grpSpPr>
           <a:xfrm>
-            <a:off x="644394" y="2856649"/>
-            <a:ext cx="1816611" cy="768881"/>
-            <a:chOff x="914925" y="980677"/>
-            <a:chExt cx="1816611" cy="768881"/>
+            <a:off x="363420" y="2929031"/>
+            <a:ext cx="1946793" cy="741961"/>
+            <a:chOff x="703910" y="980677"/>
+            <a:chExt cx="2027626" cy="772768"/>
           </a:xfrm>
         </p:grpSpPr>
         <p:sp>
@@ -3239,8 +3263,8 @@
           </p:nvSpPr>
           <p:spPr>
             <a:xfrm>
-              <a:off x="914925" y="1355155"/>
-              <a:ext cx="931730" cy="394403"/>
+              <a:off x="703910" y="1355155"/>
+              <a:ext cx="1032123" cy="398290"/>
             </a:xfrm>
             <a:prstGeom prst="rect">
               <a:avLst/>
@@ -3254,7 +3278,10 @@
             <a:lstStyle/>
             <a:p>
               <a:r>
-                <a:rPr lang="en-US" b="1" dirty="0"/>
+                <a:rPr lang="en-US" sz="1885" b="1" dirty="0">
+                  <a:latin typeface="Arial" panose="020B0604020202020204" pitchFamily="34" charset="0"/>
+                  <a:cs typeface="Arial" panose="020B0604020202020204" pitchFamily="34" charset="0"/>
+                </a:rPr>
                 <a:t>Patient</a:t>
               </a:r>
             </a:p>
@@ -3269,7 +3296,7 @@
             <p:nvPr/>
           </p:nvPicPr>
           <p:blipFill>
-            <a:blip r:embed="rId4"/>
+            <a:blip r:embed="rId5"/>
             <a:stretch>
               <a:fillRect/>
             </a:stretch>
@@ -3293,10 +3320,10 @@
         </p:nvGrpSpPr>
         <p:grpSpPr>
           <a:xfrm>
-            <a:off x="2573288" y="971148"/>
-            <a:ext cx="2283032" cy="1071155"/>
-            <a:chOff x="3955438" y="1390766"/>
-            <a:chExt cx="2283032" cy="1071156"/>
+            <a:off x="2299833" y="1118697"/>
+            <a:ext cx="2310204" cy="1028452"/>
+            <a:chOff x="3832343" y="1390766"/>
+            <a:chExt cx="2406127" cy="1071156"/>
           </a:xfrm>
         </p:grpSpPr>
         <p:sp>
@@ -3307,8 +3334,8 @@
           </p:nvSpPr>
           <p:spPr>
             <a:xfrm>
-              <a:off x="3955438" y="1390766"/>
-              <a:ext cx="1352037" cy="394403"/>
+              <a:off x="3832343" y="1390766"/>
+              <a:ext cx="1551357" cy="398291"/>
             </a:xfrm>
             <a:prstGeom prst="rect">
               <a:avLst/>
@@ -3322,7 +3349,10 @@
             <a:lstStyle/>
             <a:p>
               <a:r>
-                <a:rPr lang="en-US" b="1" dirty="0"/>
+                <a:rPr lang="en-US" sz="1885" b="1" dirty="0">
+                  <a:latin typeface="Arial" panose="020B0604020202020204" pitchFamily="34" charset="0"/>
+                  <a:cs typeface="Arial" panose="020B0604020202020204" pitchFamily="34" charset="0"/>
+                </a:rPr>
                 <a:t>Pharmacist</a:t>
               </a:r>
             </a:p>
@@ -3337,7 +3367,7 @@
             <p:nvPr/>
           </p:nvPicPr>
           <p:blipFill>
-            <a:blip r:embed="rId4"/>
+            <a:blip r:embed="rId5"/>
             <a:stretch>
               <a:fillRect/>
             </a:stretch>
@@ -3361,8 +3391,8 @@
         </p:nvSpPr>
         <p:spPr>
           <a:xfrm>
-            <a:off x="7314270" y="6151329"/>
-            <a:ext cx="1518201" cy="394393"/>
+            <a:off x="6870537" y="6092366"/>
+            <a:ext cx="1658442" cy="378670"/>
           </a:xfrm>
           <a:prstGeom prst="rect">
             <a:avLst/>
@@ -3370,13 +3400,16 @@
           <a:noFill/>
         </p:spPr>
         <p:txBody>
-          <a:bodyPr wrap="square" lIns="91429" tIns="45715" rIns="91429" bIns="45715" rtlCol="0">
+          <a:bodyPr wrap="square" lIns="87784" tIns="43893" rIns="87784" bIns="43893" rtlCol="0">
             <a:spAutoFit/>
           </a:bodyPr>
           <a:lstStyle/>
           <a:p>
             <a:r>
-              <a:rPr lang="en-US" b="1" dirty="0"/>
+              <a:rPr lang="en-US" sz="1885" b="1" dirty="0">
+                <a:latin typeface="Arial" panose="020B0604020202020204" pitchFamily="34" charset="0"/>
+                <a:cs typeface="Arial" panose="020B0604020202020204" pitchFamily="34" charset="0"/>
+              </a:rPr>
               <a:t>Researcher</a:t>
             </a:r>
           </a:p>
@@ -3390,8 +3423,8 @@
         </p:nvSpPr>
         <p:spPr>
           <a:xfrm>
-            <a:off x="3962488" y="5319840"/>
-            <a:ext cx="416185" cy="443369"/>
+            <a:off x="3751839" y="5294024"/>
+            <a:ext cx="399593" cy="425694"/>
           </a:xfrm>
           <a:prstGeom prst="ellipse">
             <a:avLst/>
@@ -3423,12 +3456,12 @@
           </a:fontRef>
         </p:style>
         <p:txBody>
-          <a:bodyPr lIns="91429" tIns="45715" rIns="91429" bIns="45715" rtlCol="0" anchor="ctr"/>
+          <a:bodyPr lIns="87784" tIns="43893" rIns="87784" bIns="43893" rtlCol="0" anchor="ctr"/>
           <a:lstStyle/>
           <a:p>
             <a:pPr algn="ctr"/>
             <a:r>
-              <a:rPr lang="en-US" b="1" dirty="0">
+              <a:rPr lang="en-US" sz="1885" b="1" dirty="0">
                 <a:solidFill>
                   <a:srgbClr val="000000"/>
                 </a:solidFill>
@@ -3448,8 +3481,8 @@
         </p:nvSpPr>
         <p:spPr>
           <a:xfrm>
-            <a:off x="5533591" y="3175635"/>
-            <a:ext cx="416185" cy="443369"/>
+            <a:off x="5226442" y="3235300"/>
+            <a:ext cx="399593" cy="425694"/>
           </a:xfrm>
           <a:prstGeom prst="ellipse">
             <a:avLst/>
@@ -3481,12 +3514,12 @@
           </a:fontRef>
         </p:style>
         <p:txBody>
-          <a:bodyPr lIns="91429" tIns="45715" rIns="91429" bIns="45715" rtlCol="0" anchor="ctr"/>
+          <a:bodyPr lIns="87784" tIns="43893" rIns="87784" bIns="43893" rtlCol="0" anchor="ctr"/>
           <a:lstStyle/>
           <a:p>
             <a:pPr algn="ctr"/>
             <a:r>
-              <a:rPr lang="en-US" b="1" dirty="0">
+              <a:rPr lang="en-US" sz="1885" b="1" dirty="0">
                 <a:solidFill>
                   <a:srgbClr val="000000"/>
                 </a:solidFill>
@@ -3506,8 +3539,8 @@
         </p:nvSpPr>
         <p:spPr>
           <a:xfrm>
-            <a:off x="3969364" y="2415901"/>
-            <a:ext cx="416185" cy="443369"/>
+            <a:off x="3758441" y="2505854"/>
+            <a:ext cx="399593" cy="425694"/>
           </a:xfrm>
           <a:prstGeom prst="ellipse">
             <a:avLst/>
@@ -3539,12 +3572,12 @@
           </a:fontRef>
         </p:style>
         <p:txBody>
-          <a:bodyPr lIns="91429" tIns="45715" rIns="91429" bIns="45715" rtlCol="0" anchor="ctr"/>
+          <a:bodyPr lIns="87784" tIns="43893" rIns="87784" bIns="43893" rtlCol="0" anchor="ctr"/>
           <a:lstStyle/>
           <a:p>
             <a:pPr algn="ctr"/>
             <a:r>
-              <a:rPr lang="en-US" b="1" dirty="0">
+              <a:rPr lang="en-US" sz="1885" b="1" dirty="0">
                 <a:solidFill>
                   <a:schemeClr val="tx1"/>
                 </a:solidFill>
@@ -3564,8 +3597,8 @@
         </p:nvSpPr>
         <p:spPr>
           <a:xfrm>
-            <a:off x="2973227" y="4821163"/>
-            <a:ext cx="416185" cy="443369"/>
+            <a:off x="2802016" y="4815228"/>
+            <a:ext cx="399593" cy="425694"/>
           </a:xfrm>
           <a:prstGeom prst="ellipse">
             <a:avLst/>
@@ -3597,12 +3630,12 @@
           </a:fontRef>
         </p:style>
         <p:txBody>
-          <a:bodyPr lIns="91429" tIns="45715" rIns="91429" bIns="45715" rtlCol="0" anchor="ctr"/>
+          <a:bodyPr lIns="87784" tIns="43893" rIns="87784" bIns="43893" rtlCol="0" anchor="ctr"/>
           <a:lstStyle/>
           <a:p>
             <a:pPr algn="ctr"/>
             <a:r>
-              <a:rPr lang="en-US" b="1" dirty="0">
+              <a:rPr lang="en-US" sz="1885" b="1" dirty="0">
                 <a:solidFill>
                   <a:srgbClr val="000000"/>
                 </a:solidFill>
@@ -3622,8 +3655,8 @@
         </p:nvSpPr>
         <p:spPr>
           <a:xfrm>
-            <a:off x="5548531" y="4701790"/>
-            <a:ext cx="416185" cy="443369"/>
+            <a:off x="5274653" y="4717547"/>
+            <a:ext cx="399593" cy="425694"/>
           </a:xfrm>
           <a:prstGeom prst="ellipse">
             <a:avLst/>
@@ -3655,12 +3688,12 @@
           </a:fontRef>
         </p:style>
         <p:txBody>
-          <a:bodyPr lIns="91429" tIns="45715" rIns="91429" bIns="45715" rtlCol="0" anchor="ctr"/>
+          <a:bodyPr lIns="87784" tIns="43893" rIns="87784" bIns="43893" rtlCol="0" anchor="ctr"/>
           <a:lstStyle/>
           <a:p>
             <a:pPr algn="ctr"/>
             <a:r>
-              <a:rPr lang="en-US" b="1" dirty="0">
+              <a:rPr lang="en-US" sz="1885" b="1" dirty="0">
                 <a:solidFill>
                   <a:srgbClr val="000000"/>
                 </a:solidFill>
@@ -3680,8 +3713,8 @@
         </p:nvSpPr>
         <p:spPr>
           <a:xfrm rot="16200000">
-            <a:off x="3816131" y="2599669"/>
-            <a:ext cx="1404672" cy="316638"/>
+            <a:off x="3611316" y="2682295"/>
+            <a:ext cx="1348673" cy="304015"/>
           </a:xfrm>
           <a:prstGeom prst="leftRightArrow">
             <a:avLst/>
@@ -3713,11 +3746,11 @@
           </a:fontRef>
         </p:style>
         <p:txBody>
-          <a:bodyPr lIns="91429" tIns="45715" rIns="91429" bIns="45715" rtlCol="0" anchor="ctr"/>
+          <a:bodyPr lIns="87784" tIns="43893" rIns="87784" bIns="43893" rtlCol="0" anchor="ctr"/>
           <a:lstStyle/>
           <a:p>
             <a:pPr algn="ctr"/>
-            <a:endParaRPr lang="en-US" b="1"/>
+            <a:endParaRPr lang="en-US" sz="1885" b="1"/>
           </a:p>
         </p:txBody>
       </p:sp>
@@ -3730,15 +3763,15 @@
           <p:nvPr/>
         </p:nvPicPr>
         <p:blipFill>
-          <a:blip r:embed="rId5"/>
+          <a:blip r:embed="rId6"/>
           <a:stretch>
             <a:fillRect/>
           </a:stretch>
         </p:blipFill>
         <p:spPr>
           <a:xfrm>
-            <a:off x="3873172" y="91402"/>
-            <a:ext cx="1294089" cy="1294089"/>
+            <a:off x="3666083" y="208397"/>
+            <a:ext cx="1308125" cy="1308125"/>
           </a:xfrm>
           <a:prstGeom prst="rect">
             <a:avLst/>
@@ -3753,10 +3786,10 @@
         </p:nvGrpSpPr>
         <p:grpSpPr>
           <a:xfrm>
-            <a:off x="614875" y="4913210"/>
-            <a:ext cx="1810244" cy="1619781"/>
+            <a:off x="537681" y="4903605"/>
+            <a:ext cx="1738077" cy="1558939"/>
             <a:chOff x="596632" y="4769198"/>
-            <a:chExt cx="1810244" cy="1619781"/>
+            <a:chExt cx="1810244" cy="1623668"/>
           </a:xfrm>
         </p:grpSpPr>
         <p:pic>
@@ -3768,7 +3801,7 @@
             <p:nvPr/>
           </p:nvPicPr>
           <p:blipFill>
-            <a:blip r:embed="rId4"/>
+            <a:blip r:embed="rId5"/>
             <a:stretch>
               <a:fillRect/>
             </a:stretch>
@@ -3792,7 +3825,7 @@
           <p:spPr>
             <a:xfrm>
               <a:off x="596632" y="5994576"/>
-              <a:ext cx="1290661" cy="394403"/>
+              <a:ext cx="1673017" cy="398290"/>
             </a:xfrm>
             <a:prstGeom prst="rect">
               <a:avLst/>
@@ -3806,7 +3839,10 @@
             <a:lstStyle/>
             <a:p>
               <a:r>
-                <a:rPr lang="en-US" b="1" dirty="0"/>
+                <a:rPr lang="en-US" sz="1885" b="1" dirty="0">
+                  <a:latin typeface="Arial" panose="020B0604020202020204" pitchFamily="34" charset="0"/>
+                  <a:cs typeface="Arial" panose="020B0604020202020204" pitchFamily="34" charset="0"/>
+                </a:rPr>
                 <a:t>Physician</a:t>
               </a:r>
             </a:p>
@@ -3822,15 +3858,15 @@
           <p:nvPr/>
         </p:nvPicPr>
         <p:blipFill>
-          <a:blip r:embed="rId6"/>
+          <a:blip r:embed="rId7"/>
           <a:stretch>
             <a:fillRect/>
           </a:stretch>
         </p:blipFill>
         <p:spPr>
           <a:xfrm>
-            <a:off x="441398" y="4963269"/>
-            <a:ext cx="1497686" cy="1497686"/>
+            <a:off x="295461" y="4874900"/>
+            <a:ext cx="1546643" cy="1546643"/>
           </a:xfrm>
           <a:prstGeom prst="rect">
             <a:avLst/>
@@ -3846,15 +3882,15 @@
           <p:nvPr/>
         </p:nvPicPr>
         <p:blipFill>
-          <a:blip r:embed="rId7"/>
+          <a:blip r:embed="rId8"/>
           <a:stretch>
             <a:fillRect/>
           </a:stretch>
         </p:blipFill>
         <p:spPr>
           <a:xfrm>
-            <a:off x="555413" y="1982952"/>
-            <a:ext cx="1188590" cy="1188590"/>
+            <a:off x="480589" y="2090164"/>
+            <a:ext cx="1141206" cy="1141206"/>
           </a:xfrm>
           <a:prstGeom prst="rect">
             <a:avLst/>
@@ -3869,10 +3905,10 @@
         </p:nvGrpSpPr>
         <p:grpSpPr>
           <a:xfrm>
-            <a:off x="6364945" y="1959512"/>
-            <a:ext cx="2858295" cy="1747853"/>
+            <a:off x="6058519" y="2067659"/>
+            <a:ext cx="2923754" cy="1698789"/>
             <a:chOff x="6291136" y="845841"/>
-            <a:chExt cx="2858295" cy="1747853"/>
+            <a:chExt cx="3045152" cy="1769325"/>
           </a:xfrm>
         </p:grpSpPr>
         <p:pic>
@@ -3884,7 +3920,7 @@
             <p:nvPr/>
           </p:nvPicPr>
           <p:blipFill>
-            <a:blip r:embed="rId4"/>
+            <a:blip r:embed="rId5"/>
             <a:stretch>
               <a:fillRect/>
             </a:stretch>
@@ -3907,8 +3943,8 @@
           </p:nvSpPr>
           <p:spPr>
             <a:xfrm>
-              <a:off x="7311132" y="2199291"/>
-              <a:ext cx="1838299" cy="394403"/>
+              <a:off x="7311132" y="2216876"/>
+              <a:ext cx="2025156" cy="398290"/>
             </a:xfrm>
             <a:prstGeom prst="rect">
               <a:avLst/>
@@ -3922,7 +3958,10 @@
             <a:lstStyle/>
             <a:p>
               <a:r>
-                <a:rPr lang="en-US" b="1" dirty="0"/>
+                <a:rPr lang="en-US" sz="1885" b="1" dirty="0">
+                  <a:latin typeface="Arial" panose="020B0604020202020204" pitchFamily="34" charset="0"/>
+                  <a:cs typeface="Arial" panose="020B0604020202020204" pitchFamily="34" charset="0"/>
+                </a:rPr>
                 <a:t>Drug company</a:t>
               </a:r>
             </a:p>
@@ -3937,7 +3976,7 @@
             <p:nvPr/>
           </p:nvPicPr>
           <p:blipFill>
-            <a:blip r:embed="rId8"/>
+            <a:blip r:embed="rId9"/>
             <a:stretch>
               <a:fillRect/>
             </a:stretch>
@@ -3955,30 +3994,6 @@
       </p:grpSp>
       <p:pic>
         <p:nvPicPr>
-          <p:cNvPr id="16" name="Picture 15"/>
-          <p:cNvPicPr>
-            <a:picLocks noChangeAspect="1"/>
-          </p:cNvPicPr>
-          <p:nvPr/>
-        </p:nvPicPr>
-        <p:blipFill rotWithShape="1">
-          <a:blip r:embed="rId9"/>
-          <a:srcRect l="15635"/>
-          <a:stretch/>
-        </p:blipFill>
-        <p:spPr>
-          <a:xfrm>
-            <a:off x="7403127" y="4991094"/>
-            <a:ext cx="931956" cy="1104667"/>
-          </a:xfrm>
-          <a:prstGeom prst="rect">
-            <a:avLst/>
-          </a:prstGeom>
-          <a:effectLst/>
-        </p:spPr>
-      </p:pic>
-      <p:pic>
-        <p:nvPicPr>
           <p:cNvPr id="90" name="Picture 89"/>
           <p:cNvPicPr>
             <a:picLocks noChangeAspect="1"/>
@@ -3986,15 +4001,15 @@
           <p:nvPr/>
         </p:nvPicPr>
         <p:blipFill>
-          <a:blip r:embed="rId4"/>
+          <a:blip r:embed="rId5"/>
           <a:stretch>
             <a:fillRect/>
           </a:stretch>
         </p:blipFill>
         <p:spPr>
           <a:xfrm>
-            <a:off x="6547381" y="4867301"/>
-            <a:ext cx="614924" cy="602222"/>
+            <a:off x="6177518" y="4804522"/>
+            <a:ext cx="646573" cy="633218"/>
           </a:xfrm>
           <a:prstGeom prst="rect">
             <a:avLst/>
@@ -4009,8 +4024,8 @@
         </p:nvSpPr>
         <p:spPr>
           <a:xfrm rot="16200000">
-            <a:off x="3792436" y="5482831"/>
-            <a:ext cx="1445196" cy="310597"/>
+            <a:off x="3588565" y="5450518"/>
+            <a:ext cx="1387582" cy="298215"/>
           </a:xfrm>
           <a:prstGeom prst="leftRightArrow">
             <a:avLst/>
@@ -4042,11 +4057,11 @@
           </a:fontRef>
         </p:style>
         <p:txBody>
-          <a:bodyPr lIns="91429" tIns="45715" rIns="91429" bIns="45715" rtlCol="0" anchor="ctr"/>
+          <a:bodyPr lIns="87784" tIns="43893" rIns="87784" bIns="43893" rtlCol="0" anchor="ctr"/>
           <a:lstStyle/>
           <a:p>
             <a:pPr algn="ctr"/>
-            <a:endParaRPr lang="en-US" b="1"/>
+            <a:endParaRPr lang="en-US" sz="1885" b="1"/>
           </a:p>
         </p:txBody>
       </p:sp>
@@ -4058,8 +4073,8 @@
         </p:nvSpPr>
         <p:spPr>
           <a:xfrm rot="20445041">
-            <a:off x="5195417" y="3559687"/>
-            <a:ext cx="1432577" cy="287305"/>
+            <a:off x="4800152" y="3620975"/>
+            <a:ext cx="1375466" cy="275851"/>
           </a:xfrm>
           <a:prstGeom prst="leftRightArrow">
             <a:avLst/>
@@ -4091,11 +4106,11 @@
           </a:fontRef>
         </p:style>
         <p:txBody>
-          <a:bodyPr lIns="91429" tIns="45715" rIns="91429" bIns="45715" rtlCol="0" anchor="ctr"/>
+          <a:bodyPr lIns="87784" tIns="43893" rIns="87784" bIns="43893" rtlCol="0" anchor="ctr"/>
           <a:lstStyle/>
           <a:p>
             <a:pPr algn="ctr"/>
-            <a:endParaRPr lang="en-US">
+            <a:endParaRPr lang="en-US" sz="1885">
               <a:ln w="0"/>
               <a:solidFill>
                 <a:schemeClr val="bg2">
@@ -4135,8 +4150,8 @@
         </p:blipFill>
         <p:spPr>
           <a:xfrm>
-            <a:off x="4091909" y="3410538"/>
-            <a:ext cx="977987" cy="1384850"/>
+            <a:off x="3876100" y="3460838"/>
+            <a:ext cx="938999" cy="1329642"/>
           </a:xfrm>
           <a:prstGeom prst="rect">
             <a:avLst/>
@@ -4151,8 +4166,8 @@
         </p:nvSpPr>
         <p:spPr>
           <a:xfrm>
-            <a:off x="3001025" y="3199534"/>
-            <a:ext cx="416185" cy="443369"/>
+            <a:off x="2828706" y="3258246"/>
+            <a:ext cx="399593" cy="425694"/>
           </a:xfrm>
           <a:prstGeom prst="ellipse">
             <a:avLst/>
@@ -4184,12 +4199,12 @@
           </a:fontRef>
         </p:style>
         <p:txBody>
-          <a:bodyPr lIns="91429" tIns="45715" rIns="91429" bIns="45715" rtlCol="0" anchor="ctr"/>
+          <a:bodyPr lIns="87784" tIns="43893" rIns="87784" bIns="43893" rtlCol="0" anchor="ctr"/>
           <a:lstStyle/>
           <a:p>
             <a:pPr algn="ctr"/>
             <a:r>
-              <a:rPr lang="en-US" b="1" dirty="0">
+              <a:rPr lang="en-US" sz="1885" b="1" dirty="0">
                 <a:solidFill>
                   <a:schemeClr val="tx1"/>
                 </a:solidFill>
@@ -4209,8 +4224,8 @@
         </p:nvSpPr>
         <p:spPr>
           <a:xfrm rot="20445041">
-            <a:off x="2435521" y="4533826"/>
-            <a:ext cx="1432577" cy="287305"/>
+            <a:off x="2285746" y="4539346"/>
+            <a:ext cx="1375466" cy="275851"/>
           </a:xfrm>
           <a:prstGeom prst="leftRightArrow">
             <a:avLst/>
@@ -4242,11 +4257,11 @@
           </a:fontRef>
         </p:style>
         <p:txBody>
-          <a:bodyPr lIns="91429" tIns="45715" rIns="91429" bIns="45715" rtlCol="0" anchor="ctr"/>
+          <a:bodyPr lIns="87784" tIns="43893" rIns="87784" bIns="43893" rtlCol="0" anchor="ctr"/>
           <a:lstStyle/>
           <a:p>
             <a:pPr algn="ctr"/>
-            <a:endParaRPr lang="en-US" b="1"/>
+            <a:endParaRPr lang="en-US" sz="1885" b="1"/>
           </a:p>
         </p:txBody>
       </p:sp>
@@ -4258,8 +4273,8 @@
         </p:nvSpPr>
         <p:spPr>
           <a:xfrm rot="1091648">
-            <a:off x="2403064" y="3626569"/>
-            <a:ext cx="1451456" cy="304081"/>
+            <a:off x="2254582" y="3668257"/>
+            <a:ext cx="1393592" cy="291959"/>
           </a:xfrm>
           <a:prstGeom prst="leftRightArrow">
             <a:avLst/>
@@ -4291,11 +4306,11 @@
           </a:fontRef>
         </p:style>
         <p:txBody>
-          <a:bodyPr lIns="91429" tIns="45715" rIns="91429" bIns="45715" rtlCol="0" anchor="ctr"/>
+          <a:bodyPr lIns="87784" tIns="43893" rIns="87784" bIns="43893" rtlCol="0" anchor="ctr"/>
           <a:lstStyle/>
           <a:p>
             <a:pPr algn="ctr"/>
-            <a:endParaRPr lang="en-US" b="1"/>
+            <a:endParaRPr lang="en-US" sz="1885" b="1"/>
           </a:p>
         </p:txBody>
       </p:sp>
@@ -4306,9 +4321,9 @@
           <p:nvPr/>
         </p:nvSpPr>
         <p:spPr>
-          <a:xfrm rot="1091648">
-            <a:off x="5189515" y="4430216"/>
-            <a:ext cx="1432577" cy="287305"/>
+          <a:xfrm rot="1317137">
+            <a:off x="4813497" y="4443813"/>
+            <a:ext cx="1358383" cy="286435"/>
           </a:xfrm>
           <a:prstGeom prst="leftRightArrow">
             <a:avLst/>
@@ -4340,11 +4355,11 @@
           </a:fontRef>
         </p:style>
         <p:txBody>
-          <a:bodyPr lIns="91429" tIns="45715" rIns="91429" bIns="45715" rtlCol="0" anchor="ctr"/>
+          <a:bodyPr lIns="87784" tIns="43893" rIns="87784" bIns="43893" rtlCol="0" anchor="ctr"/>
           <a:lstStyle/>
           <a:p>
             <a:pPr algn="ctr"/>
-            <a:endParaRPr lang="en-US" b="1"/>
+            <a:endParaRPr lang="en-US" sz="1885" b="1"/>
           </a:p>
         </p:txBody>
       </p:sp>
@@ -4356,8 +4371,8 @@
         </p:nvGrpSpPr>
         <p:grpSpPr>
           <a:xfrm>
-            <a:off x="3878306" y="7215493"/>
-            <a:ext cx="1328983" cy="1290287"/>
+            <a:off x="3522133" y="7114105"/>
+            <a:ext cx="1424882" cy="1445389"/>
             <a:chOff x="1994936" y="1141875"/>
             <a:chExt cx="1842932" cy="1932220"/>
           </a:xfrm>
@@ -4441,15 +4456,15 @@
           <p:nvPr/>
         </p:nvPicPr>
         <p:blipFill>
-          <a:blip r:embed="rId4"/>
+          <a:blip r:embed="rId5"/>
           <a:stretch>
             <a:fillRect/>
           </a:stretch>
         </p:blipFill>
         <p:spPr>
           <a:xfrm>
-            <a:off x="4213301" y="6451885"/>
-            <a:ext cx="625434" cy="612516"/>
+            <a:off x="3992653" y="6380939"/>
+            <a:ext cx="600500" cy="588097"/>
           </a:xfrm>
           <a:prstGeom prst="rect">
             <a:avLst/>
@@ -4464,8 +4479,8 @@
         </p:nvSpPr>
         <p:spPr>
           <a:xfrm>
-            <a:off x="4719402" y="7950398"/>
-            <a:ext cx="2727186" cy="394393"/>
+            <a:off x="4478577" y="7819713"/>
+            <a:ext cx="2618464" cy="378670"/>
           </a:xfrm>
           <a:prstGeom prst="rect">
             <a:avLst/>
@@ -4473,28 +4488,35 @@
           <a:noFill/>
         </p:spPr>
         <p:txBody>
-          <a:bodyPr wrap="square" lIns="91429" tIns="45715" rIns="91429" bIns="45715" rtlCol="0">
+          <a:bodyPr wrap="square" lIns="87784" tIns="43893" rIns="87784" bIns="43893" rtlCol="0">
             <a:spAutoFit/>
           </a:bodyPr>
           <a:lstStyle/>
           <a:p>
             <a:r>
-              <a:rPr lang="en-US" b="1" dirty="0">
+              <a:rPr lang="en-US" sz="1885" b="1" dirty="0">
+                <a:latin typeface="Arial" panose="020B0604020202020204" pitchFamily="34" charset="0"/>
+                <a:cs typeface="Arial" panose="020B0604020202020204" pitchFamily="34" charset="0"/>
+              </a:rPr>
+              <a:t>Insurance</a:t>
+            </a:r>
+            <a:r>
+              <a:rPr lang="en-US" sz="1885" b="1" dirty="0">
                 <a:latin typeface="+mj-lt"/>
                 <a:cs typeface="Times New Roman"/>
               </a:rPr>
-              <a:t>Insurance </a:t>
-            </a:r>
-            <a:r>
-              <a:rPr lang="en-US" b="1" dirty="0" smtClean="0">
-                <a:latin typeface="+mj-lt"/>
-                <a:cs typeface="Times New Roman"/>
+              <a:t> </a:t>
+            </a:r>
+            <a:r>
+              <a:rPr lang="en-US" sz="1885" b="1" dirty="0">
+                <a:latin typeface="Arial" panose="020B0604020202020204" pitchFamily="34" charset="0"/>
+                <a:cs typeface="Arial" panose="020B0604020202020204" pitchFamily="34" charset="0"/>
               </a:rPr>
               <a:t>company</a:t>
             </a:r>
-            <a:endParaRPr lang="en-US" b="1" dirty="0">
-              <a:latin typeface="+mj-lt"/>
-              <a:cs typeface="Times New Roman"/>
+            <a:endParaRPr lang="en-US" sz="1885" b="1" dirty="0">
+              <a:latin typeface="Arial" panose="020B0604020202020204" pitchFamily="34" charset="0"/>
+              <a:cs typeface="Arial" panose="020B0604020202020204" pitchFamily="34" charset="0"/>
             </a:endParaRPr>
           </a:p>
         </p:txBody>
